--- a/causal_3week.pptx
+++ b/causal_3week.pptx
@@ -5,7 +5,7 @@
     <p:sldMasterId id="2147483648" r:id="rId1"/>
   </p:sldMasterIdLst>
   <p:notesMasterIdLst>
-    <p:notesMasterId r:id="rId13"/>
+    <p:notesMasterId r:id="rId14"/>
   </p:notesMasterIdLst>
   <p:sldIdLst>
     <p:sldId id="256" r:id="rId2"/>
@@ -17,8 +17,9 @@
     <p:sldId id="275" r:id="rId8"/>
     <p:sldId id="276" r:id="rId9"/>
     <p:sldId id="277" r:id="rId10"/>
-    <p:sldId id="278" r:id="rId11"/>
-    <p:sldId id="279" r:id="rId12"/>
+    <p:sldId id="280" r:id="rId11"/>
+    <p:sldId id="278" r:id="rId12"/>
+    <p:sldId id="279" r:id="rId13"/>
   </p:sldIdLst>
   <p:sldSz cx="12192000" cy="6858000"/>
   <p:notesSz cx="6858000" cy="9144000"/>
@@ -128,13 +129,399 @@
 <file path=ppt/revisionInfo.xml><?xml version="1.0" encoding="utf-8"?>
 <p1510:revInfo xmlns:a="http://schemas.openxmlformats.org/drawingml/2006/main" xmlns:r="http://schemas.openxmlformats.org/officeDocument/2006/relationships" xmlns:p1510="http://schemas.microsoft.com/office/powerpoint/2015/10/main">
   <p1510:revLst>
-    <p1510:client id="{B398BC5E-9664-4754-995F-10C212C15704}" v="696" dt="2025-02-09T13:37:53.518"/>
+    <p1510:client id="{4BD60E4B-524F-46CE-A92D-80321B4995DF}" v="259" dt="2025-02-26T14:11:20.640"/>
   </p1510:revLst>
 </p1510:revInfo>
 </file>
 
 <file path=ppt/changesInfos/changesInfo1.xml><?xml version="1.0" encoding="utf-8"?>
 <pc:chgInfo xmlns:a="http://schemas.openxmlformats.org/drawingml/2006/main" xmlns:r="http://schemas.openxmlformats.org/officeDocument/2006/relationships" xmlns:ac="http://schemas.microsoft.com/office/drawing/2013/main/command" xmlns:pc="http://schemas.microsoft.com/office/powerpoint/2013/main/command">
+  <pc:docChgLst>
+    <pc:chgData name="minsu kim" userId="d586a65892af6ce7" providerId="LiveId" clId="{4BD60E4B-524F-46CE-A92D-80321B4995DF}"/>
+    <pc:docChg chg="custSel addSld modSld">
+      <pc:chgData name="minsu kim" userId="d586a65892af6ce7" providerId="LiveId" clId="{4BD60E4B-524F-46CE-A92D-80321B4995DF}" dt="2025-02-26T14:12:03.256" v="4691" actId="1076"/>
+      <pc:docMkLst>
+        <pc:docMk/>
+      </pc:docMkLst>
+      <pc:sldChg chg="addSp modSp mod">
+        <pc:chgData name="minsu kim" userId="d586a65892af6ce7" providerId="LiveId" clId="{4BD60E4B-524F-46CE-A92D-80321B4995DF}" dt="2025-02-26T13:15:52.474" v="620" actId="20577"/>
+        <pc:sldMkLst>
+          <pc:docMk/>
+          <pc:sldMk cId="622266" sldId="273"/>
+        </pc:sldMkLst>
+        <pc:spChg chg="add mod">
+          <ac:chgData name="minsu kim" userId="d586a65892af6ce7" providerId="LiveId" clId="{4BD60E4B-524F-46CE-A92D-80321B4995DF}" dt="2025-02-26T13:15:52.474" v="620" actId="20577"/>
+          <ac:spMkLst>
+            <pc:docMk/>
+            <pc:sldMk cId="622266" sldId="273"/>
+            <ac:spMk id="3" creationId="{091019BC-A899-0366-F728-21AC7C22DF7A}"/>
+          </ac:spMkLst>
+        </pc:spChg>
+      </pc:sldChg>
+      <pc:sldChg chg="addSp modSp mod">
+        <pc:chgData name="minsu kim" userId="d586a65892af6ce7" providerId="LiveId" clId="{4BD60E4B-524F-46CE-A92D-80321B4995DF}" dt="2025-02-26T13:20:35.257" v="1198" actId="20577"/>
+        <pc:sldMkLst>
+          <pc:docMk/>
+          <pc:sldMk cId="4281331783" sldId="274"/>
+        </pc:sldMkLst>
+        <pc:spChg chg="add mod">
+          <ac:chgData name="minsu kim" userId="d586a65892af6ce7" providerId="LiveId" clId="{4BD60E4B-524F-46CE-A92D-80321B4995DF}" dt="2025-02-26T13:20:35.257" v="1198" actId="20577"/>
+          <ac:spMkLst>
+            <pc:docMk/>
+            <pc:sldMk cId="4281331783" sldId="274"/>
+            <ac:spMk id="3" creationId="{C09A3496-4F8C-00CF-7D7A-40AD38C8E738}"/>
+          </ac:spMkLst>
+        </pc:spChg>
+      </pc:sldChg>
+      <pc:sldChg chg="addSp modSp mod">
+        <pc:chgData name="minsu kim" userId="d586a65892af6ce7" providerId="LiveId" clId="{4BD60E4B-524F-46CE-A92D-80321B4995DF}" dt="2025-02-26T13:24:24.368" v="1875" actId="20577"/>
+        <pc:sldMkLst>
+          <pc:docMk/>
+          <pc:sldMk cId="3040129138" sldId="275"/>
+        </pc:sldMkLst>
+        <pc:spChg chg="add mod">
+          <ac:chgData name="minsu kim" userId="d586a65892af6ce7" providerId="LiveId" clId="{4BD60E4B-524F-46CE-A92D-80321B4995DF}" dt="2025-02-26T13:22:06.653" v="1597" actId="14100"/>
+          <ac:spMkLst>
+            <pc:docMk/>
+            <pc:sldMk cId="3040129138" sldId="275"/>
+            <ac:spMk id="3" creationId="{3B0E4A2B-9F41-CCEC-D3E4-A97E9BABED27}"/>
+          </ac:spMkLst>
+        </pc:spChg>
+        <pc:spChg chg="add mod">
+          <ac:chgData name="minsu kim" userId="d586a65892af6ce7" providerId="LiveId" clId="{4BD60E4B-524F-46CE-A92D-80321B4995DF}" dt="2025-02-26T13:22:41.639" v="1600" actId="1076"/>
+          <ac:spMkLst>
+            <pc:docMk/>
+            <pc:sldMk cId="3040129138" sldId="275"/>
+            <ac:spMk id="4" creationId="{88DED589-0F89-749C-33B4-9FBE602A7CB3}"/>
+          </ac:spMkLst>
+        </pc:spChg>
+        <pc:spChg chg="add mod">
+          <ac:chgData name="minsu kim" userId="d586a65892af6ce7" providerId="LiveId" clId="{4BD60E4B-524F-46CE-A92D-80321B4995DF}" dt="2025-02-26T13:23:05.300" v="1606" actId="1076"/>
+          <ac:spMkLst>
+            <pc:docMk/>
+            <pc:sldMk cId="3040129138" sldId="275"/>
+            <ac:spMk id="6" creationId="{AD1B1592-99DC-4933-D531-3087505F37BC}"/>
+          </ac:spMkLst>
+        </pc:spChg>
+        <pc:spChg chg="add mod">
+          <ac:chgData name="minsu kim" userId="d586a65892af6ce7" providerId="LiveId" clId="{4BD60E4B-524F-46CE-A92D-80321B4995DF}" dt="2025-02-26T13:23:29.787" v="1620" actId="20577"/>
+          <ac:spMkLst>
+            <pc:docMk/>
+            <pc:sldMk cId="3040129138" sldId="275"/>
+            <ac:spMk id="7" creationId="{9CCF0F4D-BD76-B6A2-CFCE-D8A2E894F2D1}"/>
+          </ac:spMkLst>
+        </pc:spChg>
+        <pc:spChg chg="add mod">
+          <ac:chgData name="minsu kim" userId="d586a65892af6ce7" providerId="LiveId" clId="{4BD60E4B-524F-46CE-A92D-80321B4995DF}" dt="2025-02-26T13:23:26.614" v="1618" actId="1035"/>
+          <ac:spMkLst>
+            <pc:docMk/>
+            <pc:sldMk cId="3040129138" sldId="275"/>
+            <ac:spMk id="8" creationId="{3F4819DE-58FF-7241-57D2-CEA5D4DBE812}"/>
+          </ac:spMkLst>
+        </pc:spChg>
+        <pc:spChg chg="add mod">
+          <ac:chgData name="minsu kim" userId="d586a65892af6ce7" providerId="LiveId" clId="{4BD60E4B-524F-46CE-A92D-80321B4995DF}" dt="2025-02-26T13:24:24.368" v="1875" actId="20577"/>
+          <ac:spMkLst>
+            <pc:docMk/>
+            <pc:sldMk cId="3040129138" sldId="275"/>
+            <ac:spMk id="9" creationId="{CA2EC438-117B-BF6F-ADD7-E77AFAB1BE1F}"/>
+          </ac:spMkLst>
+        </pc:spChg>
+        <pc:picChg chg="add mod">
+          <ac:chgData name="minsu kim" userId="d586a65892af6ce7" providerId="LiveId" clId="{4BD60E4B-524F-46CE-A92D-80321B4995DF}" dt="2025-02-26T13:22:33.015" v="1599" actId="1076"/>
+          <ac:picMkLst>
+            <pc:docMk/>
+            <pc:sldMk cId="3040129138" sldId="275"/>
+            <ac:picMk id="5" creationId="{8C5EC492-6AB6-71B6-54BE-0CB1B5EE7C0D}"/>
+          </ac:picMkLst>
+        </pc:picChg>
+      </pc:sldChg>
+      <pc:sldChg chg="addSp modSp mod">
+        <pc:chgData name="minsu kim" userId="d586a65892af6ce7" providerId="LiveId" clId="{4BD60E4B-524F-46CE-A92D-80321B4995DF}" dt="2025-02-26T13:33:01.204" v="2428" actId="20577"/>
+        <pc:sldMkLst>
+          <pc:docMk/>
+          <pc:sldMk cId="3135884275" sldId="276"/>
+        </pc:sldMkLst>
+        <pc:spChg chg="add mod">
+          <ac:chgData name="minsu kim" userId="d586a65892af6ce7" providerId="LiveId" clId="{4BD60E4B-524F-46CE-A92D-80321B4995DF}" dt="2025-02-26T13:28:04.529" v="1968" actId="14100"/>
+          <ac:spMkLst>
+            <pc:docMk/>
+            <pc:sldMk cId="3135884275" sldId="276"/>
+            <ac:spMk id="9" creationId="{DFFE2F0C-1EAC-E8B0-364B-4300F20EE5F3}"/>
+          </ac:spMkLst>
+        </pc:spChg>
+        <pc:spChg chg="add mod">
+          <ac:chgData name="minsu kim" userId="d586a65892af6ce7" providerId="LiveId" clId="{4BD60E4B-524F-46CE-A92D-80321B4995DF}" dt="2025-02-26T13:31:31.683" v="2077" actId="20577"/>
+          <ac:spMkLst>
+            <pc:docMk/>
+            <pc:sldMk cId="3135884275" sldId="276"/>
+            <ac:spMk id="12" creationId="{E3D97CA8-09D5-87A7-68BB-B94831723E84}"/>
+          </ac:spMkLst>
+        </pc:spChg>
+        <pc:spChg chg="add mod">
+          <ac:chgData name="minsu kim" userId="d586a65892af6ce7" providerId="LiveId" clId="{4BD60E4B-524F-46CE-A92D-80321B4995DF}" dt="2025-02-26T13:32:17.802" v="2251" actId="20577"/>
+          <ac:spMkLst>
+            <pc:docMk/>
+            <pc:sldMk cId="3135884275" sldId="276"/>
+            <ac:spMk id="13" creationId="{7BC31E1F-D753-3BCF-1F35-59E7CB7A8E14}"/>
+          </ac:spMkLst>
+        </pc:spChg>
+        <pc:spChg chg="add mod">
+          <ac:chgData name="minsu kim" userId="d586a65892af6ce7" providerId="LiveId" clId="{4BD60E4B-524F-46CE-A92D-80321B4995DF}" dt="2025-02-26T13:33:01.204" v="2428" actId="20577"/>
+          <ac:spMkLst>
+            <pc:docMk/>
+            <pc:sldMk cId="3135884275" sldId="276"/>
+            <ac:spMk id="14" creationId="{C0FDE7CA-704E-73A5-A9FA-1AF966F88713}"/>
+          </ac:spMkLst>
+        </pc:spChg>
+        <pc:picChg chg="add mod">
+          <ac:chgData name="minsu kim" userId="d586a65892af6ce7" providerId="LiveId" clId="{4BD60E4B-524F-46CE-A92D-80321B4995DF}" dt="2025-02-26T13:27:21.311" v="1878" actId="1076"/>
+          <ac:picMkLst>
+            <pc:docMk/>
+            <pc:sldMk cId="3135884275" sldId="276"/>
+            <ac:picMk id="4" creationId="{46E21F42-2C10-FD81-624B-15DFC8FE910C}"/>
+          </ac:picMkLst>
+        </pc:picChg>
+        <pc:picChg chg="add mod">
+          <ac:chgData name="minsu kim" userId="d586a65892af6ce7" providerId="LiveId" clId="{4BD60E4B-524F-46CE-A92D-80321B4995DF}" dt="2025-02-26T13:30:10.052" v="1970" actId="1076"/>
+          <ac:picMkLst>
+            <pc:docMk/>
+            <pc:sldMk cId="3135884275" sldId="276"/>
+            <ac:picMk id="11" creationId="{B4889E90-4FA7-E91D-4242-02F607ABCDD5}"/>
+          </ac:picMkLst>
+        </pc:picChg>
+        <pc:cxnChg chg="add">
+          <ac:chgData name="minsu kim" userId="d586a65892af6ce7" providerId="LiveId" clId="{4BD60E4B-524F-46CE-A92D-80321B4995DF}" dt="2025-02-26T13:27:33.650" v="1879" actId="11529"/>
+          <ac:cxnSpMkLst>
+            <pc:docMk/>
+            <pc:sldMk cId="3135884275" sldId="276"/>
+            <ac:cxnSpMk id="6" creationId="{3130BF4F-AE35-5C67-6656-2D716E176F44}"/>
+          </ac:cxnSpMkLst>
+        </pc:cxnChg>
+        <pc:cxnChg chg="add">
+          <ac:chgData name="minsu kim" userId="d586a65892af6ce7" providerId="LiveId" clId="{4BD60E4B-524F-46CE-A92D-80321B4995DF}" dt="2025-02-26T13:27:41.918" v="1880" actId="11529"/>
+          <ac:cxnSpMkLst>
+            <pc:docMk/>
+            <pc:sldMk cId="3135884275" sldId="276"/>
+            <ac:cxnSpMk id="8" creationId="{E03D2999-5BAB-36D1-9B03-94934B3EF6E0}"/>
+          </ac:cxnSpMkLst>
+        </pc:cxnChg>
+      </pc:sldChg>
+      <pc:sldChg chg="addSp modSp mod">
+        <pc:chgData name="minsu kim" userId="d586a65892af6ce7" providerId="LiveId" clId="{4BD60E4B-524F-46CE-A92D-80321B4995DF}" dt="2025-02-26T13:37:18.601" v="3044" actId="20577"/>
+        <pc:sldMkLst>
+          <pc:docMk/>
+          <pc:sldMk cId="2883723622" sldId="277"/>
+        </pc:sldMkLst>
+        <pc:spChg chg="mod">
+          <ac:chgData name="minsu kim" userId="d586a65892af6ce7" providerId="LiveId" clId="{4BD60E4B-524F-46CE-A92D-80321B4995DF}" dt="2025-02-26T13:37:18.601" v="3044" actId="20577"/>
+          <ac:spMkLst>
+            <pc:docMk/>
+            <pc:sldMk cId="2883723622" sldId="277"/>
+            <ac:spMk id="2" creationId="{FDBF07E5-215F-D9D6-DC2D-DE6492461B4A}"/>
+          </ac:spMkLst>
+        </pc:spChg>
+        <pc:spChg chg="add mod">
+          <ac:chgData name="minsu kim" userId="d586a65892af6ce7" providerId="LiveId" clId="{4BD60E4B-524F-46CE-A92D-80321B4995DF}" dt="2025-02-26T13:34:29.832" v="2811" actId="20577"/>
+          <ac:spMkLst>
+            <pc:docMk/>
+            <pc:sldMk cId="2883723622" sldId="277"/>
+            <ac:spMk id="3" creationId="{0FA8BD79-9D73-BF2B-FC28-CCFDE6499E38}"/>
+          </ac:spMkLst>
+        </pc:spChg>
+        <pc:spChg chg="add mod">
+          <ac:chgData name="minsu kim" userId="d586a65892af6ce7" providerId="LiveId" clId="{4BD60E4B-524F-46CE-A92D-80321B4995DF}" dt="2025-02-26T13:36:27.574" v="2815" actId="1076"/>
+          <ac:spMkLst>
+            <pc:docMk/>
+            <pc:sldMk cId="2883723622" sldId="277"/>
+            <ac:spMk id="6" creationId="{C9DDC423-DA83-F3E3-DC50-098C23AB65FB}"/>
+          </ac:spMkLst>
+        </pc:spChg>
+        <pc:spChg chg="add mod">
+          <ac:chgData name="minsu kim" userId="d586a65892af6ce7" providerId="LiveId" clId="{4BD60E4B-524F-46CE-A92D-80321B4995DF}" dt="2025-02-26T13:36:59.038" v="3000" actId="20577"/>
+          <ac:spMkLst>
+            <pc:docMk/>
+            <pc:sldMk cId="2883723622" sldId="277"/>
+            <ac:spMk id="7" creationId="{C0F6CDCE-120B-C330-68A4-8CE70379AC61}"/>
+          </ac:spMkLst>
+        </pc:spChg>
+        <pc:picChg chg="add mod">
+          <ac:chgData name="minsu kim" userId="d586a65892af6ce7" providerId="LiveId" clId="{4BD60E4B-524F-46CE-A92D-80321B4995DF}" dt="2025-02-26T13:36:03.263" v="2813" actId="1076"/>
+          <ac:picMkLst>
+            <pc:docMk/>
+            <pc:sldMk cId="2883723622" sldId="277"/>
+            <ac:picMk id="5" creationId="{2A4C5D82-7F91-DDB0-8A73-477570FDE2C7}"/>
+          </ac:picMkLst>
+        </pc:picChg>
+      </pc:sldChg>
+      <pc:sldChg chg="addSp modSp mod">
+        <pc:chgData name="minsu kim" userId="d586a65892af6ce7" providerId="LiveId" clId="{4BD60E4B-524F-46CE-A92D-80321B4995DF}" dt="2025-02-26T14:12:03.256" v="4691" actId="1076"/>
+        <pc:sldMkLst>
+          <pc:docMk/>
+          <pc:sldMk cId="1516365013" sldId="278"/>
+        </pc:sldMkLst>
+        <pc:spChg chg="add mod">
+          <ac:chgData name="minsu kim" userId="d586a65892af6ce7" providerId="LiveId" clId="{4BD60E4B-524F-46CE-A92D-80321B4995DF}" dt="2025-02-26T13:43:19.807" v="4117" actId="20577"/>
+          <ac:spMkLst>
+            <pc:docMk/>
+            <pc:sldMk cId="1516365013" sldId="278"/>
+            <ac:spMk id="3" creationId="{6D0E72E5-020D-7763-4D96-2F6BA63A279A}"/>
+          </ac:spMkLst>
+        </pc:spChg>
+        <pc:spChg chg="add mod">
+          <ac:chgData name="minsu kim" userId="d586a65892af6ce7" providerId="LiveId" clId="{4BD60E4B-524F-46CE-A92D-80321B4995DF}" dt="2025-02-26T13:45:01.432" v="4231" actId="5793"/>
+          <ac:spMkLst>
+            <pc:docMk/>
+            <pc:sldMk cId="1516365013" sldId="278"/>
+            <ac:spMk id="6" creationId="{115131B1-E089-4B6C-A6C1-10849C79C4DA}"/>
+          </ac:spMkLst>
+        </pc:spChg>
+        <pc:spChg chg="add mod">
+          <ac:chgData name="minsu kim" userId="d586a65892af6ce7" providerId="LiveId" clId="{4BD60E4B-524F-46CE-A92D-80321B4995DF}" dt="2025-02-26T13:47:25.131" v="4235" actId="1076"/>
+          <ac:spMkLst>
+            <pc:docMk/>
+            <pc:sldMk cId="1516365013" sldId="278"/>
+            <ac:spMk id="9" creationId="{7055277F-B70F-42A5-915C-40B2728B5B6D}"/>
+          </ac:spMkLst>
+        </pc:spChg>
+        <pc:spChg chg="add mod">
+          <ac:chgData name="minsu kim" userId="d586a65892af6ce7" providerId="LiveId" clId="{4BD60E4B-524F-46CE-A92D-80321B4995DF}" dt="2025-02-26T13:52:32.545" v="4293" actId="1076"/>
+          <ac:spMkLst>
+            <pc:docMk/>
+            <pc:sldMk cId="1516365013" sldId="278"/>
+            <ac:spMk id="10" creationId="{8EC0C2F8-4024-FECF-E106-6ECDC1D94DA5}"/>
+          </ac:spMkLst>
+        </pc:spChg>
+        <pc:spChg chg="add mod">
+          <ac:chgData name="minsu kim" userId="d586a65892af6ce7" providerId="LiveId" clId="{4BD60E4B-524F-46CE-A92D-80321B4995DF}" dt="2025-02-26T13:47:43.139" v="4243" actId="20577"/>
+          <ac:spMkLst>
+            <pc:docMk/>
+            <pc:sldMk cId="1516365013" sldId="278"/>
+            <ac:spMk id="11" creationId="{BDFF4FDA-0ECA-C5D3-5680-20E037440441}"/>
+          </ac:spMkLst>
+        </pc:spChg>
+        <pc:spChg chg="add mod">
+          <ac:chgData name="minsu kim" userId="d586a65892af6ce7" providerId="LiveId" clId="{4BD60E4B-524F-46CE-A92D-80321B4995DF}" dt="2025-02-26T13:57:59.523" v="4443" actId="20577"/>
+          <ac:spMkLst>
+            <pc:docMk/>
+            <pc:sldMk cId="1516365013" sldId="278"/>
+            <ac:spMk id="12" creationId="{5C8974CD-16A2-1BA5-6628-82A2A47F8625}"/>
+          </ac:spMkLst>
+        </pc:spChg>
+        <pc:spChg chg="add mod">
+          <ac:chgData name="minsu kim" userId="d586a65892af6ce7" providerId="LiveId" clId="{4BD60E4B-524F-46CE-A92D-80321B4995DF}" dt="2025-02-26T14:08:27.605" v="4446" actId="207"/>
+          <ac:spMkLst>
+            <pc:docMk/>
+            <pc:sldMk cId="1516365013" sldId="278"/>
+            <ac:spMk id="15" creationId="{A7320CF3-3CD4-7041-57A5-EF271EEBE66A}"/>
+          </ac:spMkLst>
+        </pc:spChg>
+        <pc:spChg chg="add mod">
+          <ac:chgData name="minsu kim" userId="d586a65892af6ce7" providerId="LiveId" clId="{4BD60E4B-524F-46CE-A92D-80321B4995DF}" dt="2025-02-26T14:10:34.326" v="4599" actId="20577"/>
+          <ac:spMkLst>
+            <pc:docMk/>
+            <pc:sldMk cId="1516365013" sldId="278"/>
+            <ac:spMk id="16" creationId="{00D690F2-F6DB-6C4F-AEE9-319BFBC82542}"/>
+          </ac:spMkLst>
+        </pc:spChg>
+        <pc:spChg chg="add mod">
+          <ac:chgData name="minsu kim" userId="d586a65892af6ce7" providerId="LiveId" clId="{4BD60E4B-524F-46CE-A92D-80321B4995DF}" dt="2025-02-26T14:11:16.539" v="4606" actId="14100"/>
+          <ac:spMkLst>
+            <pc:docMk/>
+            <pc:sldMk cId="1516365013" sldId="278"/>
+            <ac:spMk id="17" creationId="{B39C11B3-28BF-9606-6407-49CA69D50D18}"/>
+          </ac:spMkLst>
+        </pc:spChg>
+        <pc:spChg chg="add mod">
+          <ac:chgData name="minsu kim" userId="d586a65892af6ce7" providerId="LiveId" clId="{4BD60E4B-524F-46CE-A92D-80321B4995DF}" dt="2025-02-26T14:12:03.256" v="4691" actId="1076"/>
+          <ac:spMkLst>
+            <pc:docMk/>
+            <pc:sldMk cId="1516365013" sldId="278"/>
+            <ac:spMk id="18" creationId="{A391AE3E-87CB-ADD5-6A6D-31FD1104BE4A}"/>
+          </ac:spMkLst>
+        </pc:spChg>
+        <pc:picChg chg="add mod">
+          <ac:chgData name="minsu kim" userId="d586a65892af6ce7" providerId="LiveId" clId="{4BD60E4B-524F-46CE-A92D-80321B4995DF}" dt="2025-02-26T13:44:33.373" v="4119" actId="1076"/>
+          <ac:picMkLst>
+            <pc:docMk/>
+            <pc:sldMk cId="1516365013" sldId="278"/>
+            <ac:picMk id="5" creationId="{CFF18470-1E7F-5FC3-601A-B4714E03AC9A}"/>
+          </ac:picMkLst>
+        </pc:picChg>
+        <pc:picChg chg="add mod">
+          <ac:chgData name="minsu kim" userId="d586a65892af6ce7" providerId="LiveId" clId="{4BD60E4B-524F-46CE-A92D-80321B4995DF}" dt="2025-02-26T13:47:06.059" v="4233" actId="1076"/>
+          <ac:picMkLst>
+            <pc:docMk/>
+            <pc:sldMk cId="1516365013" sldId="278"/>
+            <ac:picMk id="8" creationId="{E7C898DB-1C3E-A694-CECF-22745B47B0B5}"/>
+          </ac:picMkLst>
+        </pc:picChg>
+        <pc:cxnChg chg="add">
+          <ac:chgData name="minsu kim" userId="d586a65892af6ce7" providerId="LiveId" clId="{4BD60E4B-524F-46CE-A92D-80321B4995DF}" dt="2025-02-26T14:08:10.162" v="4444" actId="11529"/>
+          <ac:cxnSpMkLst>
+            <pc:docMk/>
+            <pc:sldMk cId="1516365013" sldId="278"/>
+            <ac:cxnSpMk id="14" creationId="{24F8A455-FDB8-E548-BEE2-A5959418C5CE}"/>
+          </ac:cxnSpMkLst>
+        </pc:cxnChg>
+      </pc:sldChg>
+      <pc:sldChg chg="addSp delSp modSp add mod">
+        <pc:chgData name="minsu kim" userId="d586a65892af6ce7" providerId="LiveId" clId="{4BD60E4B-524F-46CE-A92D-80321B4995DF}" dt="2025-02-26T13:41:36.131" v="3797" actId="20577"/>
+        <pc:sldMkLst>
+          <pc:docMk/>
+          <pc:sldMk cId="1146899645" sldId="280"/>
+        </pc:sldMkLst>
+        <pc:spChg chg="mod">
+          <ac:chgData name="minsu kim" userId="d586a65892af6ce7" providerId="LiveId" clId="{4BD60E4B-524F-46CE-A92D-80321B4995DF}" dt="2025-02-26T13:37:13.518" v="3023" actId="20577"/>
+          <ac:spMkLst>
+            <pc:docMk/>
+            <pc:sldMk cId="1146899645" sldId="280"/>
+            <ac:spMk id="2" creationId="{AF6594A8-796A-87A0-C1E7-C5DDCB7E8B68}"/>
+          </ac:spMkLst>
+        </pc:spChg>
+        <pc:spChg chg="mod">
+          <ac:chgData name="minsu kim" userId="d586a65892af6ce7" providerId="LiveId" clId="{4BD60E4B-524F-46CE-A92D-80321B4995DF}" dt="2025-02-26T13:38:42.444" v="3460" actId="20577"/>
+          <ac:spMkLst>
+            <pc:docMk/>
+            <pc:sldMk cId="1146899645" sldId="280"/>
+            <ac:spMk id="3" creationId="{C9C0709E-4DBB-1CD8-9EA0-8AF0ACC5C719}"/>
+          </ac:spMkLst>
+        </pc:spChg>
+        <pc:spChg chg="del">
+          <ac:chgData name="minsu kim" userId="d586a65892af6ce7" providerId="LiveId" clId="{4BD60E4B-524F-46CE-A92D-80321B4995DF}" dt="2025-02-26T13:40:32.658" v="3462" actId="478"/>
+          <ac:spMkLst>
+            <pc:docMk/>
+            <pc:sldMk cId="1146899645" sldId="280"/>
+            <ac:spMk id="7" creationId="{09DA65DD-D295-5842-636D-454C092C6AA7}"/>
+          </ac:spMkLst>
+        </pc:spChg>
+        <pc:spChg chg="add mod">
+          <ac:chgData name="minsu kim" userId="d586a65892af6ce7" providerId="LiveId" clId="{4BD60E4B-524F-46CE-A92D-80321B4995DF}" dt="2025-02-26T13:41:36.131" v="3797" actId="20577"/>
+          <ac:spMkLst>
+            <pc:docMk/>
+            <pc:sldMk cId="1146899645" sldId="280"/>
+            <ac:spMk id="9" creationId="{AA7F6A45-496D-7228-2699-B080CCAFE949}"/>
+          </ac:spMkLst>
+        </pc:spChg>
+        <pc:picChg chg="del">
+          <ac:chgData name="minsu kim" userId="d586a65892af6ce7" providerId="LiveId" clId="{4BD60E4B-524F-46CE-A92D-80321B4995DF}" dt="2025-02-26T13:40:30.660" v="3461" actId="478"/>
+          <ac:picMkLst>
+            <pc:docMk/>
+            <pc:sldMk cId="1146899645" sldId="280"/>
+            <ac:picMk id="5" creationId="{86377BD5-CC1E-59D5-5098-96FA002A8557}"/>
+          </ac:picMkLst>
+        </pc:picChg>
+        <pc:picChg chg="add mod">
+          <ac:chgData name="minsu kim" userId="d586a65892af6ce7" providerId="LiveId" clId="{4BD60E4B-524F-46CE-A92D-80321B4995DF}" dt="2025-02-26T13:40:38.022" v="3464" actId="1076"/>
+          <ac:picMkLst>
+            <pc:docMk/>
+            <pc:sldMk cId="1146899645" sldId="280"/>
+            <ac:picMk id="8" creationId="{F3D11698-0677-FD15-723C-95BB891ECFBB}"/>
+          </ac:picMkLst>
+        </pc:picChg>
+      </pc:sldChg>
+    </pc:docChg>
+  </pc:docChgLst>
   <pc:docChgLst>
     <pc:chgData name="minsu kim" userId="d586a65892af6ce7" providerId="LiveId" clId="{B398BC5E-9664-4754-995F-10C212C15704}"/>
     <pc:docChg chg="custSel addSld modSld">
@@ -148,14 +535,6 @@
           <pc:docMk/>
           <pc:sldMk cId="666798918" sldId="263"/>
         </pc:sldMkLst>
-        <pc:spChg chg="add mod">
-          <ac:chgData name="minsu kim" userId="d586a65892af6ce7" providerId="LiveId" clId="{B398BC5E-9664-4754-995F-10C212C15704}" dt="2025-02-09T13:37:53.518" v="4612"/>
-          <ac:spMkLst>
-            <pc:docMk/>
-            <pc:sldMk cId="666798918" sldId="263"/>
-            <ac:spMk id="6" creationId="{F6CAA6CA-4697-8BF1-F1D2-EB0BA2B4E572}"/>
-          </ac:spMkLst>
-        </pc:spChg>
       </pc:sldChg>
       <pc:sldChg chg="addSp modSp mod">
         <pc:chgData name="minsu kim" userId="d586a65892af6ce7" providerId="LiveId" clId="{B398BC5E-9664-4754-995F-10C212C15704}" dt="2025-02-09T13:39:33.800" v="4614" actId="20577"/>
@@ -163,22 +542,6 @@
           <pc:docMk/>
           <pc:sldMk cId="1254908154" sldId="265"/>
         </pc:sldMkLst>
-        <pc:spChg chg="add mod">
-          <ac:chgData name="minsu kim" userId="d586a65892af6ce7" providerId="LiveId" clId="{B398BC5E-9664-4754-995F-10C212C15704}" dt="2025-02-09T13:18:25.920" v="1350" actId="14100"/>
-          <ac:spMkLst>
-            <pc:docMk/>
-            <pc:sldMk cId="1254908154" sldId="265"/>
-            <ac:spMk id="3" creationId="{B6F9EA31-6372-F891-FB98-5AFE18BF7394}"/>
-          </ac:spMkLst>
-        </pc:spChg>
-        <pc:spChg chg="add mod">
-          <ac:chgData name="minsu kim" userId="d586a65892af6ce7" providerId="LiveId" clId="{B398BC5E-9664-4754-995F-10C212C15704}" dt="2025-02-09T13:39:33.800" v="4614" actId="20577"/>
-          <ac:spMkLst>
-            <pc:docMk/>
-            <pc:sldMk cId="1254908154" sldId="265"/>
-            <ac:spMk id="4" creationId="{E45DA20D-C217-AB5D-A200-947AFB08AB04}"/>
-          </ac:spMkLst>
-        </pc:spChg>
       </pc:sldChg>
       <pc:sldChg chg="addSp delSp modSp add mod">
         <pc:chgData name="minsu kim" userId="d586a65892af6ce7" providerId="LiveId" clId="{B398BC5E-9664-4754-995F-10C212C15704}" dt="2025-02-09T13:11:12.595" v="649" actId="207"/>
@@ -186,158 +549,6 @@
           <pc:docMk/>
           <pc:sldMk cId="1510873865" sldId="266"/>
         </pc:sldMkLst>
-        <pc:spChg chg="del">
-          <ac:chgData name="minsu kim" userId="d586a65892af6ce7" providerId="LiveId" clId="{B398BC5E-9664-4754-995F-10C212C15704}" dt="2025-02-09T12:09:44.365" v="1" actId="478"/>
-          <ac:spMkLst>
-            <pc:docMk/>
-            <pc:sldMk cId="1510873865" sldId="266"/>
-            <ac:spMk id="3" creationId="{D8FA7DCD-82F2-66C9-43C9-22DC9A9582DE}"/>
-          </ac:spMkLst>
-        </pc:spChg>
-        <pc:spChg chg="del">
-          <ac:chgData name="minsu kim" userId="d586a65892af6ce7" providerId="LiveId" clId="{B398BC5E-9664-4754-995F-10C212C15704}" dt="2025-02-09T12:09:52.792" v="4" actId="478"/>
-          <ac:spMkLst>
-            <pc:docMk/>
-            <pc:sldMk cId="1510873865" sldId="266"/>
-            <ac:spMk id="4" creationId="{3F8A8FAC-4802-E5A3-EDE2-BA9D4A43C937}"/>
-          </ac:spMkLst>
-        </pc:spChg>
-        <pc:spChg chg="del mod">
-          <ac:chgData name="minsu kim" userId="d586a65892af6ce7" providerId="LiveId" clId="{B398BC5E-9664-4754-995F-10C212C15704}" dt="2025-02-09T12:09:49.086" v="3" actId="478"/>
-          <ac:spMkLst>
-            <pc:docMk/>
-            <pc:sldMk cId="1510873865" sldId="266"/>
-            <ac:spMk id="5" creationId="{A9EF784A-12D6-A67F-CF12-8FD00A388691}"/>
-          </ac:spMkLst>
-        </pc:spChg>
-        <pc:spChg chg="del">
-          <ac:chgData name="minsu kim" userId="d586a65892af6ce7" providerId="LiveId" clId="{B398BC5E-9664-4754-995F-10C212C15704}" dt="2025-02-09T12:09:52.792" v="4" actId="478"/>
-          <ac:spMkLst>
-            <pc:docMk/>
-            <pc:sldMk cId="1510873865" sldId="266"/>
-            <ac:spMk id="6" creationId="{825C1893-6498-DF56-E542-8AF16EE34A86}"/>
-          </ac:spMkLst>
-        </pc:spChg>
-        <pc:spChg chg="del">
-          <ac:chgData name="minsu kim" userId="d586a65892af6ce7" providerId="LiveId" clId="{B398BC5E-9664-4754-995F-10C212C15704}" dt="2025-02-09T12:09:52.792" v="4" actId="478"/>
-          <ac:spMkLst>
-            <pc:docMk/>
-            <pc:sldMk cId="1510873865" sldId="266"/>
-            <ac:spMk id="7" creationId="{91034F7A-659D-B822-445D-8A881EA94751}"/>
-          </ac:spMkLst>
-        </pc:spChg>
-        <pc:spChg chg="del">
-          <ac:chgData name="minsu kim" userId="d586a65892af6ce7" providerId="LiveId" clId="{B398BC5E-9664-4754-995F-10C212C15704}" dt="2025-02-09T12:09:52.792" v="4" actId="478"/>
-          <ac:spMkLst>
-            <pc:docMk/>
-            <pc:sldMk cId="1510873865" sldId="266"/>
-            <ac:spMk id="8" creationId="{B175103C-07F3-779A-73CF-45453733D228}"/>
-          </ac:spMkLst>
-        </pc:spChg>
-        <pc:spChg chg="del">
-          <ac:chgData name="minsu kim" userId="d586a65892af6ce7" providerId="LiveId" clId="{B398BC5E-9664-4754-995F-10C212C15704}" dt="2025-02-09T12:09:52.792" v="4" actId="478"/>
-          <ac:spMkLst>
-            <pc:docMk/>
-            <pc:sldMk cId="1510873865" sldId="266"/>
-            <ac:spMk id="9" creationId="{4B36949A-5867-6941-879F-72735ACCDD37}"/>
-          </ac:spMkLst>
-        </pc:spChg>
-        <pc:spChg chg="add mod">
-          <ac:chgData name="minsu kim" userId="d586a65892af6ce7" providerId="LiveId" clId="{B398BC5E-9664-4754-995F-10C212C15704}" dt="2025-02-09T12:10:15.654" v="55" actId="20577"/>
-          <ac:spMkLst>
-            <pc:docMk/>
-            <pc:sldMk cId="1510873865" sldId="266"/>
-            <ac:spMk id="10" creationId="{42861B58-2BD0-4D0D-92EE-41CC2E4E2E32}"/>
-          </ac:spMkLst>
-        </pc:spChg>
-        <pc:spChg chg="add mod">
-          <ac:chgData name="minsu kim" userId="d586a65892af6ce7" providerId="LiveId" clId="{B398BC5E-9664-4754-995F-10C212C15704}" dt="2025-02-09T13:09:44.466" v="450" actId="20577"/>
-          <ac:spMkLst>
-            <pc:docMk/>
-            <pc:sldMk cId="1510873865" sldId="266"/>
-            <ac:spMk id="13" creationId="{7C5D2127-D527-6CE9-AC8A-D9C446DAF783}"/>
-          </ac:spMkLst>
-        </pc:spChg>
-        <pc:spChg chg="add mod">
-          <ac:chgData name="minsu kim" userId="d586a65892af6ce7" providerId="LiveId" clId="{B398BC5E-9664-4754-995F-10C212C15704}" dt="2025-02-09T13:10:09.799" v="456" actId="1076"/>
-          <ac:spMkLst>
-            <pc:docMk/>
-            <pc:sldMk cId="1510873865" sldId="266"/>
-            <ac:spMk id="14" creationId="{F81BAAD8-997A-B3DA-D961-9D433817136E}"/>
-          </ac:spMkLst>
-        </pc:spChg>
-        <pc:spChg chg="add mod">
-          <ac:chgData name="minsu kim" userId="d586a65892af6ce7" providerId="LiveId" clId="{B398BC5E-9664-4754-995F-10C212C15704}" dt="2025-02-09T13:10:17.550" v="467" actId="20577"/>
-          <ac:spMkLst>
-            <pc:docMk/>
-            <pc:sldMk cId="1510873865" sldId="266"/>
-            <ac:spMk id="16" creationId="{71EDBD2A-5954-ED9B-D86F-5CD6F8CCDEA0}"/>
-          </ac:spMkLst>
-        </pc:spChg>
-        <pc:spChg chg="del">
-          <ac:chgData name="minsu kim" userId="d586a65892af6ce7" providerId="LiveId" clId="{B398BC5E-9664-4754-995F-10C212C15704}" dt="2025-02-09T12:09:52.792" v="4" actId="478"/>
-          <ac:spMkLst>
-            <pc:docMk/>
-            <pc:sldMk cId="1510873865" sldId="266"/>
-            <ac:spMk id="17" creationId="{2FB81001-62EC-9E26-1610-6C4CBDB5971C}"/>
-          </ac:spMkLst>
-        </pc:spChg>
-        <pc:spChg chg="del">
-          <ac:chgData name="minsu kim" userId="d586a65892af6ce7" providerId="LiveId" clId="{B398BC5E-9664-4754-995F-10C212C15704}" dt="2025-02-09T12:10:00.205" v="6" actId="478"/>
-          <ac:spMkLst>
-            <pc:docMk/>
-            <pc:sldMk cId="1510873865" sldId="266"/>
-            <ac:spMk id="18" creationId="{A1C7ECBC-38A4-90EF-986A-DE1A43BDCB46}"/>
-          </ac:spMkLst>
-        </pc:spChg>
-        <pc:spChg chg="del">
-          <ac:chgData name="minsu kim" userId="d586a65892af6ce7" providerId="LiveId" clId="{B398BC5E-9664-4754-995F-10C212C15704}" dt="2025-02-09T12:09:56.409" v="5" actId="478"/>
-          <ac:spMkLst>
-            <pc:docMk/>
-            <pc:sldMk cId="1510873865" sldId="266"/>
-            <ac:spMk id="19" creationId="{19B8EC34-C70E-9E1B-8357-87E92FA64479}"/>
-          </ac:spMkLst>
-        </pc:spChg>
-        <pc:spChg chg="del">
-          <ac:chgData name="minsu kim" userId="d586a65892af6ce7" providerId="LiveId" clId="{B398BC5E-9664-4754-995F-10C212C15704}" dt="2025-02-09T12:09:52.792" v="4" actId="478"/>
-          <ac:spMkLst>
-            <pc:docMk/>
-            <pc:sldMk cId="1510873865" sldId="266"/>
-            <ac:spMk id="20" creationId="{2C009EE4-B5B8-C758-B29B-40830B553AA5}"/>
-          </ac:spMkLst>
-        </pc:spChg>
-        <pc:spChg chg="add mod">
-          <ac:chgData name="minsu kim" userId="d586a65892af6ce7" providerId="LiveId" clId="{B398BC5E-9664-4754-995F-10C212C15704}" dt="2025-02-09T13:11:12.595" v="649" actId="207"/>
-          <ac:spMkLst>
-            <pc:docMk/>
-            <pc:sldMk cId="1510873865" sldId="266"/>
-            <ac:spMk id="21" creationId="{281FE4BA-BB92-B9C4-168A-95E79EDC0892}"/>
-          </ac:spMkLst>
-        </pc:spChg>
-        <pc:cxnChg chg="del mod">
-          <ac:chgData name="minsu kim" userId="d586a65892af6ce7" providerId="LiveId" clId="{B398BC5E-9664-4754-995F-10C212C15704}" dt="2025-02-09T12:09:52.792" v="4" actId="478"/>
-          <ac:cxnSpMkLst>
-            <pc:docMk/>
-            <pc:sldMk cId="1510873865" sldId="266"/>
-            <ac:cxnSpMk id="11" creationId="{ED4833D6-7797-FC35-9434-5E723D492762}"/>
-          </ac:cxnSpMkLst>
-        </pc:cxnChg>
-        <pc:cxnChg chg="del mod">
-          <ac:chgData name="minsu kim" userId="d586a65892af6ce7" providerId="LiveId" clId="{B398BC5E-9664-4754-995F-10C212C15704}" dt="2025-02-09T12:09:52.792" v="4" actId="478"/>
-          <ac:cxnSpMkLst>
-            <pc:docMk/>
-            <pc:sldMk cId="1510873865" sldId="266"/>
-            <ac:cxnSpMk id="12" creationId="{FB524D28-E3A8-A54C-A14F-FD405A91E168}"/>
-          </ac:cxnSpMkLst>
-        </pc:cxnChg>
-        <pc:cxnChg chg="del mod">
-          <ac:chgData name="minsu kim" userId="d586a65892af6ce7" providerId="LiveId" clId="{B398BC5E-9664-4754-995F-10C212C15704}" dt="2025-02-09T12:09:52.792" v="4" actId="478"/>
-          <ac:cxnSpMkLst>
-            <pc:docMk/>
-            <pc:sldMk cId="1510873865" sldId="266"/>
-            <ac:cxnSpMk id="15" creationId="{DD52BFE2-C6C3-0755-BC83-4434E8454A51}"/>
-          </ac:cxnSpMkLst>
-        </pc:cxnChg>
       </pc:sldChg>
       <pc:sldChg chg="addSp modSp new mod">
         <pc:chgData name="minsu kim" userId="d586a65892af6ce7" providerId="LiveId" clId="{B398BC5E-9664-4754-995F-10C212C15704}" dt="2025-02-09T13:28:50.164" v="3504" actId="20577"/>
@@ -345,30 +556,6 @@
           <pc:docMk/>
           <pc:sldMk cId="666501585" sldId="267"/>
         </pc:sldMkLst>
-        <pc:spChg chg="mod">
-          <ac:chgData name="minsu kim" userId="d586a65892af6ce7" providerId="LiveId" clId="{B398BC5E-9664-4754-995F-10C212C15704}" dt="2025-02-09T13:05:19.403" v="79" actId="20577"/>
-          <ac:spMkLst>
-            <pc:docMk/>
-            <pc:sldMk cId="666501585" sldId="267"/>
-            <ac:spMk id="2" creationId="{CE6B358E-386F-09DE-3147-E17E7B769070}"/>
-          </ac:spMkLst>
-        </pc:spChg>
-        <pc:spChg chg="add mod">
-          <ac:chgData name="minsu kim" userId="d586a65892af6ce7" providerId="LiveId" clId="{B398BC5E-9664-4754-995F-10C212C15704}" dt="2025-02-09T13:28:50.164" v="3504" actId="20577"/>
-          <ac:spMkLst>
-            <pc:docMk/>
-            <pc:sldMk cId="666501585" sldId="267"/>
-            <ac:spMk id="3" creationId="{41400307-DF83-18AA-3065-636936DC87BC}"/>
-          </ac:spMkLst>
-        </pc:spChg>
-        <pc:spChg chg="add mod">
-          <ac:chgData name="minsu kim" userId="d586a65892af6ce7" providerId="LiveId" clId="{B398BC5E-9664-4754-995F-10C212C15704}" dt="2025-02-09T13:27:38.069" v="3163" actId="1076"/>
-          <ac:spMkLst>
-            <pc:docMk/>
-            <pc:sldMk cId="666501585" sldId="267"/>
-            <ac:spMk id="4" creationId="{1A720654-1B82-6F79-B524-112BDDBD1D69}"/>
-          </ac:spMkLst>
-        </pc:spChg>
       </pc:sldChg>
       <pc:sldChg chg="addSp modSp add mod">
         <pc:chgData name="minsu kim" userId="d586a65892af6ce7" providerId="LiveId" clId="{B398BC5E-9664-4754-995F-10C212C15704}" dt="2025-02-09T13:36:34.155" v="4598" actId="1076"/>
@@ -376,46 +563,6 @@
           <pc:docMk/>
           <pc:sldMk cId="2600913230" sldId="268"/>
         </pc:sldMkLst>
-        <pc:spChg chg="mod">
-          <ac:chgData name="minsu kim" userId="d586a65892af6ce7" providerId="LiveId" clId="{B398BC5E-9664-4754-995F-10C212C15704}" dt="2025-02-09T13:05:27.525" v="93" actId="20577"/>
-          <ac:spMkLst>
-            <pc:docMk/>
-            <pc:sldMk cId="2600913230" sldId="268"/>
-            <ac:spMk id="2" creationId="{1C9F07F3-EAA2-378C-5BD4-E3F4B13644FE}"/>
-          </ac:spMkLst>
-        </pc:spChg>
-        <pc:spChg chg="add mod">
-          <ac:chgData name="minsu kim" userId="d586a65892af6ce7" providerId="LiveId" clId="{B398BC5E-9664-4754-995F-10C212C15704}" dt="2025-02-09T13:36:26.371" v="4597" actId="14100"/>
-          <ac:spMkLst>
-            <pc:docMk/>
-            <pc:sldMk cId="2600913230" sldId="268"/>
-            <ac:spMk id="3" creationId="{A4D6D24A-9133-42C1-6DCB-F6623D9A01E8}"/>
-          </ac:spMkLst>
-        </pc:spChg>
-        <pc:spChg chg="add mod">
-          <ac:chgData name="minsu kim" userId="d586a65892af6ce7" providerId="LiveId" clId="{B398BC5E-9664-4754-995F-10C212C15704}" dt="2025-02-09T13:36:34.155" v="4598" actId="1076"/>
-          <ac:spMkLst>
-            <pc:docMk/>
-            <pc:sldMk cId="2600913230" sldId="268"/>
-            <ac:spMk id="4" creationId="{054C845D-AAC2-3C21-0494-73B553D22516}"/>
-          </ac:spMkLst>
-        </pc:spChg>
-        <pc:spChg chg="add mod">
-          <ac:chgData name="minsu kim" userId="d586a65892af6ce7" providerId="LiveId" clId="{B398BC5E-9664-4754-995F-10C212C15704}" dt="2025-02-09T13:36:34.155" v="4598" actId="1076"/>
-          <ac:spMkLst>
-            <pc:docMk/>
-            <pc:sldMk cId="2600913230" sldId="268"/>
-            <ac:spMk id="5" creationId="{39A295DD-DF1C-7A51-4A4F-99C069F8EB05}"/>
-          </ac:spMkLst>
-        </pc:spChg>
-        <pc:spChg chg="add mod">
-          <ac:chgData name="minsu kim" userId="d586a65892af6ce7" providerId="LiveId" clId="{B398BC5E-9664-4754-995F-10C212C15704}" dt="2025-02-09T13:36:34.155" v="4598" actId="1076"/>
-          <ac:spMkLst>
-            <pc:docMk/>
-            <pc:sldMk cId="2600913230" sldId="268"/>
-            <ac:spMk id="6" creationId="{E12FE7F4-87FB-A968-817A-19BB9FD85106}"/>
-          </ac:spMkLst>
-        </pc:spChg>
       </pc:sldChg>
       <pc:sldChg chg="addSp modSp add mod">
         <pc:chgData name="minsu kim" userId="d586a65892af6ce7" providerId="LiveId" clId="{B398BC5E-9664-4754-995F-10C212C15704}" dt="2025-02-09T13:20:25.023" v="1918" actId="20577"/>
@@ -423,38 +570,6 @@
           <pc:docMk/>
           <pc:sldMk cId="1376346871" sldId="269"/>
         </pc:sldMkLst>
-        <pc:spChg chg="mod">
-          <ac:chgData name="minsu kim" userId="d586a65892af6ce7" providerId="LiveId" clId="{B398BC5E-9664-4754-995F-10C212C15704}" dt="2025-02-09T13:12:31.786" v="682" actId="20577"/>
-          <ac:spMkLst>
-            <pc:docMk/>
-            <pc:sldMk cId="1376346871" sldId="269"/>
-            <ac:spMk id="2" creationId="{8A609D7F-5B19-67BF-E2B2-7935AEA66D08}"/>
-          </ac:spMkLst>
-        </pc:spChg>
-        <pc:spChg chg="add mod">
-          <ac:chgData name="minsu kim" userId="d586a65892af6ce7" providerId="LiveId" clId="{B398BC5E-9664-4754-995F-10C212C15704}" dt="2025-02-09T13:19:41.179" v="1772" actId="20577"/>
-          <ac:spMkLst>
-            <pc:docMk/>
-            <pc:sldMk cId="1376346871" sldId="269"/>
-            <ac:spMk id="3" creationId="{EF8E3D2F-5CEC-A823-3956-F1328888FB99}"/>
-          </ac:spMkLst>
-        </pc:spChg>
-        <pc:spChg chg="add mod">
-          <ac:chgData name="minsu kim" userId="d586a65892af6ce7" providerId="LiveId" clId="{B398BC5E-9664-4754-995F-10C212C15704}" dt="2025-02-09T13:20:07.554" v="1833" actId="20577"/>
-          <ac:spMkLst>
-            <pc:docMk/>
-            <pc:sldMk cId="1376346871" sldId="269"/>
-            <ac:spMk id="4" creationId="{95FB4918-1E08-0EB7-8A0F-1D562DCE6A17}"/>
-          </ac:spMkLst>
-        </pc:spChg>
-        <pc:spChg chg="add mod">
-          <ac:chgData name="minsu kim" userId="d586a65892af6ce7" providerId="LiveId" clId="{B398BC5E-9664-4754-995F-10C212C15704}" dt="2025-02-09T13:20:25.023" v="1918" actId="20577"/>
-          <ac:spMkLst>
-            <pc:docMk/>
-            <pc:sldMk cId="1376346871" sldId="269"/>
-            <ac:spMk id="5" creationId="{AE23DD93-A145-E9CA-550D-3884B093A650}"/>
-          </ac:spMkLst>
-        </pc:spChg>
       </pc:sldChg>
     </pc:docChg>
   </pc:docChgLst>
@@ -543,7 +658,7 @@
           <a:p>
             <a:fld id="{FEA2D673-B129-4240-A71B-77053A7E7086}" type="datetimeFigureOut">
               <a:rPr lang="ko-KR" altLang="en-US" smtClean="0"/>
-              <a:t>2025-02-25</a:t>
+              <a:t>2025-02-26</a:t>
             </a:fld>
             <a:endParaRPr lang="ko-KR" altLang="en-US"/>
           </a:p>
@@ -957,7 +1072,7 @@
           <a:p>
             <a:fld id="{E0917728-FF84-4733-94D9-96477C72F7D6}" type="datetimeFigureOut">
               <a:rPr lang="ko-KR" altLang="en-US" smtClean="0"/>
-              <a:t>2025-02-25</a:t>
+              <a:t>2025-02-26</a:t>
             </a:fld>
             <a:endParaRPr lang="ko-KR" altLang="en-US"/>
           </a:p>
@@ -1155,7 +1270,7 @@
           <a:p>
             <a:fld id="{E0917728-FF84-4733-94D9-96477C72F7D6}" type="datetimeFigureOut">
               <a:rPr lang="ko-KR" altLang="en-US" smtClean="0"/>
-              <a:t>2025-02-25</a:t>
+              <a:t>2025-02-26</a:t>
             </a:fld>
             <a:endParaRPr lang="ko-KR" altLang="en-US"/>
           </a:p>
@@ -1363,7 +1478,7 @@
           <a:p>
             <a:fld id="{E0917728-FF84-4733-94D9-96477C72F7D6}" type="datetimeFigureOut">
               <a:rPr lang="ko-KR" altLang="en-US" smtClean="0"/>
-              <a:t>2025-02-25</a:t>
+              <a:t>2025-02-26</a:t>
             </a:fld>
             <a:endParaRPr lang="ko-KR" altLang="en-US"/>
           </a:p>
@@ -1561,7 +1676,7 @@
           <a:p>
             <a:fld id="{E0917728-FF84-4733-94D9-96477C72F7D6}" type="datetimeFigureOut">
               <a:rPr lang="ko-KR" altLang="en-US" smtClean="0"/>
-              <a:t>2025-02-25</a:t>
+              <a:t>2025-02-26</a:t>
             </a:fld>
             <a:endParaRPr lang="ko-KR" altLang="en-US"/>
           </a:p>
@@ -1836,7 +1951,7 @@
           <a:p>
             <a:fld id="{E0917728-FF84-4733-94D9-96477C72F7D6}" type="datetimeFigureOut">
               <a:rPr lang="ko-KR" altLang="en-US" smtClean="0"/>
-              <a:t>2025-02-25</a:t>
+              <a:t>2025-02-26</a:t>
             </a:fld>
             <a:endParaRPr lang="ko-KR" altLang="en-US"/>
           </a:p>
@@ -2101,7 +2216,7 @@
           <a:p>
             <a:fld id="{E0917728-FF84-4733-94D9-96477C72F7D6}" type="datetimeFigureOut">
               <a:rPr lang="ko-KR" altLang="en-US" smtClean="0"/>
-              <a:t>2025-02-25</a:t>
+              <a:t>2025-02-26</a:t>
             </a:fld>
             <a:endParaRPr lang="ko-KR" altLang="en-US"/>
           </a:p>
@@ -2513,7 +2628,7 @@
           <a:p>
             <a:fld id="{E0917728-FF84-4733-94D9-96477C72F7D6}" type="datetimeFigureOut">
               <a:rPr lang="ko-KR" altLang="en-US" smtClean="0"/>
-              <a:t>2025-02-25</a:t>
+              <a:t>2025-02-26</a:t>
             </a:fld>
             <a:endParaRPr lang="ko-KR" altLang="en-US"/>
           </a:p>
@@ -2654,7 +2769,7 @@
           <a:p>
             <a:fld id="{E0917728-FF84-4733-94D9-96477C72F7D6}" type="datetimeFigureOut">
               <a:rPr lang="ko-KR" altLang="en-US" smtClean="0"/>
-              <a:t>2025-02-25</a:t>
+              <a:t>2025-02-26</a:t>
             </a:fld>
             <a:endParaRPr lang="ko-KR" altLang="en-US"/>
           </a:p>
@@ -2767,7 +2882,7 @@
           <a:p>
             <a:fld id="{E0917728-FF84-4733-94D9-96477C72F7D6}" type="datetimeFigureOut">
               <a:rPr lang="ko-KR" altLang="en-US" smtClean="0"/>
-              <a:t>2025-02-25</a:t>
+              <a:t>2025-02-26</a:t>
             </a:fld>
             <a:endParaRPr lang="ko-KR" altLang="en-US"/>
           </a:p>
@@ -3078,7 +3193,7 @@
           <a:p>
             <a:fld id="{E0917728-FF84-4733-94D9-96477C72F7D6}" type="datetimeFigureOut">
               <a:rPr lang="ko-KR" altLang="en-US" smtClean="0"/>
-              <a:t>2025-02-25</a:t>
+              <a:t>2025-02-26</a:t>
             </a:fld>
             <a:endParaRPr lang="ko-KR" altLang="en-US"/>
           </a:p>
@@ -3366,7 +3481,7 @@
           <a:p>
             <a:fld id="{E0917728-FF84-4733-94D9-96477C72F7D6}" type="datetimeFigureOut">
               <a:rPr lang="ko-KR" altLang="en-US" smtClean="0"/>
-              <a:t>2025-02-25</a:t>
+              <a:t>2025-02-26</a:t>
             </a:fld>
             <a:endParaRPr lang="ko-KR" altLang="en-US"/>
           </a:p>
@@ -3607,7 +3722,7 @@
           <a:p>
             <a:fld id="{E0917728-FF84-4733-94D9-96477C72F7D6}" type="datetimeFigureOut">
               <a:rPr lang="ko-KR" altLang="en-US" smtClean="0"/>
-              <a:t>2025-02-25</a:t>
+              <a:t>2025-02-26</a:t>
             </a:fld>
             <a:endParaRPr lang="ko-KR" altLang="en-US"/>
           </a:p>
@@ -4137,6 +4252,316 @@
         <p:cNvPr id="1" name="">
           <a:extLst>
             <a:ext uri="{FF2B5EF4-FFF2-40B4-BE49-F238E27FC236}">
+              <a16:creationId xmlns:a16="http://schemas.microsoft.com/office/drawing/2014/main" id="{B786F6C8-8E49-A3DB-8EEE-47833970DEC1}"/>
+            </a:ext>
+          </a:extLst>
+        </p:cNvPr>
+        <p:cNvGrpSpPr/>
+        <p:nvPr/>
+      </p:nvGrpSpPr>
+      <p:grpSpPr>
+        <a:xfrm>
+          <a:off x="0" y="0"/>
+          <a:ext cx="0" cy="0"/>
+          <a:chOff x="0" y="0"/>
+          <a:chExt cx="0" cy="0"/>
+        </a:xfrm>
+      </p:grpSpPr>
+      <p:sp>
+        <p:nvSpPr>
+          <p:cNvPr id="2" name="제목 1">
+            <a:extLst>
+              <a:ext uri="{FF2B5EF4-FFF2-40B4-BE49-F238E27FC236}">
+                <a16:creationId xmlns:a16="http://schemas.microsoft.com/office/drawing/2014/main" id="{AF6594A8-796A-87A0-C1E7-C5DDCB7E8B68}"/>
+              </a:ext>
+            </a:extLst>
+          </p:cNvPr>
+          <p:cNvSpPr>
+            <a:spLocks noGrp="1"/>
+          </p:cNvSpPr>
+          <p:nvPr>
+            <p:ph type="title"/>
+          </p:nvPr>
+        </p:nvSpPr>
+        <p:spPr/>
+        <p:txBody>
+          <a:bodyPr/>
+          <a:lstStyle/>
+          <a:p>
+            <a:r>
+              <a:rPr lang="ko-KR" altLang="en-US" dirty="0"/>
+              <a:t>교란 편향 </a:t>
+            </a:r>
+            <a:r>
+              <a:rPr lang="en-US" altLang="ko-KR" dirty="0"/>
+              <a:t>(</a:t>
+            </a:r>
+            <a:r>
+              <a:rPr lang="ko-KR" altLang="en-US" dirty="0"/>
+              <a:t>편향 줄이기</a:t>
+            </a:r>
+            <a:r>
+              <a:rPr lang="en-US" altLang="ko-KR" dirty="0"/>
+              <a:t>)</a:t>
+            </a:r>
+            <a:endParaRPr lang="ko-KR" altLang="en-US" dirty="0"/>
+          </a:p>
+        </p:txBody>
+      </p:sp>
+      <p:sp>
+        <p:nvSpPr>
+          <p:cNvPr id="3" name="TextBox 2">
+            <a:extLst>
+              <a:ext uri="{FF2B5EF4-FFF2-40B4-BE49-F238E27FC236}">
+                <a16:creationId xmlns:a16="http://schemas.microsoft.com/office/drawing/2014/main" id="{C9C0709E-4DBB-1CD8-9EA0-8AF0ACC5C719}"/>
+              </a:ext>
+            </a:extLst>
+          </p:cNvPr>
+          <p:cNvSpPr txBox="1"/>
+          <p:nvPr/>
+        </p:nvSpPr>
+        <p:spPr>
+          <a:xfrm>
+            <a:off x="974035" y="1690688"/>
+            <a:ext cx="7606748" cy="1200329"/>
+          </a:xfrm>
+          <a:prstGeom prst="rect">
+            <a:avLst/>
+          </a:prstGeom>
+          <a:noFill/>
+        </p:spPr>
+        <p:txBody>
+          <a:bodyPr wrap="square" rtlCol="0">
+            <a:spAutoFit/>
+          </a:bodyPr>
+          <a:lstStyle/>
+          <a:p>
+            <a:r>
+              <a:rPr lang="ko-KR" altLang="en-US" dirty="0"/>
+              <a:t>앞선 </a:t>
+            </a:r>
+            <a:r>
+              <a:rPr lang="en-US" altLang="ko-KR" dirty="0"/>
+              <a:t>DAG</a:t>
+            </a:r>
+            <a:r>
+              <a:rPr lang="ko-KR" altLang="en-US" dirty="0"/>
+              <a:t>에서 관리자 자질이라는 변수는 사실 관측할 수 없음</a:t>
+            </a:r>
+            <a:r>
+              <a:rPr lang="en-US" altLang="ko-KR" dirty="0"/>
+              <a:t>.</a:t>
+            </a:r>
+          </a:p>
+          <a:p>
+            <a:endParaRPr lang="en-US" altLang="ko-KR" dirty="0"/>
+          </a:p>
+          <a:p>
+            <a:r>
+              <a:rPr lang="ko-KR" altLang="en-US" dirty="0"/>
+              <a:t>이에 대한 대책으로 </a:t>
+            </a:r>
+            <a:r>
+              <a:rPr lang="en-US" altLang="ko-KR" dirty="0"/>
+              <a:t>Surrogate Confounder</a:t>
+            </a:r>
+            <a:r>
+              <a:rPr lang="ko-KR" altLang="en-US" dirty="0"/>
+              <a:t>라고 불리우는 변수들을 통제해주어 편향을 줄일 수 있음</a:t>
+            </a:r>
+            <a:r>
+              <a:rPr lang="en-US" altLang="ko-KR" dirty="0"/>
+              <a:t>. (</a:t>
+            </a:r>
+            <a:r>
+              <a:rPr lang="ko-KR" altLang="en-US" dirty="0"/>
+              <a:t>완전히 없애지는 못함</a:t>
+            </a:r>
+            <a:r>
+              <a:rPr lang="en-US" altLang="ko-KR" dirty="0"/>
+              <a:t>)</a:t>
+            </a:r>
+            <a:endParaRPr lang="ko-KR" altLang="en-US" dirty="0"/>
+          </a:p>
+        </p:txBody>
+      </p:sp>
+      <p:sp>
+        <p:nvSpPr>
+          <p:cNvPr id="6" name="TextBox 5">
+            <a:extLst>
+              <a:ext uri="{FF2B5EF4-FFF2-40B4-BE49-F238E27FC236}">
+                <a16:creationId xmlns:a16="http://schemas.microsoft.com/office/drawing/2014/main" id="{81ED78ED-A981-A9C1-2516-37A53788850C}"/>
+              </a:ext>
+            </a:extLst>
+          </p:cNvPr>
+          <p:cNvSpPr txBox="1"/>
+          <p:nvPr/>
+        </p:nvSpPr>
+        <p:spPr>
+          <a:xfrm>
+            <a:off x="215075" y="3429000"/>
+            <a:ext cx="861935" cy="369332"/>
+          </a:xfrm>
+          <a:prstGeom prst="rect">
+            <a:avLst/>
+          </a:prstGeom>
+          <a:noFill/>
+        </p:spPr>
+        <p:txBody>
+          <a:bodyPr wrap="square" rtlCol="0">
+            <a:spAutoFit/>
+          </a:bodyPr>
+          <a:lstStyle/>
+          <a:p>
+            <a:r>
+              <a:rPr lang="ko-KR" altLang="en-US" dirty="0"/>
+              <a:t>예시</a:t>
+            </a:r>
+          </a:p>
+        </p:txBody>
+      </p:sp>
+      <p:pic>
+        <p:nvPicPr>
+          <p:cNvPr id="8" name="그림 7">
+            <a:extLst>
+              <a:ext uri="{FF2B5EF4-FFF2-40B4-BE49-F238E27FC236}">
+                <a16:creationId xmlns:a16="http://schemas.microsoft.com/office/drawing/2014/main" id="{F3D11698-0677-FD15-723C-95BB891ECFBB}"/>
+              </a:ext>
+            </a:extLst>
+          </p:cNvPr>
+          <p:cNvPicPr>
+            <a:picLocks noChangeAspect="1"/>
+          </p:cNvPicPr>
+          <p:nvPr/>
+        </p:nvPicPr>
+        <p:blipFill>
+          <a:blip r:embed="rId2"/>
+          <a:stretch>
+            <a:fillRect/>
+          </a:stretch>
+        </p:blipFill>
+        <p:spPr>
+          <a:xfrm>
+            <a:off x="1077010" y="3482356"/>
+            <a:ext cx="4597636" cy="2609984"/>
+          </a:xfrm>
+          <a:prstGeom prst="rect">
+            <a:avLst/>
+          </a:prstGeom>
+        </p:spPr>
+      </p:pic>
+      <p:sp>
+        <p:nvSpPr>
+          <p:cNvPr id="9" name="TextBox 8">
+            <a:extLst>
+              <a:ext uri="{FF2B5EF4-FFF2-40B4-BE49-F238E27FC236}">
+                <a16:creationId xmlns:a16="http://schemas.microsoft.com/office/drawing/2014/main" id="{AA7F6A45-496D-7228-2699-B080CCAFE949}"/>
+              </a:ext>
+            </a:extLst>
+          </p:cNvPr>
+          <p:cNvSpPr txBox="1"/>
+          <p:nvPr/>
+        </p:nvSpPr>
+        <p:spPr>
+          <a:xfrm>
+            <a:off x="6019530" y="4090744"/>
+            <a:ext cx="5095460" cy="1477328"/>
+          </a:xfrm>
+          <a:prstGeom prst="rect">
+            <a:avLst/>
+          </a:prstGeom>
+          <a:noFill/>
+        </p:spPr>
+        <p:txBody>
+          <a:bodyPr wrap="square" rtlCol="0">
+            <a:spAutoFit/>
+          </a:bodyPr>
+          <a:lstStyle/>
+          <a:p>
+            <a:r>
+              <a:rPr lang="ko-KR" altLang="en-US" dirty="0"/>
+              <a:t>관리자 자질의 정보를 담고 있는 변수들을 </a:t>
+            </a:r>
+            <a:endParaRPr lang="en-US" altLang="ko-KR" dirty="0"/>
+          </a:p>
+          <a:p>
+            <a:r>
+              <a:rPr lang="ko-KR" altLang="en-US" dirty="0"/>
+              <a:t>대체 교란 변수 </a:t>
+            </a:r>
+            <a:r>
+              <a:rPr lang="en-US" altLang="ko-KR" dirty="0"/>
+              <a:t>(Surrogate Confounder)</a:t>
+            </a:r>
+            <a:r>
+              <a:rPr lang="ko-KR" altLang="en-US" dirty="0"/>
+              <a:t>로 사용</a:t>
+            </a:r>
+            <a:r>
+              <a:rPr lang="en-US" altLang="ko-KR" dirty="0"/>
+              <a:t>.</a:t>
+            </a:r>
+          </a:p>
+          <a:p>
+            <a:endParaRPr lang="en-US" altLang="ko-KR" dirty="0"/>
+          </a:p>
+          <a:p>
+            <a:r>
+              <a:rPr lang="en-US" altLang="ko-KR" dirty="0"/>
+              <a:t>Ex.</a:t>
+            </a:r>
+            <a:r>
+              <a:rPr lang="ko-KR" altLang="en-US" dirty="0"/>
+              <a:t> 관리자 근속 기간</a:t>
+            </a:r>
+            <a:r>
+              <a:rPr lang="en-US" altLang="ko-KR" dirty="0"/>
+              <a:t>, </a:t>
+            </a:r>
+            <a:r>
+              <a:rPr lang="ko-KR" altLang="en-US" dirty="0"/>
+              <a:t>관리자 교육 수준</a:t>
+            </a:r>
+            <a:r>
+              <a:rPr lang="en-US" altLang="ko-KR" dirty="0"/>
+              <a:t>, </a:t>
+            </a:r>
+            <a:r>
+              <a:rPr lang="ko-KR" altLang="en-US" dirty="0"/>
+              <a:t>팀 성과 요인</a:t>
+            </a:r>
+            <a:r>
+              <a:rPr lang="en-US" altLang="ko-KR" dirty="0"/>
+              <a:t>, </a:t>
+            </a:r>
+            <a:r>
+              <a:rPr lang="ko-KR" altLang="en-US" dirty="0"/>
+              <a:t>팀 과거 성과</a:t>
+            </a:r>
+          </a:p>
+        </p:txBody>
+      </p:sp>
+    </p:spTree>
+    <p:extLst>
+      <p:ext uri="{BB962C8B-B14F-4D97-AF65-F5344CB8AC3E}">
+        <p14:creationId xmlns:p14="http://schemas.microsoft.com/office/powerpoint/2010/main" val="1146899645"/>
+      </p:ext>
+    </p:extLst>
+  </p:cSld>
+  <p:clrMapOvr>
+    <a:masterClrMapping/>
+  </p:clrMapOvr>
+</p:sld>
+</file>
+
+<file path=ppt/slides/slide11.xml><?xml version="1.0" encoding="utf-8"?>
+<p:sld xmlns:a="http://schemas.openxmlformats.org/drawingml/2006/main" xmlns:r="http://schemas.openxmlformats.org/officeDocument/2006/relationships" xmlns:p="http://schemas.openxmlformats.org/presentationml/2006/main">
+  <p:cSld>
+    <p:spTree>
+      <p:nvGrpSpPr>
+        <p:cNvPr id="1" name="">
+          <a:extLst>
+            <a:ext uri="{FF2B5EF4-FFF2-40B4-BE49-F238E27FC236}">
               <a16:creationId xmlns:a16="http://schemas.microsoft.com/office/drawing/2014/main" id="{56678BA4-0865-2BFC-6BD8-65A918B0B2EE}"/>
             </a:ext>
           </a:extLst>
@@ -4180,6 +4605,1148 @@
           </a:p>
         </p:txBody>
       </p:sp>
+      <p:sp>
+        <p:nvSpPr>
+          <p:cNvPr id="3" name="TextBox 2">
+            <a:extLst>
+              <a:ext uri="{FF2B5EF4-FFF2-40B4-BE49-F238E27FC236}">
+                <a16:creationId xmlns:a16="http://schemas.microsoft.com/office/drawing/2014/main" id="{6D0E72E5-020D-7763-4D96-2F6BA63A279A}"/>
+              </a:ext>
+            </a:extLst>
+          </p:cNvPr>
+          <p:cNvSpPr txBox="1"/>
+          <p:nvPr/>
+        </p:nvSpPr>
+        <p:spPr>
+          <a:xfrm>
+            <a:off x="974035" y="1690688"/>
+            <a:ext cx="7606748" cy="1569660"/>
+          </a:xfrm>
+          <a:prstGeom prst="rect">
+            <a:avLst/>
+          </a:prstGeom>
+          <a:noFill/>
+        </p:spPr>
+        <p:txBody>
+          <a:bodyPr wrap="square" rtlCol="0">
+            <a:spAutoFit/>
+          </a:bodyPr>
+          <a:lstStyle/>
+          <a:p>
+            <a:r>
+              <a:rPr lang="en-US" altLang="ko-KR" dirty="0"/>
+              <a:t>“</a:t>
+            </a:r>
+            <a:r>
+              <a:rPr lang="ko-KR" altLang="en-US" dirty="0"/>
+              <a:t>모든 변수를 통제한다고 능사가 아니다 </a:t>
+            </a:r>
+            <a:r>
+              <a:rPr lang="en-US" altLang="ko-KR" dirty="0"/>
+              <a:t>!”</a:t>
+            </a:r>
+          </a:p>
+          <a:p>
+            <a:endParaRPr lang="en-US" altLang="ko-KR" dirty="0"/>
+          </a:p>
+          <a:p>
+            <a:r>
+              <a:rPr lang="ko-KR" altLang="en-US" sz="1200" dirty="0">
+                <a:solidFill>
+                  <a:srgbClr val="FF0000"/>
+                </a:solidFill>
+              </a:rPr>
+              <a:t>본 교재에서 사용하는 선택 편향 </a:t>
+            </a:r>
+            <a:r>
+              <a:rPr lang="en-US" altLang="ko-KR" sz="1200" dirty="0">
+                <a:solidFill>
+                  <a:srgbClr val="FF0000"/>
+                </a:solidFill>
+              </a:rPr>
+              <a:t>(Selection Bias) </a:t>
+            </a:r>
+            <a:r>
+              <a:rPr lang="ko-KR" altLang="en-US" sz="1200" dirty="0">
+                <a:solidFill>
+                  <a:srgbClr val="FF0000"/>
+                </a:solidFill>
+              </a:rPr>
+              <a:t>라는 용어는 </a:t>
+            </a:r>
+            <a:endParaRPr lang="en-US" altLang="ko-KR" sz="1200" dirty="0">
+              <a:solidFill>
+                <a:srgbClr val="FF0000"/>
+              </a:solidFill>
+            </a:endParaRPr>
+          </a:p>
+          <a:p>
+            <a:r>
+              <a:rPr lang="ko-KR" altLang="en-US" sz="1200" dirty="0">
+                <a:solidFill>
+                  <a:srgbClr val="FF0000"/>
+                </a:solidFill>
+              </a:rPr>
+              <a:t>경제학자들이 말하는 선택 편향</a:t>
+            </a:r>
+            <a:r>
+              <a:rPr lang="en-US" altLang="ko-KR" sz="1200" dirty="0">
+                <a:solidFill>
+                  <a:srgbClr val="FF0000"/>
+                </a:solidFill>
+              </a:rPr>
+              <a:t>(</a:t>
+            </a:r>
+            <a:r>
+              <a:rPr lang="ko-KR" altLang="en-US" sz="1200" dirty="0">
+                <a:solidFill>
+                  <a:srgbClr val="FF0000"/>
+                </a:solidFill>
+              </a:rPr>
+              <a:t>교란편향 </a:t>
+            </a:r>
+            <a:r>
+              <a:rPr lang="en-US" altLang="ko-KR" sz="1200" dirty="0">
+                <a:solidFill>
+                  <a:srgbClr val="FF0000"/>
+                </a:solidFill>
+              </a:rPr>
+              <a:t>+ Selection bias in </a:t>
+            </a:r>
+            <a:r>
+              <a:rPr lang="ko-KR" altLang="en-US" sz="1200" dirty="0">
+                <a:solidFill>
+                  <a:srgbClr val="FF0000"/>
+                </a:solidFill>
+              </a:rPr>
+              <a:t>교재</a:t>
+            </a:r>
+            <a:r>
+              <a:rPr lang="en-US" altLang="ko-KR" sz="1200" dirty="0">
+                <a:solidFill>
+                  <a:srgbClr val="FF0000"/>
+                </a:solidFill>
+              </a:rPr>
+              <a:t>)</a:t>
+            </a:r>
+            <a:r>
+              <a:rPr lang="ko-KR" altLang="en-US" sz="1200" dirty="0">
+                <a:solidFill>
+                  <a:srgbClr val="FF0000"/>
+                </a:solidFill>
+              </a:rPr>
+              <a:t> 보다 좁은 의미임</a:t>
+            </a:r>
+            <a:r>
+              <a:rPr lang="en-US" altLang="ko-KR" sz="1200" dirty="0">
+                <a:solidFill>
+                  <a:srgbClr val="FF0000"/>
+                </a:solidFill>
+              </a:rPr>
+              <a:t>.</a:t>
+            </a:r>
+          </a:p>
+          <a:p>
+            <a:endParaRPr lang="en-US" altLang="ko-KR" sz="1200" dirty="0">
+              <a:solidFill>
+                <a:srgbClr val="FF0000"/>
+              </a:solidFill>
+            </a:endParaRPr>
+          </a:p>
+          <a:p>
+            <a:endParaRPr lang="en-US" altLang="ko-KR" sz="1200" dirty="0">
+              <a:solidFill>
+                <a:srgbClr val="FF0000"/>
+              </a:solidFill>
+            </a:endParaRPr>
+          </a:p>
+          <a:p>
+            <a:endParaRPr lang="ko-KR" altLang="en-US" sz="1200" dirty="0">
+              <a:solidFill>
+                <a:srgbClr val="FF0000"/>
+              </a:solidFill>
+            </a:endParaRPr>
+          </a:p>
+        </p:txBody>
+      </p:sp>
+      <p:pic>
+        <p:nvPicPr>
+          <p:cNvPr id="5" name="그림 4">
+            <a:extLst>
+              <a:ext uri="{FF2B5EF4-FFF2-40B4-BE49-F238E27FC236}">
+                <a16:creationId xmlns:a16="http://schemas.microsoft.com/office/drawing/2014/main" id="{CFF18470-1E7F-5FC3-601A-B4714E03AC9A}"/>
+              </a:ext>
+            </a:extLst>
+          </p:cNvPr>
+          <p:cNvPicPr>
+            <a:picLocks noChangeAspect="1"/>
+          </p:cNvPicPr>
+          <p:nvPr/>
+        </p:nvPicPr>
+        <p:blipFill>
+          <a:blip r:embed="rId2"/>
+          <a:stretch>
+            <a:fillRect/>
+          </a:stretch>
+        </p:blipFill>
+        <p:spPr>
+          <a:xfrm>
+            <a:off x="838200" y="3082501"/>
+            <a:ext cx="2578233" cy="1549480"/>
+          </a:xfrm>
+          <a:prstGeom prst="rect">
+            <a:avLst/>
+          </a:prstGeom>
+        </p:spPr>
+      </p:pic>
+      <p:sp>
+        <p:nvSpPr>
+          <p:cNvPr id="6" name="TextBox 5">
+            <a:extLst>
+              <a:ext uri="{FF2B5EF4-FFF2-40B4-BE49-F238E27FC236}">
+                <a16:creationId xmlns:a16="http://schemas.microsoft.com/office/drawing/2014/main" id="{115131B1-E089-4B6C-A6C1-10849C79C4DA}"/>
+              </a:ext>
+            </a:extLst>
+          </p:cNvPr>
+          <p:cNvSpPr txBox="1"/>
+          <p:nvPr/>
+        </p:nvSpPr>
+        <p:spPr>
+          <a:xfrm>
+            <a:off x="4035287" y="3319670"/>
+            <a:ext cx="3836504" cy="923330"/>
+          </a:xfrm>
+          <a:prstGeom prst="rect">
+            <a:avLst/>
+          </a:prstGeom>
+          <a:noFill/>
+        </p:spPr>
+        <p:txBody>
+          <a:bodyPr wrap="square" rtlCol="0">
+            <a:spAutoFit/>
+          </a:bodyPr>
+          <a:lstStyle/>
+          <a:p>
+            <a:r>
+              <a:rPr lang="ko-KR" altLang="en-US" dirty="0"/>
+              <a:t>이때</a:t>
+            </a:r>
+            <a:r>
+              <a:rPr lang="en-US" altLang="ko-KR" dirty="0"/>
+              <a:t>, R</a:t>
+            </a:r>
+            <a:r>
+              <a:rPr lang="ko-KR" altLang="en-US" dirty="0"/>
+              <a:t>을 통제하면 문제가 생김</a:t>
+            </a:r>
+            <a:r>
+              <a:rPr lang="en-US" altLang="ko-KR" dirty="0"/>
+              <a:t>.</a:t>
+            </a:r>
+          </a:p>
+          <a:p>
+            <a:endParaRPr lang="en-US" altLang="ko-KR" dirty="0"/>
+          </a:p>
+          <a:p>
+            <a:r>
+              <a:rPr lang="en-US" altLang="ko-KR" dirty="0"/>
+              <a:t>Why?</a:t>
+            </a:r>
+            <a:endParaRPr lang="ko-KR" altLang="en-US" dirty="0"/>
+          </a:p>
+        </p:txBody>
+      </p:sp>
+      <p:pic>
+        <p:nvPicPr>
+          <p:cNvPr id="8" name="그림 7">
+            <a:extLst>
+              <a:ext uri="{FF2B5EF4-FFF2-40B4-BE49-F238E27FC236}">
+                <a16:creationId xmlns:a16="http://schemas.microsoft.com/office/drawing/2014/main" id="{E7C898DB-1C3E-A694-CECF-22745B47B0B5}"/>
+              </a:ext>
+            </a:extLst>
+          </p:cNvPr>
+          <p:cNvPicPr>
+            <a:picLocks noChangeAspect="1"/>
+          </p:cNvPicPr>
+          <p:nvPr/>
+        </p:nvPicPr>
+        <p:blipFill>
+          <a:blip r:embed="rId3"/>
+          <a:stretch>
+            <a:fillRect/>
+          </a:stretch>
+        </p:blipFill>
+        <p:spPr>
+          <a:xfrm>
+            <a:off x="4035287" y="4422826"/>
+            <a:ext cx="3911801" cy="1987652"/>
+          </a:xfrm>
+          <a:prstGeom prst="rect">
+            <a:avLst/>
+          </a:prstGeom>
+        </p:spPr>
+      </p:pic>
+      <p:sp>
+        <p:nvSpPr>
+          <p:cNvPr id="9" name="TextBox 8">
+            <a:extLst>
+              <a:ext uri="{FF2B5EF4-FFF2-40B4-BE49-F238E27FC236}">
+                <a16:creationId xmlns:a16="http://schemas.microsoft.com/office/drawing/2014/main" id="{7055277F-B70F-42A5-915C-40B2728B5B6D}"/>
+              </a:ext>
+            </a:extLst>
+          </p:cNvPr>
+          <p:cNvSpPr txBox="1"/>
+          <p:nvPr/>
+        </p:nvSpPr>
+        <p:spPr>
+          <a:xfrm>
+            <a:off x="4273826" y="5405478"/>
+            <a:ext cx="583096" cy="369332"/>
+          </a:xfrm>
+          <a:prstGeom prst="rect">
+            <a:avLst/>
+          </a:prstGeom>
+          <a:noFill/>
+        </p:spPr>
+        <p:txBody>
+          <a:bodyPr wrap="square" rtlCol="0">
+            <a:spAutoFit/>
+          </a:bodyPr>
+          <a:lstStyle/>
+          <a:p>
+            <a:r>
+              <a:rPr lang="en-US" altLang="ko-KR" dirty="0">
+                <a:solidFill>
+                  <a:schemeClr val="accent1"/>
+                </a:solidFill>
+              </a:rPr>
+              <a:t>T</a:t>
+            </a:r>
+            <a:endParaRPr lang="ko-KR" altLang="en-US" dirty="0">
+              <a:solidFill>
+                <a:schemeClr val="accent1"/>
+              </a:solidFill>
+            </a:endParaRPr>
+          </a:p>
+        </p:txBody>
+      </p:sp>
+      <p:sp>
+        <p:nvSpPr>
+          <p:cNvPr id="10" name="TextBox 9">
+            <a:extLst>
+              <a:ext uri="{FF2B5EF4-FFF2-40B4-BE49-F238E27FC236}">
+                <a16:creationId xmlns:a16="http://schemas.microsoft.com/office/drawing/2014/main" id="{8EC0C2F8-4024-FECF-E106-6ECDC1D94DA5}"/>
+              </a:ext>
+            </a:extLst>
+          </p:cNvPr>
+          <p:cNvSpPr txBox="1"/>
+          <p:nvPr/>
+        </p:nvSpPr>
+        <p:spPr>
+          <a:xfrm>
+            <a:off x="5804452" y="4797980"/>
+            <a:ext cx="583096" cy="369332"/>
+          </a:xfrm>
+          <a:prstGeom prst="rect">
+            <a:avLst/>
+          </a:prstGeom>
+          <a:noFill/>
+        </p:spPr>
+        <p:txBody>
+          <a:bodyPr wrap="square" rtlCol="0">
+            <a:spAutoFit/>
+          </a:bodyPr>
+          <a:lstStyle/>
+          <a:p>
+            <a:r>
+              <a:rPr lang="en-US" altLang="ko-KR" dirty="0">
+                <a:solidFill>
+                  <a:schemeClr val="accent1"/>
+                </a:solidFill>
+              </a:rPr>
+              <a:t>Y</a:t>
+            </a:r>
+            <a:endParaRPr lang="ko-KR" altLang="en-US" dirty="0">
+              <a:solidFill>
+                <a:schemeClr val="accent1"/>
+              </a:solidFill>
+            </a:endParaRPr>
+          </a:p>
+        </p:txBody>
+      </p:sp>
+      <p:sp>
+        <p:nvSpPr>
+          <p:cNvPr id="11" name="TextBox 10">
+            <a:extLst>
+              <a:ext uri="{FF2B5EF4-FFF2-40B4-BE49-F238E27FC236}">
+                <a16:creationId xmlns:a16="http://schemas.microsoft.com/office/drawing/2014/main" id="{BDFF4FDA-0ECA-C5D3-5680-20E037440441}"/>
+              </a:ext>
+            </a:extLst>
+          </p:cNvPr>
+          <p:cNvSpPr txBox="1"/>
+          <p:nvPr/>
+        </p:nvSpPr>
+        <p:spPr>
+          <a:xfrm>
+            <a:off x="6930886" y="5798721"/>
+            <a:ext cx="583096" cy="369332"/>
+          </a:xfrm>
+          <a:prstGeom prst="rect">
+            <a:avLst/>
+          </a:prstGeom>
+          <a:noFill/>
+        </p:spPr>
+        <p:txBody>
+          <a:bodyPr wrap="square" rtlCol="0">
+            <a:spAutoFit/>
+          </a:bodyPr>
+          <a:lstStyle/>
+          <a:p>
+            <a:r>
+              <a:rPr lang="en-US" altLang="ko-KR" dirty="0">
+                <a:solidFill>
+                  <a:schemeClr val="accent1"/>
+                </a:solidFill>
+              </a:rPr>
+              <a:t>R</a:t>
+            </a:r>
+            <a:endParaRPr lang="ko-KR" altLang="en-US" dirty="0">
+              <a:solidFill>
+                <a:schemeClr val="accent1"/>
+              </a:solidFill>
+            </a:endParaRPr>
+          </a:p>
+        </p:txBody>
+      </p:sp>
+      <p:sp>
+        <p:nvSpPr>
+          <p:cNvPr id="12" name="TextBox 11">
+            <a:extLst>
+              <a:ext uri="{FF2B5EF4-FFF2-40B4-BE49-F238E27FC236}">
+                <a16:creationId xmlns:a16="http://schemas.microsoft.com/office/drawing/2014/main" id="{5C8974CD-16A2-1BA5-6628-82A2A47F8625}"/>
+              </a:ext>
+            </a:extLst>
+          </p:cNvPr>
+          <p:cNvSpPr txBox="1"/>
+          <p:nvPr/>
+        </p:nvSpPr>
+        <p:spPr>
+          <a:xfrm>
+            <a:off x="8448261" y="4531379"/>
+            <a:ext cx="3425687" cy="1477328"/>
+          </a:xfrm>
+          <a:prstGeom prst="rect">
+            <a:avLst/>
+          </a:prstGeom>
+          <a:noFill/>
+        </p:spPr>
+        <p:txBody>
+          <a:bodyPr wrap="square" rtlCol="0">
+            <a:spAutoFit/>
+          </a:bodyPr>
+          <a:lstStyle/>
+          <a:p>
+            <a:r>
+              <a:rPr lang="ko-KR" altLang="en-US" dirty="0"/>
+              <a:t>설문응답을 한 사람들의</a:t>
+            </a:r>
+            <a:endParaRPr lang="en-US" altLang="ko-KR" dirty="0"/>
+          </a:p>
+          <a:p>
+            <a:r>
+              <a:rPr lang="ko-KR" altLang="en-US" dirty="0"/>
+              <a:t>신규 기능 경험 유무에 따른</a:t>
+            </a:r>
+            <a:endParaRPr lang="en-US" altLang="ko-KR" dirty="0"/>
+          </a:p>
+          <a:p>
+            <a:r>
+              <a:rPr lang="ko-KR" altLang="en-US" dirty="0" err="1"/>
+              <a:t>순고객</a:t>
+            </a:r>
+            <a:r>
+              <a:rPr lang="ko-KR" altLang="en-US" dirty="0"/>
+              <a:t> 추천지수의 차이를 </a:t>
+            </a:r>
+            <a:endParaRPr lang="en-US" altLang="ko-KR" dirty="0"/>
+          </a:p>
+          <a:p>
+            <a:r>
+              <a:rPr lang="ko-KR" altLang="en-US" dirty="0"/>
+              <a:t>비교한다면</a:t>
+            </a:r>
+            <a:r>
+              <a:rPr lang="en-US" altLang="ko-KR" dirty="0"/>
+              <a:t>??</a:t>
+            </a:r>
+          </a:p>
+          <a:p>
+            <a:endParaRPr lang="ko-KR" altLang="en-US" dirty="0"/>
+          </a:p>
+        </p:txBody>
+      </p:sp>
+      <p:cxnSp>
+        <p:nvCxnSpPr>
+          <p:cNvPr id="14" name="직선 화살표 연결선 13">
+            <a:extLst>
+              <a:ext uri="{FF2B5EF4-FFF2-40B4-BE49-F238E27FC236}">
+                <a16:creationId xmlns:a16="http://schemas.microsoft.com/office/drawing/2014/main" id="{24F8A455-FDB8-E548-BEE2-A5959418C5CE}"/>
+              </a:ext>
+            </a:extLst>
+          </p:cNvPr>
+          <p:cNvCxnSpPr/>
+          <p:nvPr/>
+        </p:nvCxnSpPr>
+        <p:spPr>
+          <a:xfrm flipV="1">
+            <a:off x="9031357" y="3260348"/>
+            <a:ext cx="0" cy="1245391"/>
+          </a:xfrm>
+          <a:prstGeom prst="straightConnector1">
+            <a:avLst/>
+          </a:prstGeom>
+          <a:ln>
+            <a:tailEnd type="triangle"/>
+          </a:ln>
+        </p:spPr>
+        <p:style>
+          <a:lnRef idx="2">
+            <a:schemeClr val="accent1"/>
+          </a:lnRef>
+          <a:fillRef idx="0">
+            <a:schemeClr val="accent1"/>
+          </a:fillRef>
+          <a:effectRef idx="1">
+            <a:schemeClr val="accent1"/>
+          </a:effectRef>
+          <a:fontRef idx="minor">
+            <a:schemeClr val="tx1"/>
+          </a:fontRef>
+        </p:style>
+      </p:cxnSp>
+      <p:sp>
+        <p:nvSpPr>
+          <p:cNvPr id="15" name="직사각형 14">
+            <a:extLst>
+              <a:ext uri="{FF2B5EF4-FFF2-40B4-BE49-F238E27FC236}">
+                <a16:creationId xmlns:a16="http://schemas.microsoft.com/office/drawing/2014/main" id="{A7320CF3-3CD4-7041-57A5-EF271EEBE66A}"/>
+              </a:ext>
+            </a:extLst>
+          </p:cNvPr>
+          <p:cNvSpPr/>
+          <p:nvPr/>
+        </p:nvSpPr>
+        <p:spPr>
+          <a:xfrm>
+            <a:off x="7947088" y="516835"/>
+            <a:ext cx="4039503" cy="2650435"/>
+          </a:xfrm>
+          <a:prstGeom prst="rect">
+            <a:avLst/>
+          </a:prstGeom>
+          <a:noFill/>
+        </p:spPr>
+        <p:style>
+          <a:lnRef idx="2">
+            <a:schemeClr val="accent1">
+              <a:shade val="15000"/>
+            </a:schemeClr>
+          </a:lnRef>
+          <a:fillRef idx="1">
+            <a:schemeClr val="accent1"/>
+          </a:fillRef>
+          <a:effectRef idx="0">
+            <a:schemeClr val="accent1"/>
+          </a:effectRef>
+          <a:fontRef idx="minor">
+            <a:schemeClr val="lt1"/>
+          </a:fontRef>
+        </p:style>
+        <p:txBody>
+          <a:bodyPr rtlCol="0" anchor="ctr"/>
+          <a:lstStyle/>
+          <a:p>
+            <a:pPr algn="ctr"/>
+            <a:endParaRPr lang="ko-KR" altLang="en-US"/>
+          </a:p>
+        </p:txBody>
+      </p:sp>
+      <mc:AlternateContent xmlns:mc="http://schemas.openxmlformats.org/markup-compatibility/2006">
+        <mc:Choice xmlns:a14="http://schemas.microsoft.com/office/drawing/2010/main" Requires="a14">
+          <p:sp>
+            <p:nvSpPr>
+              <p:cNvPr id="16" name="TextBox 15">
+                <a:extLst>
+                  <a:ext uri="{FF2B5EF4-FFF2-40B4-BE49-F238E27FC236}">
+                    <a16:creationId xmlns:a16="http://schemas.microsoft.com/office/drawing/2014/main" id="{00D690F2-F6DB-6C4F-AEE9-319BFBC82542}"/>
+                  </a:ext>
+                </a:extLst>
+              </p:cNvPr>
+              <p:cNvSpPr txBox="1"/>
+              <p:nvPr/>
+            </p:nvSpPr>
+            <p:spPr>
+              <a:xfrm>
+                <a:off x="8070574" y="636104"/>
+                <a:ext cx="3723861" cy="738664"/>
+              </a:xfrm>
+              <a:prstGeom prst="rect">
+                <a:avLst/>
+              </a:prstGeom>
+              <a:noFill/>
+            </p:spPr>
+            <p:txBody>
+              <a:bodyPr wrap="square" rtlCol="0">
+                <a:spAutoFit/>
+              </a:bodyPr>
+              <a:lstStyle/>
+              <a:p>
+                <a14:m>
+                  <m:oMathPara xmlns:m="http://schemas.openxmlformats.org/officeDocument/2006/math">
+                    <m:oMathParaPr>
+                      <m:jc m:val="centerGroup"/>
+                    </m:oMathParaPr>
+                    <m:oMath xmlns:m="http://schemas.openxmlformats.org/officeDocument/2006/math">
+                      <m:r>
+                        <a:rPr lang="en-US" altLang="ko-KR" sz="1400" b="0" i="1" smtClean="0">
+                          <a:latin typeface="Cambria Math" panose="02040503050406030204" pitchFamily="18" charset="0"/>
+                        </a:rPr>
+                        <m:t>𝐸</m:t>
+                      </m:r>
+                      <m:d>
+                        <m:dPr>
+                          <m:begChr m:val="["/>
+                          <m:endChr m:val="|"/>
+                          <m:ctrlPr>
+                            <a:rPr lang="en-US" altLang="ko-KR" sz="1400" b="0" i="1" smtClean="0">
+                              <a:latin typeface="Cambria Math" panose="02040503050406030204" pitchFamily="18" charset="0"/>
+                            </a:rPr>
+                          </m:ctrlPr>
+                        </m:dPr>
+                        <m:e>
+                          <m:r>
+                            <a:rPr lang="en-US" altLang="ko-KR" sz="1400" b="0" i="1" smtClean="0">
+                              <a:latin typeface="Cambria Math" panose="02040503050406030204" pitchFamily="18" charset="0"/>
+                            </a:rPr>
+                            <m:t>𝑌</m:t>
+                          </m:r>
+                          <m:r>
+                            <a:rPr lang="en-US" altLang="ko-KR" sz="1400" b="0" i="1" smtClean="0">
+                              <a:latin typeface="Cambria Math" panose="02040503050406030204" pitchFamily="18" charset="0"/>
+                            </a:rPr>
+                            <m:t> </m:t>
+                          </m:r>
+                        </m:e>
+                      </m:d>
+                      <m:r>
+                        <a:rPr lang="en-US" altLang="ko-KR" sz="1400" b="0" i="1" smtClean="0">
+                          <a:latin typeface="Cambria Math" panose="02040503050406030204" pitchFamily="18" charset="0"/>
+                        </a:rPr>
+                        <m:t> </m:t>
+                      </m:r>
+                      <m:r>
+                        <a:rPr lang="en-US" altLang="ko-KR" sz="1400" b="0" i="1" smtClean="0">
+                          <a:latin typeface="Cambria Math" panose="02040503050406030204" pitchFamily="18" charset="0"/>
+                        </a:rPr>
+                        <m:t>𝑇</m:t>
+                      </m:r>
+                      <m:r>
+                        <a:rPr lang="en-US" altLang="ko-KR" sz="1400" b="0" i="1" smtClean="0">
+                          <a:latin typeface="Cambria Math" panose="02040503050406030204" pitchFamily="18" charset="0"/>
+                        </a:rPr>
+                        <m:t>=1, </m:t>
+                      </m:r>
+                      <m:r>
+                        <a:rPr lang="en-US" altLang="ko-KR" sz="1400" b="0" i="1" smtClean="0">
+                          <a:latin typeface="Cambria Math" panose="02040503050406030204" pitchFamily="18" charset="0"/>
+                        </a:rPr>
+                        <m:t>𝑅</m:t>
+                      </m:r>
+                      <m:r>
+                        <a:rPr lang="en-US" altLang="ko-KR" sz="1400" b="0" i="1" smtClean="0">
+                          <a:latin typeface="Cambria Math" panose="02040503050406030204" pitchFamily="18" charset="0"/>
+                        </a:rPr>
+                        <m:t>=1] −</m:t>
+                      </m:r>
+                      <m:r>
+                        <a:rPr lang="en-US" altLang="ko-KR" sz="1400" b="0" i="1" smtClean="0">
+                          <a:latin typeface="Cambria Math" panose="02040503050406030204" pitchFamily="18" charset="0"/>
+                        </a:rPr>
+                        <m:t>𝐸</m:t>
+                      </m:r>
+                      <m:d>
+                        <m:dPr>
+                          <m:begChr m:val="["/>
+                          <m:endChr m:val="|"/>
+                          <m:ctrlPr>
+                            <a:rPr lang="en-US" altLang="ko-KR" sz="1400" b="0" i="1" smtClean="0">
+                              <a:latin typeface="Cambria Math" panose="02040503050406030204" pitchFamily="18" charset="0"/>
+                            </a:rPr>
+                          </m:ctrlPr>
+                        </m:dPr>
+                        <m:e>
+                          <m:r>
+                            <a:rPr lang="en-US" altLang="ko-KR" sz="1400" b="0" i="1" smtClean="0">
+                              <a:latin typeface="Cambria Math" panose="02040503050406030204" pitchFamily="18" charset="0"/>
+                            </a:rPr>
+                            <m:t>𝑌</m:t>
+                          </m:r>
+                          <m:r>
+                            <a:rPr lang="en-US" altLang="ko-KR" sz="1400" b="0" i="1" smtClean="0">
+                              <a:latin typeface="Cambria Math" panose="02040503050406030204" pitchFamily="18" charset="0"/>
+                            </a:rPr>
+                            <m:t> </m:t>
+                          </m:r>
+                        </m:e>
+                      </m:d>
+                      <m:r>
+                        <a:rPr lang="en-US" altLang="ko-KR" sz="1400" b="0" i="1" smtClean="0">
+                          <a:latin typeface="Cambria Math" panose="02040503050406030204" pitchFamily="18" charset="0"/>
+                        </a:rPr>
+                        <m:t> </m:t>
+                      </m:r>
+                      <m:r>
+                        <a:rPr lang="en-US" altLang="ko-KR" sz="1400" b="0" i="1" smtClean="0">
+                          <a:latin typeface="Cambria Math" panose="02040503050406030204" pitchFamily="18" charset="0"/>
+                        </a:rPr>
+                        <m:t>𝑇</m:t>
+                      </m:r>
+                      <m:r>
+                        <a:rPr lang="en-US" altLang="ko-KR" sz="1400" b="0" i="1" smtClean="0">
+                          <a:latin typeface="Cambria Math" panose="02040503050406030204" pitchFamily="18" charset="0"/>
+                        </a:rPr>
+                        <m:t>=0, </m:t>
+                      </m:r>
+                      <m:r>
+                        <a:rPr lang="en-US" altLang="ko-KR" sz="1400" b="0" i="1" smtClean="0">
+                          <a:latin typeface="Cambria Math" panose="02040503050406030204" pitchFamily="18" charset="0"/>
+                        </a:rPr>
+                        <m:t>𝑅</m:t>
+                      </m:r>
+                      <m:r>
+                        <a:rPr lang="en-US" altLang="ko-KR" sz="1400" b="0" i="1" smtClean="0">
+                          <a:latin typeface="Cambria Math" panose="02040503050406030204" pitchFamily="18" charset="0"/>
+                        </a:rPr>
+                        <m:t>=1]</m:t>
+                      </m:r>
+                    </m:oMath>
+                  </m:oMathPara>
+                </a14:m>
+                <a:endParaRPr lang="en-US" altLang="ko-KR" sz="1400" dirty="0"/>
+              </a:p>
+              <a:p>
+                <a:r>
+                  <a:rPr lang="en-US" altLang="ko-KR" sz="1400" dirty="0"/>
+                  <a:t>= </a:t>
+                </a:r>
+                <a14:m>
+                  <m:oMath xmlns:m="http://schemas.openxmlformats.org/officeDocument/2006/math">
+                    <m:r>
+                      <a:rPr lang="en-US" altLang="ko-KR" sz="1400" b="0" i="1" smtClean="0">
+                        <a:latin typeface="Cambria Math" panose="02040503050406030204" pitchFamily="18" charset="0"/>
+                      </a:rPr>
+                      <m:t>𝐸</m:t>
+                    </m:r>
+                    <m:d>
+                      <m:dPr>
+                        <m:begChr m:val="["/>
+                        <m:endChr m:val="|"/>
+                        <m:ctrlPr>
+                          <a:rPr lang="en-US" altLang="ko-KR" sz="1400" b="0" i="1" smtClean="0">
+                            <a:latin typeface="Cambria Math" panose="02040503050406030204" pitchFamily="18" charset="0"/>
+                          </a:rPr>
+                        </m:ctrlPr>
+                      </m:dPr>
+                      <m:e>
+                        <m:sSub>
+                          <m:sSubPr>
+                            <m:ctrlPr>
+                              <a:rPr lang="en-US" altLang="ko-KR" sz="1400" b="0" i="1" smtClean="0">
+                                <a:latin typeface="Cambria Math" panose="02040503050406030204" pitchFamily="18" charset="0"/>
+                              </a:rPr>
+                            </m:ctrlPr>
+                          </m:sSubPr>
+                          <m:e>
+                            <m:r>
+                              <a:rPr lang="en-US" altLang="ko-KR" sz="1400" b="0" i="1" smtClean="0">
+                                <a:latin typeface="Cambria Math" panose="02040503050406030204" pitchFamily="18" charset="0"/>
+                              </a:rPr>
+                              <m:t>𝑌</m:t>
+                            </m:r>
+                          </m:e>
+                          <m:sub>
+                            <m:r>
+                              <a:rPr lang="en-US" altLang="ko-KR" sz="1400" b="0" i="1" smtClean="0">
+                                <a:latin typeface="Cambria Math" panose="02040503050406030204" pitchFamily="18" charset="0"/>
+                              </a:rPr>
+                              <m:t>1</m:t>
+                            </m:r>
+                          </m:sub>
+                        </m:sSub>
+                        <m:r>
+                          <a:rPr lang="en-US" altLang="ko-KR" sz="1400" b="0" i="1" smtClean="0">
+                            <a:latin typeface="Cambria Math" panose="02040503050406030204" pitchFamily="18" charset="0"/>
+                          </a:rPr>
+                          <m:t> −</m:t>
+                        </m:r>
+                        <m:sSub>
+                          <m:sSubPr>
+                            <m:ctrlPr>
+                              <a:rPr lang="en-US" altLang="ko-KR" sz="1400" b="0" i="1" smtClean="0">
+                                <a:latin typeface="Cambria Math" panose="02040503050406030204" pitchFamily="18" charset="0"/>
+                              </a:rPr>
+                            </m:ctrlPr>
+                          </m:sSubPr>
+                          <m:e>
+                            <m:r>
+                              <a:rPr lang="en-US" altLang="ko-KR" sz="1400" b="0" i="1" smtClean="0">
+                                <a:latin typeface="Cambria Math" panose="02040503050406030204" pitchFamily="18" charset="0"/>
+                              </a:rPr>
+                              <m:t>𝑌</m:t>
+                            </m:r>
+                          </m:e>
+                          <m:sub>
+                            <m:r>
+                              <a:rPr lang="en-US" altLang="ko-KR" sz="1400" b="0" i="1" smtClean="0">
+                                <a:latin typeface="Cambria Math" panose="02040503050406030204" pitchFamily="18" charset="0"/>
+                              </a:rPr>
+                              <m:t>0</m:t>
+                            </m:r>
+                          </m:sub>
+                        </m:sSub>
+                        <m:r>
+                          <a:rPr lang="en-US" altLang="ko-KR" sz="1400" b="0" i="1" smtClean="0">
+                            <a:latin typeface="Cambria Math" panose="02040503050406030204" pitchFamily="18" charset="0"/>
+                          </a:rPr>
+                          <m:t> </m:t>
+                        </m:r>
+                      </m:e>
+                    </m:d>
+                    <m:r>
+                      <a:rPr lang="en-US" altLang="ko-KR" sz="1400" b="0" i="1" smtClean="0">
+                        <a:latin typeface="Cambria Math" panose="02040503050406030204" pitchFamily="18" charset="0"/>
+                      </a:rPr>
+                      <m:t> </m:t>
+                    </m:r>
+                    <m:r>
+                      <a:rPr lang="en-US" altLang="ko-KR" sz="1400" b="0" i="1" smtClean="0">
+                        <a:latin typeface="Cambria Math" panose="02040503050406030204" pitchFamily="18" charset="0"/>
+                      </a:rPr>
+                      <m:t>𝑅</m:t>
+                    </m:r>
+                    <m:r>
+                      <a:rPr lang="en-US" altLang="ko-KR" sz="1400" b="0" i="1" smtClean="0">
+                        <a:latin typeface="Cambria Math" panose="02040503050406030204" pitchFamily="18" charset="0"/>
+                      </a:rPr>
+                      <m:t>=1] </m:t>
+                    </m:r>
+                  </m:oMath>
+                </a14:m>
+                <a:endParaRPr lang="en-US" altLang="ko-KR" sz="1400" b="0" dirty="0"/>
+              </a:p>
+              <a:p>
+                <a:r>
+                  <a:rPr lang="en-US" altLang="ko-KR" sz="1400" dirty="0"/>
+                  <a:t>+ </a:t>
+                </a:r>
+                <a14:m>
+                  <m:oMath xmlns:m="http://schemas.openxmlformats.org/officeDocument/2006/math">
+                    <m:r>
+                      <a:rPr lang="en-US" altLang="ko-KR" sz="1400" b="0" i="1" smtClean="0">
+                        <a:latin typeface="Cambria Math" panose="02040503050406030204" pitchFamily="18" charset="0"/>
+                      </a:rPr>
+                      <m:t>𝐸</m:t>
+                    </m:r>
+                    <m:d>
+                      <m:dPr>
+                        <m:begChr m:val="["/>
+                        <m:endChr m:val="]"/>
+                        <m:ctrlPr>
+                          <a:rPr lang="en-US" altLang="ko-KR" sz="1400" b="0" i="1" smtClean="0">
+                            <a:latin typeface="Cambria Math" panose="02040503050406030204" pitchFamily="18" charset="0"/>
+                          </a:rPr>
+                        </m:ctrlPr>
+                      </m:dPr>
+                      <m:e>
+                        <m:sSub>
+                          <m:sSubPr>
+                            <m:ctrlPr>
+                              <a:rPr lang="en-US" altLang="ko-KR" sz="1400" b="0" i="1" smtClean="0">
+                                <a:latin typeface="Cambria Math" panose="02040503050406030204" pitchFamily="18" charset="0"/>
+                              </a:rPr>
+                            </m:ctrlPr>
+                          </m:sSubPr>
+                          <m:e>
+                            <m:r>
+                              <a:rPr lang="en-US" altLang="ko-KR" sz="1400" b="0" i="1" smtClean="0">
+                                <a:latin typeface="Cambria Math" panose="02040503050406030204" pitchFamily="18" charset="0"/>
+                              </a:rPr>
+                              <m:t>𝑌</m:t>
+                            </m:r>
+                          </m:e>
+                          <m:sub>
+                            <m:r>
+                              <a:rPr lang="en-US" altLang="ko-KR" sz="1400" b="0" i="1" smtClean="0">
+                                <a:latin typeface="Cambria Math" panose="02040503050406030204" pitchFamily="18" charset="0"/>
+                              </a:rPr>
+                              <m:t>0</m:t>
+                            </m:r>
+                          </m:sub>
+                        </m:sSub>
+                      </m:e>
+                      <m:e>
+                        <m:r>
+                          <a:rPr lang="en-US" altLang="ko-KR" sz="1400" b="0" i="1" smtClean="0">
+                            <a:latin typeface="Cambria Math" panose="02040503050406030204" pitchFamily="18" charset="0"/>
+                          </a:rPr>
+                          <m:t>𝑇</m:t>
+                        </m:r>
+                        <m:r>
+                          <a:rPr lang="en-US" altLang="ko-KR" sz="1400" b="0" i="1" smtClean="0">
+                            <a:latin typeface="Cambria Math" panose="02040503050406030204" pitchFamily="18" charset="0"/>
+                          </a:rPr>
+                          <m:t>=1,</m:t>
+                        </m:r>
+                        <m:r>
+                          <a:rPr lang="en-US" altLang="ko-KR" sz="1400" b="0" i="1" smtClean="0">
+                            <a:latin typeface="Cambria Math" panose="02040503050406030204" pitchFamily="18" charset="0"/>
+                          </a:rPr>
+                          <m:t>𝑅</m:t>
+                        </m:r>
+                        <m:r>
+                          <a:rPr lang="en-US" altLang="ko-KR" sz="1400" b="0" i="1" smtClean="0">
+                            <a:latin typeface="Cambria Math" panose="02040503050406030204" pitchFamily="18" charset="0"/>
+                          </a:rPr>
+                          <m:t>=1</m:t>
+                        </m:r>
+                      </m:e>
+                    </m:d>
+                    <m:r>
+                      <a:rPr lang="en-US" altLang="ko-KR" sz="1400" b="0" i="1" smtClean="0">
+                        <a:latin typeface="Cambria Math" panose="02040503050406030204" pitchFamily="18" charset="0"/>
+                      </a:rPr>
+                      <m:t> −</m:t>
+                    </m:r>
+                    <m:r>
+                      <a:rPr lang="en-US" altLang="ko-KR" sz="1400" b="0" i="1" smtClean="0">
+                        <a:latin typeface="Cambria Math" panose="02040503050406030204" pitchFamily="18" charset="0"/>
+                      </a:rPr>
+                      <m:t>𝐸</m:t>
+                    </m:r>
+                    <m:r>
+                      <a:rPr lang="en-US" altLang="ko-KR" sz="1400" b="0" i="1" smtClean="0">
+                        <a:latin typeface="Cambria Math" panose="02040503050406030204" pitchFamily="18" charset="0"/>
+                      </a:rPr>
+                      <m:t>[</m:t>
+                    </m:r>
+                    <m:sSub>
+                      <m:sSubPr>
+                        <m:ctrlPr>
+                          <a:rPr lang="en-US" altLang="ko-KR" sz="1400" b="0" i="1" smtClean="0">
+                            <a:latin typeface="Cambria Math" panose="02040503050406030204" pitchFamily="18" charset="0"/>
+                          </a:rPr>
+                        </m:ctrlPr>
+                      </m:sSubPr>
+                      <m:e>
+                        <m:r>
+                          <a:rPr lang="en-US" altLang="ko-KR" sz="1400" b="0" i="1" smtClean="0">
+                            <a:latin typeface="Cambria Math" panose="02040503050406030204" pitchFamily="18" charset="0"/>
+                          </a:rPr>
+                          <m:t>𝑌</m:t>
+                        </m:r>
+                      </m:e>
+                      <m:sub>
+                        <m:r>
+                          <a:rPr lang="en-US" altLang="ko-KR" sz="1400" b="0" i="1" smtClean="0">
+                            <a:latin typeface="Cambria Math" panose="02040503050406030204" pitchFamily="18" charset="0"/>
+                          </a:rPr>
+                          <m:t>0</m:t>
+                        </m:r>
+                      </m:sub>
+                    </m:sSub>
+                    <m:r>
+                      <a:rPr lang="en-US" altLang="ko-KR" sz="1400" b="0" i="1" smtClean="0">
+                        <a:latin typeface="Cambria Math" panose="02040503050406030204" pitchFamily="18" charset="0"/>
+                      </a:rPr>
+                      <m:t>|</m:t>
+                    </m:r>
+                    <m:r>
+                      <a:rPr lang="en-US" altLang="ko-KR" sz="1400" b="0" i="1" smtClean="0">
+                        <a:latin typeface="Cambria Math" panose="02040503050406030204" pitchFamily="18" charset="0"/>
+                      </a:rPr>
+                      <m:t>𝑇</m:t>
+                    </m:r>
+                    <m:r>
+                      <a:rPr lang="en-US" altLang="ko-KR" sz="1400" b="0" i="1" smtClean="0">
+                        <a:latin typeface="Cambria Math" panose="02040503050406030204" pitchFamily="18" charset="0"/>
+                      </a:rPr>
+                      <m:t>=0,</m:t>
+                    </m:r>
+                    <m:r>
+                      <a:rPr lang="en-US" altLang="ko-KR" sz="1400" b="0" i="1" smtClean="0">
+                        <a:latin typeface="Cambria Math" panose="02040503050406030204" pitchFamily="18" charset="0"/>
+                      </a:rPr>
+                      <m:t>𝑅</m:t>
+                    </m:r>
+                    <m:r>
+                      <a:rPr lang="en-US" altLang="ko-KR" sz="1400" b="0" i="1" smtClean="0">
+                        <a:latin typeface="Cambria Math" panose="02040503050406030204" pitchFamily="18" charset="0"/>
+                      </a:rPr>
+                      <m:t>=1]</m:t>
+                    </m:r>
+                  </m:oMath>
+                </a14:m>
+                <a:endParaRPr lang="ko-KR" altLang="en-US" sz="1400" dirty="0"/>
+              </a:p>
+            </p:txBody>
+          </p:sp>
+        </mc:Choice>
+        <mc:Fallback>
+          <p:sp>
+            <p:nvSpPr>
+              <p:cNvPr id="16" name="TextBox 15">
+                <a:extLst>
+                  <a:ext uri="{FF2B5EF4-FFF2-40B4-BE49-F238E27FC236}">
+                    <a16:creationId xmlns:a16="http://schemas.microsoft.com/office/drawing/2014/main" id="{00D690F2-F6DB-6C4F-AEE9-319BFBC82542}"/>
+                  </a:ext>
+                </a:extLst>
+              </p:cNvPr>
+              <p:cNvSpPr txBox="1">
+                <a:spLocks noRot="1" noChangeAspect="1" noMove="1" noResize="1" noEditPoints="1" noAdjustHandles="1" noChangeArrowheads="1" noChangeShapeType="1" noTextEdit="1"/>
+              </p:cNvSpPr>
+              <p:nvPr/>
+            </p:nvSpPr>
+            <p:spPr>
+              <a:xfrm>
+                <a:off x="8070574" y="636104"/>
+                <a:ext cx="3723861" cy="738664"/>
+              </a:xfrm>
+              <a:prstGeom prst="rect">
+                <a:avLst/>
+              </a:prstGeom>
+              <a:blipFill>
+                <a:blip r:embed="rId4"/>
+                <a:stretch>
+                  <a:fillRect l="-491" b="-7377"/>
+                </a:stretch>
+              </a:blipFill>
+            </p:spPr>
+            <p:txBody>
+              <a:bodyPr/>
+              <a:lstStyle/>
+              <a:p>
+                <a:r>
+                  <a:rPr lang="ko-KR" altLang="en-US">
+                    <a:noFill/>
+                  </a:rPr>
+                  <a:t> </a:t>
+                </a:r>
+              </a:p>
+            </p:txBody>
+          </p:sp>
+        </mc:Fallback>
+      </mc:AlternateContent>
+      <p:sp>
+        <p:nvSpPr>
+          <p:cNvPr id="17" name="왼쪽 중괄호 16">
+            <a:extLst>
+              <a:ext uri="{FF2B5EF4-FFF2-40B4-BE49-F238E27FC236}">
+                <a16:creationId xmlns:a16="http://schemas.microsoft.com/office/drawing/2014/main" id="{B39C11B3-28BF-9606-6407-49CA69D50D18}"/>
+              </a:ext>
+            </a:extLst>
+          </p:cNvPr>
+          <p:cNvSpPr/>
+          <p:nvPr/>
+        </p:nvSpPr>
+        <p:spPr>
+          <a:xfrm rot="16200000">
+            <a:off x="9758571" y="-33439"/>
+            <a:ext cx="284921" cy="3044686"/>
+          </a:xfrm>
+          <a:prstGeom prst="leftBrace">
+            <a:avLst/>
+          </a:prstGeom>
+        </p:spPr>
+        <p:style>
+          <a:lnRef idx="2">
+            <a:schemeClr val="accent1"/>
+          </a:lnRef>
+          <a:fillRef idx="0">
+            <a:schemeClr val="accent1"/>
+          </a:fillRef>
+          <a:effectRef idx="1">
+            <a:schemeClr val="accent1"/>
+          </a:effectRef>
+          <a:fontRef idx="minor">
+            <a:schemeClr val="tx1"/>
+          </a:fontRef>
+        </p:style>
+        <p:txBody>
+          <a:bodyPr rtlCol="0" anchor="ctr"/>
+          <a:lstStyle/>
+          <a:p>
+            <a:pPr algn="ctr"/>
+            <a:endParaRPr lang="ko-KR" altLang="en-US"/>
+          </a:p>
+        </p:txBody>
+      </p:sp>
+      <p:sp>
+        <p:nvSpPr>
+          <p:cNvPr id="18" name="TextBox 17">
+            <a:extLst>
+              <a:ext uri="{FF2B5EF4-FFF2-40B4-BE49-F238E27FC236}">
+                <a16:creationId xmlns:a16="http://schemas.microsoft.com/office/drawing/2014/main" id="{A391AE3E-87CB-ADD5-6A6D-31FD1104BE4A}"/>
+              </a:ext>
+            </a:extLst>
+          </p:cNvPr>
+          <p:cNvSpPr txBox="1"/>
+          <p:nvPr/>
+        </p:nvSpPr>
+        <p:spPr>
+          <a:xfrm>
+            <a:off x="9051234" y="1663977"/>
+            <a:ext cx="2670313" cy="923330"/>
+          </a:xfrm>
+          <a:prstGeom prst="rect">
+            <a:avLst/>
+          </a:prstGeom>
+          <a:noFill/>
+        </p:spPr>
+        <p:txBody>
+          <a:bodyPr wrap="square" rtlCol="0">
+            <a:spAutoFit/>
+          </a:bodyPr>
+          <a:lstStyle/>
+          <a:p>
+            <a:r>
+              <a:rPr lang="ko-KR" altLang="en-US" dirty="0"/>
+              <a:t>선택편향 </a:t>
+            </a:r>
+            <a:r>
+              <a:rPr lang="en-US" altLang="ko-KR" dirty="0"/>
+              <a:t>::</a:t>
+            </a:r>
+          </a:p>
+          <a:p>
+            <a:r>
+              <a:rPr lang="ko-KR" altLang="en-US" dirty="0"/>
+              <a:t>두 집단이 본질적으로</a:t>
+            </a:r>
+            <a:endParaRPr lang="en-US" altLang="ko-KR" dirty="0"/>
+          </a:p>
+          <a:p>
+            <a:r>
+              <a:rPr lang="ko-KR" altLang="en-US" dirty="0"/>
+              <a:t>같지 않다</a:t>
+            </a:r>
+            <a:r>
+              <a:rPr lang="en-US" altLang="ko-KR" dirty="0"/>
+              <a:t>. WHY?</a:t>
+            </a:r>
+            <a:endParaRPr lang="ko-KR" altLang="en-US" dirty="0"/>
+          </a:p>
+        </p:txBody>
+      </p:sp>
     </p:spTree>
     <p:extLst>
       <p:ext uri="{BB962C8B-B14F-4D97-AF65-F5344CB8AC3E}">
@@ -4193,7 +5760,7 @@
 </p:sld>
 </file>
 
-<file path=ppt/slides/slide11.xml><?xml version="1.0" encoding="utf-8"?>
+<file path=ppt/slides/slide12.xml><?xml version="1.0" encoding="utf-8"?>
 <p:sld xmlns:a="http://schemas.openxmlformats.org/drawingml/2006/main" xmlns:r="http://schemas.openxmlformats.org/officeDocument/2006/relationships" xmlns:p="http://schemas.openxmlformats.org/presentationml/2006/main">
   <p:cSld>
     <p:spTree>
@@ -4743,8 +6310,8 @@
           </a:prstGeom>
         </p:spPr>
       </p:pic>
-      <mc:AlternateContent xmlns:mc="http://schemas.openxmlformats.org/markup-compatibility/2006">
-        <mc:Choice xmlns:a14="http://schemas.microsoft.com/office/drawing/2010/main" Requires="a14">
+      <mc:AlternateContent xmlns:mc="http://schemas.openxmlformats.org/markup-compatibility/2006" xmlns:a14="http://schemas.microsoft.com/office/drawing/2010/main">
+        <mc:Choice Requires="a14">
           <p:sp>
             <p:nvSpPr>
               <p:cNvPr id="11" name="TextBox 10">
@@ -4839,6 +6406,7 @@
                 </a:r>
               </a:p>
               <a:p>
+                <a:pPr/>
                 <a14:m>
                   <m:oMathPara xmlns:m="http://schemas.openxmlformats.org/officeDocument/2006/math">
                     <m:oMathParaPr>
@@ -5035,6 +6603,7 @@
                 <a:endParaRPr lang="en-US" altLang="ko-KR" dirty="0"/>
               </a:p>
               <a:p>
+                <a:pPr/>
                 <a14:m>
                   <m:oMathPara xmlns:m="http://schemas.openxmlformats.org/officeDocument/2006/math">
                     <m:oMathParaPr>
@@ -5337,7 +6906,7 @@
             </p:txBody>
           </p:sp>
         </mc:Choice>
-        <mc:Fallback>
+        <mc:Fallback xmlns="">
           <p:sp>
             <p:nvSpPr>
               <p:cNvPr id="11" name="TextBox 10">
@@ -6357,6 +7926,199 @@
           </a:p>
         </p:txBody>
       </p:sp>
+      <p:sp>
+        <p:nvSpPr>
+          <p:cNvPr id="3" name="TextBox 2">
+            <a:extLst>
+              <a:ext uri="{FF2B5EF4-FFF2-40B4-BE49-F238E27FC236}">
+                <a16:creationId xmlns:a16="http://schemas.microsoft.com/office/drawing/2014/main" id="{091019BC-A899-0366-F728-21AC7C22DF7A}"/>
+              </a:ext>
+            </a:extLst>
+          </p:cNvPr>
+          <p:cNvSpPr txBox="1"/>
+          <p:nvPr/>
+        </p:nvSpPr>
+        <p:spPr>
+          <a:xfrm>
+            <a:off x="1225826" y="1941443"/>
+            <a:ext cx="8070574" cy="3970318"/>
+          </a:xfrm>
+          <a:prstGeom prst="rect">
+            <a:avLst/>
+          </a:prstGeom>
+          <a:noFill/>
+        </p:spPr>
+        <p:txBody>
+          <a:bodyPr wrap="square" rtlCol="0">
+            <a:spAutoFit/>
+          </a:bodyPr>
+          <a:lstStyle/>
+          <a:p>
+            <a:r>
+              <a:rPr lang="en-US" altLang="ko-KR" dirty="0"/>
+              <a:t>0 &lt; P(T | X) &lt; 1, </a:t>
+            </a:r>
+          </a:p>
+          <a:p>
+            <a:endParaRPr lang="en-US" altLang="ko-KR" dirty="0"/>
+          </a:p>
+          <a:p>
+            <a:r>
+              <a:rPr lang="ko-KR" altLang="en-US" dirty="0"/>
+              <a:t>의미 </a:t>
+            </a:r>
+            <a:r>
+              <a:rPr lang="en-US" altLang="ko-KR" dirty="0"/>
+              <a:t>: </a:t>
+            </a:r>
+            <a:r>
+              <a:rPr lang="ko-KR" altLang="en-US" dirty="0"/>
+              <a:t>관측가능한 모든 </a:t>
+            </a:r>
+            <a:r>
+              <a:rPr lang="en-US" altLang="ko-KR" dirty="0"/>
+              <a:t>X </a:t>
+            </a:r>
+            <a:r>
+              <a:rPr lang="ko-KR" altLang="en-US" dirty="0"/>
+              <a:t>조합에서 모든 </a:t>
+            </a:r>
+            <a:r>
+              <a:rPr lang="en-US" altLang="ko-KR" dirty="0"/>
+              <a:t>T</a:t>
+            </a:r>
+            <a:r>
+              <a:rPr lang="ko-KR" altLang="en-US" dirty="0"/>
+              <a:t>의 종류가 나타날 확률이</a:t>
+            </a:r>
+            <a:r>
+              <a:rPr lang="en-US" altLang="ko-KR" dirty="0"/>
+              <a:t> 0</a:t>
+            </a:r>
+            <a:r>
+              <a:rPr lang="ko-KR" altLang="en-US" dirty="0"/>
+              <a:t>보다 </a:t>
+            </a:r>
+            <a:r>
+              <a:rPr lang="ko-KR" altLang="en-US" dirty="0" err="1"/>
+              <a:t>커야한다</a:t>
+            </a:r>
+            <a:r>
+              <a:rPr lang="en-US" altLang="ko-KR" dirty="0"/>
+              <a:t>.</a:t>
+            </a:r>
+          </a:p>
+          <a:p>
+            <a:endParaRPr lang="en-US" altLang="ko-KR" dirty="0"/>
+          </a:p>
+          <a:p>
+            <a:r>
+              <a:rPr lang="en-US" altLang="ko-KR" dirty="0"/>
+              <a:t>Ex) X = x  </a:t>
+            </a:r>
+            <a:r>
+              <a:rPr lang="ko-KR" altLang="en-US" dirty="0"/>
+              <a:t>라고 할 때</a:t>
+            </a:r>
+            <a:r>
+              <a:rPr lang="en-US" altLang="ko-KR" dirty="0"/>
+              <a:t>, T=1, T=0</a:t>
+            </a:r>
+            <a:r>
+              <a:rPr lang="ko-KR" altLang="en-US" dirty="0"/>
+              <a:t>이 발생할 확률이 모두 </a:t>
+            </a:r>
+            <a:r>
+              <a:rPr lang="en-US" altLang="ko-KR" dirty="0"/>
+              <a:t>0</a:t>
+            </a:r>
+            <a:r>
+              <a:rPr lang="ko-KR" altLang="en-US" dirty="0"/>
+              <a:t>보다 커야</a:t>
+            </a:r>
+            <a:r>
+              <a:rPr lang="en-US" altLang="ko-KR" dirty="0"/>
+              <a:t> X = x </a:t>
+            </a:r>
+            <a:r>
+              <a:rPr lang="ko-KR" altLang="en-US" dirty="0" err="1"/>
+              <a:t>일때</a:t>
+            </a:r>
+            <a:r>
+              <a:rPr lang="ko-KR" altLang="en-US" dirty="0"/>
+              <a:t> </a:t>
+            </a:r>
+            <a:r>
+              <a:rPr lang="en-US" altLang="ko-KR" dirty="0"/>
+              <a:t>T</a:t>
+            </a:r>
+            <a:r>
+              <a:rPr lang="ko-KR" altLang="en-US" dirty="0"/>
+              <a:t>의 효과를 식별할 수 있다</a:t>
+            </a:r>
+            <a:r>
+              <a:rPr lang="en-US" altLang="ko-KR" dirty="0"/>
+              <a:t>. </a:t>
+            </a:r>
+            <a:r>
+              <a:rPr lang="ko-KR" altLang="en-US" dirty="0"/>
+              <a:t> </a:t>
+            </a:r>
+            <a:endParaRPr lang="en-US" altLang="ko-KR" dirty="0"/>
+          </a:p>
+          <a:p>
+            <a:endParaRPr lang="en-US" altLang="ko-KR" dirty="0"/>
+          </a:p>
+          <a:p>
+            <a:endParaRPr lang="en-US" altLang="ko-KR" dirty="0"/>
+          </a:p>
+          <a:p>
+            <a:endParaRPr lang="en-US" altLang="ko-KR" dirty="0"/>
+          </a:p>
+          <a:p>
+            <a:endParaRPr lang="en-US" altLang="ko-KR" dirty="0"/>
+          </a:p>
+          <a:p>
+            <a:r>
+              <a:rPr lang="en-US" altLang="ko-KR" dirty="0"/>
+              <a:t>&lt;</a:t>
+            </a:r>
+            <a:r>
+              <a:rPr lang="ko-KR" altLang="en-US" dirty="0"/>
+              <a:t>동의어</a:t>
+            </a:r>
+            <a:r>
+              <a:rPr lang="en-US" altLang="ko-KR" dirty="0"/>
+              <a:t>&gt;</a:t>
+            </a:r>
+          </a:p>
+          <a:p>
+            <a:r>
+              <a:rPr lang="en-US" altLang="ko-KR" dirty="0"/>
+              <a:t>Positivity = Overlap =</a:t>
+            </a:r>
+            <a:r>
+              <a:rPr lang="ko-KR" altLang="en-US" dirty="0"/>
+              <a:t> </a:t>
+            </a:r>
+            <a:r>
+              <a:rPr lang="en-US" altLang="ko-KR" dirty="0"/>
+              <a:t>common</a:t>
+            </a:r>
+            <a:r>
+              <a:rPr lang="ko-KR" altLang="en-US" dirty="0"/>
+              <a:t> </a:t>
+            </a:r>
+            <a:r>
+              <a:rPr lang="en-US" altLang="ko-KR" dirty="0"/>
+              <a:t>support</a:t>
+            </a:r>
+          </a:p>
+          <a:p>
+            <a:endParaRPr lang="ko-KR" altLang="en-US" dirty="0"/>
+          </a:p>
+        </p:txBody>
+      </p:sp>
     </p:spTree>
     <p:extLst>
       <p:ext uri="{BB962C8B-B14F-4D97-AF65-F5344CB8AC3E}">
@@ -6421,6 +8183,496 @@
           </a:p>
         </p:txBody>
       </p:sp>
+      <mc:AlternateContent xmlns:mc="http://schemas.openxmlformats.org/markup-compatibility/2006">
+        <mc:Choice xmlns:a14="http://schemas.microsoft.com/office/drawing/2010/main" Requires="a14">
+          <p:sp>
+            <p:nvSpPr>
+              <p:cNvPr id="3" name="TextBox 2">
+                <a:extLst>
+                  <a:ext uri="{FF2B5EF4-FFF2-40B4-BE49-F238E27FC236}">
+                    <a16:creationId xmlns:a16="http://schemas.microsoft.com/office/drawing/2014/main" id="{C09A3496-4F8C-00CF-7D7A-40AD38C8E738}"/>
+                  </a:ext>
+                </a:extLst>
+              </p:cNvPr>
+              <p:cNvSpPr txBox="1"/>
+              <p:nvPr/>
+            </p:nvSpPr>
+            <p:spPr>
+              <a:xfrm>
+                <a:off x="1245704" y="2093843"/>
+                <a:ext cx="7838661" cy="3416320"/>
+              </a:xfrm>
+              <a:prstGeom prst="rect">
+                <a:avLst/>
+              </a:prstGeom>
+              <a:noFill/>
+            </p:spPr>
+            <p:txBody>
+              <a:bodyPr wrap="square" rtlCol="0">
+                <a:spAutoFit/>
+              </a:bodyPr>
+              <a:lstStyle/>
+              <a:p>
+                <a:r>
+                  <a:rPr lang="en-US" altLang="ko-KR" dirty="0"/>
+                  <a:t>(</a:t>
+                </a:r>
+                <a14:m>
+                  <m:oMath xmlns:m="http://schemas.openxmlformats.org/officeDocument/2006/math">
+                    <m:sSub>
+                      <m:sSubPr>
+                        <m:ctrlPr>
+                          <a:rPr lang="en-US" altLang="ko-KR" b="0" i="1" smtClean="0">
+                            <a:latin typeface="Cambria Math" panose="02040503050406030204" pitchFamily="18" charset="0"/>
+                          </a:rPr>
+                        </m:ctrlPr>
+                      </m:sSubPr>
+                      <m:e>
+                        <m:r>
+                          <a:rPr lang="en-US" altLang="ko-KR" b="0" i="1" smtClean="0">
+                            <a:latin typeface="Cambria Math" panose="02040503050406030204" pitchFamily="18" charset="0"/>
+                          </a:rPr>
+                          <m:t>𝑌</m:t>
+                        </m:r>
+                      </m:e>
+                      <m:sub>
+                        <m:r>
+                          <a:rPr lang="en-US" altLang="ko-KR" b="0" i="1" smtClean="0">
+                            <a:latin typeface="Cambria Math" panose="02040503050406030204" pitchFamily="18" charset="0"/>
+                          </a:rPr>
+                          <m:t>0</m:t>
+                        </m:r>
+                      </m:sub>
+                    </m:sSub>
+                    <m:r>
+                      <a:rPr lang="en-US" altLang="ko-KR" b="0" i="1" smtClean="0">
+                        <a:latin typeface="Cambria Math" panose="02040503050406030204" pitchFamily="18" charset="0"/>
+                      </a:rPr>
+                      <m:t>, </m:t>
+                    </m:r>
+                    <m:sSub>
+                      <m:sSubPr>
+                        <m:ctrlPr>
+                          <a:rPr lang="en-US" altLang="ko-KR" b="0" i="1" smtClean="0">
+                            <a:latin typeface="Cambria Math" panose="02040503050406030204" pitchFamily="18" charset="0"/>
+                          </a:rPr>
+                        </m:ctrlPr>
+                      </m:sSubPr>
+                      <m:e>
+                        <m:r>
+                          <a:rPr lang="en-US" altLang="ko-KR" b="0" i="1" smtClean="0">
+                            <a:latin typeface="Cambria Math" panose="02040503050406030204" pitchFamily="18" charset="0"/>
+                          </a:rPr>
+                          <m:t>𝑌</m:t>
+                        </m:r>
+                      </m:e>
+                      <m:sub>
+                        <m:r>
+                          <a:rPr lang="en-US" altLang="ko-KR" b="0" i="1" smtClean="0">
+                            <a:latin typeface="Cambria Math" panose="02040503050406030204" pitchFamily="18" charset="0"/>
+                          </a:rPr>
+                          <m:t>1</m:t>
+                        </m:r>
+                      </m:sub>
+                    </m:sSub>
+                    <m:r>
+                      <a:rPr lang="en-US" altLang="ko-KR" b="0" i="1" smtClean="0">
+                        <a:latin typeface="Cambria Math" panose="02040503050406030204" pitchFamily="18" charset="0"/>
+                      </a:rPr>
+                      <m:t>) ⊥  </m:t>
+                    </m:r>
+                    <m:r>
+                      <a:rPr lang="en-US" altLang="ko-KR" b="0" i="1" smtClean="0">
+                        <a:latin typeface="Cambria Math" panose="02040503050406030204" pitchFamily="18" charset="0"/>
+                      </a:rPr>
+                      <m:t>𝑇</m:t>
+                    </m:r>
+                    <m:r>
+                      <a:rPr lang="en-US" altLang="ko-KR" b="0" i="1" smtClean="0">
+                        <a:latin typeface="Cambria Math" panose="02040503050406030204" pitchFamily="18" charset="0"/>
+                      </a:rPr>
+                      <m:t> | </m:t>
+                    </m:r>
+                    <m:r>
+                      <a:rPr lang="en-US" altLang="ko-KR" b="0" i="1" smtClean="0">
+                        <a:latin typeface="Cambria Math" panose="02040503050406030204" pitchFamily="18" charset="0"/>
+                      </a:rPr>
+                      <m:t>𝑋</m:t>
+                    </m:r>
+                  </m:oMath>
+                </a14:m>
+                <a:endParaRPr lang="en-US" altLang="ko-KR" b="0" dirty="0"/>
+              </a:p>
+              <a:p>
+                <a:endParaRPr lang="en-US" altLang="ko-KR" dirty="0"/>
+              </a:p>
+              <a:p>
+                <a:r>
+                  <a:rPr lang="ko-KR" altLang="en-US" dirty="0"/>
+                  <a:t>위와 같은 조건부 독립성 가정 </a:t>
+                </a:r>
+                <a:r>
+                  <a:rPr lang="en-US" altLang="ko-KR" dirty="0"/>
+                  <a:t>(Conditional Independence Assumption)</a:t>
+                </a:r>
+              </a:p>
+              <a:p>
+                <a:r>
+                  <a:rPr lang="ko-KR" altLang="en-US" dirty="0"/>
+                  <a:t>을 </a:t>
+                </a:r>
+                <a:r>
+                  <a:rPr lang="en-US" altLang="ko-KR" dirty="0" err="1"/>
+                  <a:t>Ignorability</a:t>
+                </a:r>
+                <a:r>
+                  <a:rPr lang="en-US" altLang="ko-KR" dirty="0"/>
+                  <a:t>(</a:t>
+                </a:r>
+                <a:r>
+                  <a:rPr lang="ko-KR" altLang="en-US" dirty="0"/>
+                  <a:t>무시가능성</a:t>
+                </a:r>
+                <a:r>
+                  <a:rPr lang="en-US" altLang="ko-KR" dirty="0"/>
+                  <a:t>), </a:t>
+                </a:r>
+                <a:r>
+                  <a:rPr lang="ko-KR" altLang="en-US" dirty="0"/>
+                  <a:t>또는 </a:t>
+                </a:r>
+                <a:r>
+                  <a:rPr lang="en-US" altLang="ko-KR" dirty="0"/>
+                  <a:t>exogeneity(</a:t>
+                </a:r>
+                <a:r>
+                  <a:rPr lang="ko-KR" altLang="en-US" dirty="0" err="1"/>
+                  <a:t>외생성</a:t>
+                </a:r>
+                <a:r>
+                  <a:rPr lang="en-US" altLang="ko-KR" dirty="0"/>
+                  <a:t>), </a:t>
+                </a:r>
+              </a:p>
+              <a:p>
+                <a:r>
+                  <a:rPr lang="en-US" altLang="ko-KR" dirty="0"/>
+                  <a:t>conditional exchangeability (</a:t>
+                </a:r>
+                <a:r>
+                  <a:rPr lang="ko-KR" altLang="en-US" dirty="0"/>
+                  <a:t>조건부 교환가능성</a:t>
+                </a:r>
+                <a:r>
+                  <a:rPr lang="en-US" altLang="ko-KR" dirty="0"/>
+                  <a:t>) </a:t>
+                </a:r>
+                <a:r>
+                  <a:rPr lang="ko-KR" altLang="en-US" dirty="0"/>
+                  <a:t>등으로 불린다</a:t>
+                </a:r>
+                <a:r>
+                  <a:rPr lang="en-US" altLang="ko-KR" dirty="0"/>
+                  <a:t>.</a:t>
+                </a:r>
+              </a:p>
+              <a:p>
+                <a:endParaRPr lang="en-US" altLang="ko-KR" dirty="0"/>
+              </a:p>
+              <a:p>
+                <a:r>
+                  <a:rPr lang="en-US" altLang="ko-KR" dirty="0"/>
+                  <a:t>i.e.,</a:t>
+                </a:r>
+              </a:p>
+              <a:p>
+                <a:endParaRPr lang="en-US" altLang="ko-KR" dirty="0"/>
+              </a:p>
+              <a:p>
+                <a14:m>
+                  <m:oMathPara xmlns:m="http://schemas.openxmlformats.org/officeDocument/2006/math">
+                    <m:oMathParaPr>
+                      <m:jc m:val="centerGroup"/>
+                    </m:oMathParaPr>
+                    <m:oMath xmlns:m="http://schemas.openxmlformats.org/officeDocument/2006/math">
+                      <m:r>
+                        <a:rPr lang="en-US" altLang="ko-KR" b="0" i="1" smtClean="0">
+                          <a:latin typeface="Cambria Math" panose="02040503050406030204" pitchFamily="18" charset="0"/>
+                        </a:rPr>
+                        <m:t>𝐸</m:t>
+                      </m:r>
+                      <m:d>
+                        <m:dPr>
+                          <m:begChr m:val="["/>
+                          <m:endChr m:val="|"/>
+                          <m:ctrlPr>
+                            <a:rPr lang="en-US" altLang="ko-KR" b="0" i="1" smtClean="0">
+                              <a:latin typeface="Cambria Math" panose="02040503050406030204" pitchFamily="18" charset="0"/>
+                            </a:rPr>
+                          </m:ctrlPr>
+                        </m:dPr>
+                        <m:e>
+                          <m:sSub>
+                            <m:sSubPr>
+                              <m:ctrlPr>
+                                <a:rPr lang="en-US" altLang="ko-KR" b="0" i="1" smtClean="0">
+                                  <a:latin typeface="Cambria Math" panose="02040503050406030204" pitchFamily="18" charset="0"/>
+                                </a:rPr>
+                              </m:ctrlPr>
+                            </m:sSubPr>
+                            <m:e>
+                              <m:r>
+                                <a:rPr lang="en-US" altLang="ko-KR" b="0" i="1" smtClean="0">
+                                  <a:latin typeface="Cambria Math" panose="02040503050406030204" pitchFamily="18" charset="0"/>
+                                </a:rPr>
+                                <m:t>𝑌</m:t>
+                              </m:r>
+                            </m:e>
+                            <m:sub>
+                              <m:r>
+                                <a:rPr lang="en-US" altLang="ko-KR" b="0" i="1" smtClean="0">
+                                  <a:latin typeface="Cambria Math" panose="02040503050406030204" pitchFamily="18" charset="0"/>
+                                </a:rPr>
+                                <m:t>0</m:t>
+                              </m:r>
+                            </m:sub>
+                          </m:sSub>
+                          <m:r>
+                            <a:rPr lang="en-US" altLang="ko-KR" b="0" i="1" smtClean="0">
+                              <a:latin typeface="Cambria Math" panose="02040503050406030204" pitchFamily="18" charset="0"/>
+                            </a:rPr>
+                            <m:t> </m:t>
+                          </m:r>
+                        </m:e>
+                      </m:d>
+                      <m:r>
+                        <a:rPr lang="en-US" altLang="ko-KR" b="0" i="1" smtClean="0">
+                          <a:latin typeface="Cambria Math" panose="02040503050406030204" pitchFamily="18" charset="0"/>
+                        </a:rPr>
+                        <m:t> </m:t>
+                      </m:r>
+                      <m:r>
+                        <a:rPr lang="en-US" altLang="ko-KR" b="0" i="1" smtClean="0">
+                          <a:latin typeface="Cambria Math" panose="02040503050406030204" pitchFamily="18" charset="0"/>
+                        </a:rPr>
+                        <m:t>𝑇</m:t>
+                      </m:r>
+                      <m:r>
+                        <a:rPr lang="en-US" altLang="ko-KR" b="0" i="1" smtClean="0">
+                          <a:latin typeface="Cambria Math" panose="02040503050406030204" pitchFamily="18" charset="0"/>
+                        </a:rPr>
+                        <m:t>=1, </m:t>
+                      </m:r>
+                      <m:r>
+                        <a:rPr lang="en-US" altLang="ko-KR" b="0" i="1" smtClean="0">
+                          <a:latin typeface="Cambria Math" panose="02040503050406030204" pitchFamily="18" charset="0"/>
+                        </a:rPr>
+                        <m:t>𝑋</m:t>
+                      </m:r>
+                      <m:r>
+                        <a:rPr lang="en-US" altLang="ko-KR" b="0" i="1" smtClean="0">
+                          <a:latin typeface="Cambria Math" panose="02040503050406030204" pitchFamily="18" charset="0"/>
+                        </a:rPr>
+                        <m:t>] =</m:t>
+                      </m:r>
+                      <m:r>
+                        <a:rPr lang="en-US" altLang="ko-KR" b="0" i="1" smtClean="0">
+                          <a:latin typeface="Cambria Math" panose="02040503050406030204" pitchFamily="18" charset="0"/>
+                        </a:rPr>
+                        <m:t>𝐸</m:t>
+                      </m:r>
+                      <m:d>
+                        <m:dPr>
+                          <m:begChr m:val="["/>
+                          <m:endChr m:val="|"/>
+                          <m:ctrlPr>
+                            <a:rPr lang="en-US" altLang="ko-KR" b="0" i="1" smtClean="0">
+                              <a:latin typeface="Cambria Math" panose="02040503050406030204" pitchFamily="18" charset="0"/>
+                            </a:rPr>
+                          </m:ctrlPr>
+                        </m:dPr>
+                        <m:e>
+                          <m:sSub>
+                            <m:sSubPr>
+                              <m:ctrlPr>
+                                <a:rPr lang="en-US" altLang="ko-KR" b="0" i="1" smtClean="0">
+                                  <a:latin typeface="Cambria Math" panose="02040503050406030204" pitchFamily="18" charset="0"/>
+                                </a:rPr>
+                              </m:ctrlPr>
+                            </m:sSubPr>
+                            <m:e>
+                              <m:r>
+                                <a:rPr lang="en-US" altLang="ko-KR" b="0" i="1" smtClean="0">
+                                  <a:latin typeface="Cambria Math" panose="02040503050406030204" pitchFamily="18" charset="0"/>
+                                </a:rPr>
+                                <m:t>𝑌</m:t>
+                              </m:r>
+                            </m:e>
+                            <m:sub>
+                              <m:r>
+                                <a:rPr lang="en-US" altLang="ko-KR" b="0" i="1" smtClean="0">
+                                  <a:latin typeface="Cambria Math" panose="02040503050406030204" pitchFamily="18" charset="0"/>
+                                </a:rPr>
+                                <m:t>0</m:t>
+                              </m:r>
+                            </m:sub>
+                          </m:sSub>
+                          <m:r>
+                            <a:rPr lang="en-US" altLang="ko-KR" b="0" i="1" smtClean="0">
+                              <a:latin typeface="Cambria Math" panose="02040503050406030204" pitchFamily="18" charset="0"/>
+                            </a:rPr>
+                            <m:t> </m:t>
+                          </m:r>
+                        </m:e>
+                      </m:d>
+                      <m:r>
+                        <a:rPr lang="en-US" altLang="ko-KR" b="0" i="1" smtClean="0">
+                          <a:latin typeface="Cambria Math" panose="02040503050406030204" pitchFamily="18" charset="0"/>
+                        </a:rPr>
+                        <m:t> </m:t>
+                      </m:r>
+                      <m:r>
+                        <a:rPr lang="en-US" altLang="ko-KR" b="0" i="1" smtClean="0">
+                          <a:latin typeface="Cambria Math" panose="02040503050406030204" pitchFamily="18" charset="0"/>
+                        </a:rPr>
+                        <m:t>𝑇</m:t>
+                      </m:r>
+                      <m:r>
+                        <a:rPr lang="en-US" altLang="ko-KR" b="0" i="1" smtClean="0">
+                          <a:latin typeface="Cambria Math" panose="02040503050406030204" pitchFamily="18" charset="0"/>
+                        </a:rPr>
+                        <m:t>=0, </m:t>
+                      </m:r>
+                      <m:r>
+                        <a:rPr lang="en-US" altLang="ko-KR" b="0" i="1" smtClean="0">
+                          <a:latin typeface="Cambria Math" panose="02040503050406030204" pitchFamily="18" charset="0"/>
+                        </a:rPr>
+                        <m:t>𝑋</m:t>
+                      </m:r>
+                      <m:r>
+                        <a:rPr lang="en-US" altLang="ko-KR" b="0" i="1" smtClean="0">
+                          <a:latin typeface="Cambria Math" panose="02040503050406030204" pitchFamily="18" charset="0"/>
+                        </a:rPr>
+                        <m:t>]</m:t>
+                      </m:r>
+                    </m:oMath>
+                  </m:oMathPara>
+                </a14:m>
+                <a:endParaRPr lang="en-US" altLang="ko-KR" b="0" dirty="0"/>
+              </a:p>
+              <a:p>
+                <a:endParaRPr lang="en-US" altLang="ko-KR" dirty="0"/>
+              </a:p>
+              <a:p>
+                <a:endParaRPr lang="en-US" altLang="ko-KR" dirty="0"/>
+              </a:p>
+              <a:p>
+                <a:r>
+                  <a:rPr lang="ko-KR" altLang="en-US" dirty="0"/>
+                  <a:t>같은 </a:t>
+                </a:r>
+                <a:r>
+                  <a:rPr lang="en-US" altLang="ko-KR" dirty="0"/>
+                  <a:t>X</a:t>
+                </a:r>
+                <a:r>
+                  <a:rPr lang="ko-KR" altLang="en-US" dirty="0"/>
+                  <a:t>를 갖는 그룹은 </a:t>
+                </a:r>
+                <a:r>
+                  <a:rPr lang="en-US" altLang="ko-KR" dirty="0"/>
+                  <a:t>T=1</a:t>
+                </a:r>
+                <a:r>
+                  <a:rPr lang="ko-KR" altLang="en-US" dirty="0"/>
+                  <a:t>이었든 </a:t>
+                </a:r>
+                <a:r>
+                  <a:rPr lang="en-US" altLang="ko-KR" dirty="0"/>
+                  <a:t>T=0</a:t>
+                </a:r>
+                <a:r>
+                  <a:rPr lang="ko-KR" altLang="en-US" dirty="0"/>
+                  <a:t>이었든</a:t>
+                </a:r>
+                <a:r>
+                  <a:rPr lang="en-US" altLang="ko-KR" dirty="0"/>
+                  <a:t>, </a:t>
+                </a:r>
+                <a:r>
+                  <a:rPr lang="ko-KR" altLang="en-US" dirty="0"/>
+                  <a:t>본질적</a:t>
+                </a:r>
+                <a:r>
+                  <a:rPr lang="en-US" altLang="ko-KR" dirty="0"/>
+                  <a:t>(</a:t>
+                </a:r>
+                <a:r>
+                  <a:rPr lang="ko-KR" altLang="en-US" dirty="0" err="1"/>
+                  <a:t>기댓값적</a:t>
+                </a:r>
+                <a:r>
+                  <a:rPr lang="en-US" altLang="ko-KR" dirty="0"/>
+                  <a:t>)</a:t>
+                </a:r>
+                <a:r>
+                  <a:rPr lang="ko-KR" altLang="en-US" dirty="0"/>
+                  <a:t>으로 같다</a:t>
+                </a:r>
+                <a:r>
+                  <a:rPr lang="en-US" altLang="ko-KR" dirty="0"/>
+                  <a:t>.</a:t>
+                </a:r>
+                <a:endParaRPr lang="ko-KR" altLang="en-US" dirty="0"/>
+              </a:p>
+            </p:txBody>
+          </p:sp>
+        </mc:Choice>
+        <mc:Fallback>
+          <p:sp>
+            <p:nvSpPr>
+              <p:cNvPr id="3" name="TextBox 2">
+                <a:extLst>
+                  <a:ext uri="{FF2B5EF4-FFF2-40B4-BE49-F238E27FC236}">
+                    <a16:creationId xmlns:a16="http://schemas.microsoft.com/office/drawing/2014/main" id="{C09A3496-4F8C-00CF-7D7A-40AD38C8E738}"/>
+                  </a:ext>
+                </a:extLst>
+              </p:cNvPr>
+              <p:cNvSpPr txBox="1">
+                <a:spLocks noRot="1" noChangeAspect="1" noMove="1" noResize="1" noEditPoints="1" noAdjustHandles="1" noChangeArrowheads="1" noChangeShapeType="1" noTextEdit="1"/>
+              </p:cNvSpPr>
+              <p:nvPr/>
+            </p:nvSpPr>
+            <p:spPr>
+              <a:xfrm>
+                <a:off x="1245704" y="2093843"/>
+                <a:ext cx="7838661" cy="3416320"/>
+              </a:xfrm>
+              <a:prstGeom prst="rect">
+                <a:avLst/>
+              </a:prstGeom>
+              <a:blipFill>
+                <a:blip r:embed="rId2"/>
+                <a:stretch>
+                  <a:fillRect l="-622" t="-891" b="-1783"/>
+                </a:stretch>
+              </a:blipFill>
+            </p:spPr>
+            <p:txBody>
+              <a:bodyPr/>
+              <a:lstStyle/>
+              <a:p>
+                <a:r>
+                  <a:rPr lang="ko-KR" altLang="en-US">
+                    <a:noFill/>
+                  </a:rPr>
+                  <a:t> </a:t>
+                </a:r>
+              </a:p>
+            </p:txBody>
+          </p:sp>
+        </mc:Fallback>
+      </mc:AlternateContent>
     </p:spTree>
     <p:extLst>
       <p:ext uri="{BB962C8B-B14F-4D97-AF65-F5344CB8AC3E}">
@@ -6485,6 +8737,424 @@
           </a:p>
         </p:txBody>
       </p:sp>
+      <p:sp>
+        <p:nvSpPr>
+          <p:cNvPr id="3" name="TextBox 2">
+            <a:extLst>
+              <a:ext uri="{FF2B5EF4-FFF2-40B4-BE49-F238E27FC236}">
+                <a16:creationId xmlns:a16="http://schemas.microsoft.com/office/drawing/2014/main" id="{3B0E4A2B-9F41-CCEC-D3E4-A97E9BABED27}"/>
+              </a:ext>
+            </a:extLst>
+          </p:cNvPr>
+          <p:cNvSpPr txBox="1"/>
+          <p:nvPr/>
+        </p:nvSpPr>
+        <p:spPr>
+          <a:xfrm>
+            <a:off x="838200" y="1789043"/>
+            <a:ext cx="9790043" cy="1477328"/>
+          </a:xfrm>
+          <a:prstGeom prst="rect">
+            <a:avLst/>
+          </a:prstGeom>
+          <a:noFill/>
+        </p:spPr>
+        <p:txBody>
+          <a:bodyPr wrap="square" rtlCol="0">
+            <a:spAutoFit/>
+          </a:bodyPr>
+          <a:lstStyle/>
+          <a:p>
+            <a:r>
+              <a:rPr lang="ko-KR" altLang="en-US" dirty="0"/>
+              <a:t>뒷문 경로를 차단하면 인과 관계를 식별할 수 있게 됨</a:t>
+            </a:r>
+            <a:r>
+              <a:rPr lang="en-US" altLang="ko-KR" dirty="0"/>
+              <a:t>.</a:t>
+            </a:r>
+          </a:p>
+          <a:p>
+            <a:endParaRPr lang="en-US" altLang="ko-KR" dirty="0"/>
+          </a:p>
+          <a:p>
+            <a:r>
+              <a:rPr lang="ko-KR" altLang="en-US" dirty="0"/>
+              <a:t>이를 차단하는 방법은 교란요인을 보정</a:t>
+            </a:r>
+            <a:r>
+              <a:rPr lang="en-US" altLang="ko-KR" dirty="0"/>
+              <a:t>(</a:t>
+            </a:r>
+            <a:r>
+              <a:rPr lang="ko-KR" altLang="en-US" dirty="0"/>
+              <a:t>통제</a:t>
+            </a:r>
+            <a:r>
+              <a:rPr lang="en-US" altLang="ko-KR" dirty="0"/>
+              <a:t>)</a:t>
+            </a:r>
+            <a:r>
+              <a:rPr lang="ko-KR" altLang="en-US" dirty="0"/>
+              <a:t>하는 것으로</a:t>
+            </a:r>
+            <a:r>
+              <a:rPr lang="en-US" altLang="ko-KR" dirty="0"/>
+              <a:t>, </a:t>
+            </a:r>
+          </a:p>
+          <a:p>
+            <a:endParaRPr lang="en-US" altLang="ko-KR" dirty="0"/>
+          </a:p>
+          <a:p>
+            <a:r>
+              <a:rPr lang="ko-KR" altLang="en-US" dirty="0"/>
+              <a:t>이러한 방식으로 뒷문 경로를 차단하는 과정을 뒷문 보정</a:t>
+            </a:r>
+            <a:r>
+              <a:rPr lang="en-US" altLang="ko-KR" dirty="0"/>
+              <a:t>(Backdoor Adjustment)</a:t>
+            </a:r>
+            <a:r>
+              <a:rPr lang="ko-KR" altLang="en-US" dirty="0"/>
+              <a:t>라고 함</a:t>
+            </a:r>
+            <a:r>
+              <a:rPr lang="en-US" altLang="ko-KR" dirty="0"/>
+              <a:t>.</a:t>
+            </a:r>
+            <a:endParaRPr lang="ko-KR" altLang="en-US" dirty="0"/>
+          </a:p>
+        </p:txBody>
+      </p:sp>
+      <p:sp>
+        <p:nvSpPr>
+          <p:cNvPr id="4" name="TextBox 3">
+            <a:extLst>
+              <a:ext uri="{FF2B5EF4-FFF2-40B4-BE49-F238E27FC236}">
+                <a16:creationId xmlns:a16="http://schemas.microsoft.com/office/drawing/2014/main" id="{88DED589-0F89-749C-33B4-9FBE602A7CB3}"/>
+              </a:ext>
+            </a:extLst>
+          </p:cNvPr>
+          <p:cNvSpPr txBox="1"/>
+          <p:nvPr/>
+        </p:nvSpPr>
+        <p:spPr>
+          <a:xfrm>
+            <a:off x="407232" y="3429000"/>
+            <a:ext cx="861935" cy="369332"/>
+          </a:xfrm>
+          <a:prstGeom prst="rect">
+            <a:avLst/>
+          </a:prstGeom>
+          <a:noFill/>
+        </p:spPr>
+        <p:txBody>
+          <a:bodyPr wrap="square" rtlCol="0">
+            <a:spAutoFit/>
+          </a:bodyPr>
+          <a:lstStyle/>
+          <a:p>
+            <a:r>
+              <a:rPr lang="ko-KR" altLang="en-US" dirty="0"/>
+              <a:t>예시</a:t>
+            </a:r>
+          </a:p>
+        </p:txBody>
+      </p:sp>
+      <p:pic>
+        <p:nvPicPr>
+          <p:cNvPr id="5" name="그림 4">
+            <a:extLst>
+              <a:ext uri="{FF2B5EF4-FFF2-40B4-BE49-F238E27FC236}">
+                <a16:creationId xmlns:a16="http://schemas.microsoft.com/office/drawing/2014/main" id="{8C5EC492-6AB6-71B6-54BE-0CB1B5EE7C0D}"/>
+              </a:ext>
+            </a:extLst>
+          </p:cNvPr>
+          <p:cNvPicPr>
+            <a:picLocks noChangeAspect="1"/>
+          </p:cNvPicPr>
+          <p:nvPr/>
+        </p:nvPicPr>
+        <p:blipFill>
+          <a:blip r:embed="rId2"/>
+          <a:stretch>
+            <a:fillRect/>
+          </a:stretch>
+        </p:blipFill>
+        <p:spPr>
+          <a:xfrm>
+            <a:off x="1140515" y="3429000"/>
+            <a:ext cx="5378726" cy="3105310"/>
+          </a:xfrm>
+          <a:prstGeom prst="rect">
+            <a:avLst/>
+          </a:prstGeom>
+        </p:spPr>
+      </p:pic>
+      <p:sp>
+        <p:nvSpPr>
+          <p:cNvPr id="6" name="TextBox 5">
+            <a:extLst>
+              <a:ext uri="{FF2B5EF4-FFF2-40B4-BE49-F238E27FC236}">
+                <a16:creationId xmlns:a16="http://schemas.microsoft.com/office/drawing/2014/main" id="{AD1B1592-99DC-4933-D531-3087505F37BC}"/>
+              </a:ext>
+            </a:extLst>
+          </p:cNvPr>
+          <p:cNvSpPr txBox="1"/>
+          <p:nvPr/>
+        </p:nvSpPr>
+        <p:spPr>
+          <a:xfrm>
+            <a:off x="3929269" y="4703657"/>
+            <a:ext cx="583096" cy="369332"/>
+          </a:xfrm>
+          <a:prstGeom prst="rect">
+            <a:avLst/>
+          </a:prstGeom>
+          <a:noFill/>
+        </p:spPr>
+        <p:txBody>
+          <a:bodyPr wrap="square" rtlCol="0">
+            <a:spAutoFit/>
+          </a:bodyPr>
+          <a:lstStyle/>
+          <a:p>
+            <a:r>
+              <a:rPr lang="en-US" altLang="ko-KR" dirty="0">
+                <a:solidFill>
+                  <a:schemeClr val="accent1"/>
+                </a:solidFill>
+              </a:rPr>
+              <a:t>T</a:t>
+            </a:r>
+            <a:endParaRPr lang="ko-KR" altLang="en-US" dirty="0">
+              <a:solidFill>
+                <a:schemeClr val="accent1"/>
+              </a:solidFill>
+            </a:endParaRPr>
+          </a:p>
+        </p:txBody>
+      </p:sp>
+      <p:sp>
+        <p:nvSpPr>
+          <p:cNvPr id="7" name="TextBox 6">
+            <a:extLst>
+              <a:ext uri="{FF2B5EF4-FFF2-40B4-BE49-F238E27FC236}">
+                <a16:creationId xmlns:a16="http://schemas.microsoft.com/office/drawing/2014/main" id="{9CCF0F4D-BD76-B6A2-CFCE-D8A2E894F2D1}"/>
+              </a:ext>
+            </a:extLst>
+          </p:cNvPr>
+          <p:cNvSpPr txBox="1"/>
+          <p:nvPr/>
+        </p:nvSpPr>
+        <p:spPr>
+          <a:xfrm>
+            <a:off x="5766351" y="4695869"/>
+            <a:ext cx="583096" cy="369332"/>
+          </a:xfrm>
+          <a:prstGeom prst="rect">
+            <a:avLst/>
+          </a:prstGeom>
+          <a:noFill/>
+        </p:spPr>
+        <p:txBody>
+          <a:bodyPr wrap="square" rtlCol="0">
+            <a:spAutoFit/>
+          </a:bodyPr>
+          <a:lstStyle/>
+          <a:p>
+            <a:r>
+              <a:rPr lang="en-US" altLang="ko-KR" dirty="0">
+                <a:solidFill>
+                  <a:schemeClr val="accent1"/>
+                </a:solidFill>
+              </a:rPr>
+              <a:t>Y</a:t>
+            </a:r>
+            <a:endParaRPr lang="ko-KR" altLang="en-US" dirty="0">
+              <a:solidFill>
+                <a:schemeClr val="accent1"/>
+              </a:solidFill>
+            </a:endParaRPr>
+          </a:p>
+        </p:txBody>
+      </p:sp>
+      <p:sp>
+        <p:nvSpPr>
+          <p:cNvPr id="8" name="TextBox 7">
+            <a:extLst>
+              <a:ext uri="{FF2B5EF4-FFF2-40B4-BE49-F238E27FC236}">
+                <a16:creationId xmlns:a16="http://schemas.microsoft.com/office/drawing/2014/main" id="{3F4819DE-58FF-7241-57D2-CEA5D4DBE812}"/>
+              </a:ext>
+            </a:extLst>
+          </p:cNvPr>
+          <p:cNvSpPr txBox="1"/>
+          <p:nvPr/>
+        </p:nvSpPr>
+        <p:spPr>
+          <a:xfrm>
+            <a:off x="2027582" y="5863222"/>
+            <a:ext cx="583096" cy="369332"/>
+          </a:xfrm>
+          <a:prstGeom prst="rect">
+            <a:avLst/>
+          </a:prstGeom>
+          <a:noFill/>
+        </p:spPr>
+        <p:txBody>
+          <a:bodyPr wrap="square" rtlCol="0">
+            <a:spAutoFit/>
+          </a:bodyPr>
+          <a:lstStyle/>
+          <a:p>
+            <a:r>
+              <a:rPr lang="en-US" altLang="ko-KR" dirty="0">
+                <a:solidFill>
+                  <a:schemeClr val="accent1"/>
+                </a:solidFill>
+              </a:rPr>
+              <a:t>X</a:t>
+            </a:r>
+            <a:endParaRPr lang="ko-KR" altLang="en-US" dirty="0">
+              <a:solidFill>
+                <a:schemeClr val="accent1"/>
+              </a:solidFill>
+            </a:endParaRPr>
+          </a:p>
+        </p:txBody>
+      </p:sp>
+      <p:sp>
+        <p:nvSpPr>
+          <p:cNvPr id="9" name="TextBox 8">
+            <a:extLst>
+              <a:ext uri="{FF2B5EF4-FFF2-40B4-BE49-F238E27FC236}">
+                <a16:creationId xmlns:a16="http://schemas.microsoft.com/office/drawing/2014/main" id="{CA2EC438-117B-BF6F-ADD7-E77AFAB1BE1F}"/>
+              </a:ext>
+            </a:extLst>
+          </p:cNvPr>
+          <p:cNvSpPr txBox="1"/>
+          <p:nvPr/>
+        </p:nvSpPr>
+        <p:spPr>
+          <a:xfrm>
+            <a:off x="6911009" y="4022035"/>
+            <a:ext cx="4870174" cy="1477328"/>
+          </a:xfrm>
+          <a:prstGeom prst="rect">
+            <a:avLst/>
+          </a:prstGeom>
+          <a:noFill/>
+        </p:spPr>
+        <p:txBody>
+          <a:bodyPr wrap="square" rtlCol="0">
+            <a:spAutoFit/>
+          </a:bodyPr>
+          <a:lstStyle/>
+          <a:p>
+            <a:r>
+              <a:rPr lang="ko-KR" altLang="en-US" dirty="0"/>
+              <a:t>왼쪽 </a:t>
+            </a:r>
+            <a:r>
+              <a:rPr lang="en-US" altLang="ko-KR" dirty="0"/>
+              <a:t>DAG</a:t>
+            </a:r>
+            <a:r>
+              <a:rPr lang="ko-KR" altLang="en-US" dirty="0"/>
+              <a:t>이 </a:t>
+            </a:r>
+            <a:r>
+              <a:rPr lang="ko-KR" altLang="en-US" dirty="0" err="1"/>
+              <a:t>맞다면</a:t>
+            </a:r>
+            <a:r>
+              <a:rPr lang="en-US" altLang="ko-KR" dirty="0"/>
+              <a:t>, </a:t>
+            </a:r>
+            <a:r>
+              <a:rPr lang="ko-KR" altLang="en-US" dirty="0"/>
+              <a:t>이전 </a:t>
+            </a:r>
+            <a:r>
+              <a:rPr lang="en-US" altLang="ko-KR" dirty="0"/>
+              <a:t>6</a:t>
+            </a:r>
+            <a:r>
+              <a:rPr lang="ko-KR" altLang="en-US" dirty="0"/>
+              <a:t>개월 수익</a:t>
+            </a:r>
+            <a:r>
+              <a:rPr lang="en-US" altLang="ko-KR" dirty="0"/>
+              <a:t>(X)</a:t>
+            </a:r>
+            <a:r>
+              <a:rPr lang="ko-KR" altLang="en-US" dirty="0"/>
+              <a:t>을</a:t>
+            </a:r>
+            <a:endParaRPr lang="en-US" altLang="ko-KR" dirty="0"/>
+          </a:p>
+          <a:p>
+            <a:r>
+              <a:rPr lang="ko-KR" altLang="en-US" dirty="0"/>
+              <a:t>통제하면 컨설팅</a:t>
+            </a:r>
+            <a:r>
+              <a:rPr lang="en-US" altLang="ko-KR" dirty="0"/>
+              <a:t>(X)</a:t>
+            </a:r>
+            <a:r>
+              <a:rPr lang="ko-KR" altLang="en-US" dirty="0"/>
+              <a:t>이 이후 </a:t>
+            </a:r>
+            <a:r>
+              <a:rPr lang="en-US" altLang="ko-KR" dirty="0"/>
+              <a:t>6</a:t>
+            </a:r>
+            <a:r>
+              <a:rPr lang="ko-KR" altLang="en-US" dirty="0"/>
+              <a:t>개월 수익</a:t>
+            </a:r>
+            <a:r>
+              <a:rPr lang="en-US" altLang="ko-KR" dirty="0"/>
+              <a:t>(Y)</a:t>
+            </a:r>
+            <a:r>
+              <a:rPr lang="ko-KR" altLang="en-US" dirty="0"/>
+              <a:t>에</a:t>
+            </a:r>
+            <a:endParaRPr lang="en-US" altLang="ko-KR" dirty="0"/>
+          </a:p>
+          <a:p>
+            <a:r>
+              <a:rPr lang="ko-KR" altLang="en-US" dirty="0"/>
+              <a:t>미치는 인과적 효과를 식별할 수 있게 됨</a:t>
+            </a:r>
+            <a:r>
+              <a:rPr lang="en-US" altLang="ko-KR" dirty="0"/>
+              <a:t>.</a:t>
+            </a:r>
+          </a:p>
+          <a:p>
+            <a:endParaRPr lang="en-US" altLang="ko-KR" dirty="0"/>
+          </a:p>
+          <a:p>
+            <a:r>
+              <a:rPr lang="en-US" altLang="ko-KR" dirty="0"/>
+              <a:t>(</a:t>
+            </a:r>
+            <a:r>
+              <a:rPr lang="ko-KR" altLang="en-US" dirty="0"/>
+              <a:t>수식적 증명</a:t>
+            </a:r>
+            <a:r>
+              <a:rPr lang="en-US" altLang="ko-KR" dirty="0"/>
+              <a:t>)</a:t>
+            </a:r>
+            <a:endParaRPr lang="ko-KR" altLang="en-US" dirty="0"/>
+          </a:p>
+        </p:txBody>
+      </p:sp>
     </p:spTree>
     <p:extLst>
       <p:ext uri="{BB962C8B-B14F-4D97-AF65-F5344CB8AC3E}">
@@ -6549,6 +9219,433 @@
           </a:p>
         </p:txBody>
       </p:sp>
+      <p:pic>
+        <p:nvPicPr>
+          <p:cNvPr id="4" name="그림 3">
+            <a:extLst>
+              <a:ext uri="{FF2B5EF4-FFF2-40B4-BE49-F238E27FC236}">
+                <a16:creationId xmlns:a16="http://schemas.microsoft.com/office/drawing/2014/main" id="{46E21F42-2C10-FD81-624B-15DFC8FE910C}"/>
+              </a:ext>
+            </a:extLst>
+          </p:cNvPr>
+          <p:cNvPicPr>
+            <a:picLocks noChangeAspect="1"/>
+          </p:cNvPicPr>
+          <p:nvPr/>
+        </p:nvPicPr>
+        <p:blipFill>
+          <a:blip r:embed="rId2"/>
+          <a:stretch>
+            <a:fillRect/>
+          </a:stretch>
+        </p:blipFill>
+        <p:spPr>
+          <a:xfrm>
+            <a:off x="1758126" y="2278671"/>
+            <a:ext cx="3816546" cy="1816193"/>
+          </a:xfrm>
+          <a:prstGeom prst="rect">
+            <a:avLst/>
+          </a:prstGeom>
+        </p:spPr>
+      </p:pic>
+      <p:cxnSp>
+        <p:nvCxnSpPr>
+          <p:cNvPr id="6" name="직선 화살표 연결선 5">
+            <a:extLst>
+              <a:ext uri="{FF2B5EF4-FFF2-40B4-BE49-F238E27FC236}">
+                <a16:creationId xmlns:a16="http://schemas.microsoft.com/office/drawing/2014/main" id="{3130BF4F-AE35-5C67-6656-2D716E176F44}"/>
+              </a:ext>
+            </a:extLst>
+          </p:cNvPr>
+          <p:cNvCxnSpPr/>
+          <p:nvPr/>
+        </p:nvCxnSpPr>
+        <p:spPr>
+          <a:xfrm>
+            <a:off x="5890591" y="2928730"/>
+            <a:ext cx="1106557" cy="0"/>
+          </a:xfrm>
+          <a:prstGeom prst="straightConnector1">
+            <a:avLst/>
+          </a:prstGeom>
+          <a:ln>
+            <a:headEnd type="triangle"/>
+            <a:tailEnd type="triangle"/>
+          </a:ln>
+        </p:spPr>
+        <p:style>
+          <a:lnRef idx="2">
+            <a:schemeClr val="accent1"/>
+          </a:lnRef>
+          <a:fillRef idx="0">
+            <a:schemeClr val="accent1"/>
+          </a:fillRef>
+          <a:effectRef idx="1">
+            <a:schemeClr val="accent1"/>
+          </a:effectRef>
+          <a:fontRef idx="minor">
+            <a:schemeClr val="tx1"/>
+          </a:fontRef>
+        </p:style>
+      </p:cxnSp>
+      <p:cxnSp>
+        <p:nvCxnSpPr>
+          <p:cNvPr id="8" name="직선 연결선 7">
+            <a:extLst>
+              <a:ext uri="{FF2B5EF4-FFF2-40B4-BE49-F238E27FC236}">
+                <a16:creationId xmlns:a16="http://schemas.microsoft.com/office/drawing/2014/main" id="{E03D2999-5BAB-36D1-9B03-94934B3EF6E0}"/>
+              </a:ext>
+            </a:extLst>
+          </p:cNvPr>
+          <p:cNvCxnSpPr/>
+          <p:nvPr/>
+        </p:nvCxnSpPr>
+        <p:spPr>
+          <a:xfrm>
+            <a:off x="7109791" y="1027906"/>
+            <a:ext cx="0" cy="4266337"/>
+          </a:xfrm>
+          <a:prstGeom prst="line">
+            <a:avLst/>
+          </a:prstGeom>
+        </p:spPr>
+        <p:style>
+          <a:lnRef idx="2">
+            <a:schemeClr val="accent1"/>
+          </a:lnRef>
+          <a:fillRef idx="0">
+            <a:schemeClr val="accent1"/>
+          </a:fillRef>
+          <a:effectRef idx="1">
+            <a:schemeClr val="accent1"/>
+          </a:effectRef>
+          <a:fontRef idx="minor">
+            <a:schemeClr val="tx1"/>
+          </a:fontRef>
+        </p:style>
+      </p:cxnSp>
+      <p:sp>
+        <p:nvSpPr>
+          <p:cNvPr id="9" name="TextBox 8">
+            <a:extLst>
+              <a:ext uri="{FF2B5EF4-FFF2-40B4-BE49-F238E27FC236}">
+                <a16:creationId xmlns:a16="http://schemas.microsoft.com/office/drawing/2014/main" id="{DFFE2F0C-1EAC-E8B0-364B-4300F20EE5F3}"/>
+              </a:ext>
+            </a:extLst>
+          </p:cNvPr>
+          <p:cNvSpPr txBox="1"/>
+          <p:nvPr/>
+        </p:nvSpPr>
+        <p:spPr>
+          <a:xfrm>
+            <a:off x="7494104" y="1159565"/>
+            <a:ext cx="3664226" cy="369332"/>
+          </a:xfrm>
+          <a:prstGeom prst="rect">
+            <a:avLst/>
+          </a:prstGeom>
+          <a:noFill/>
+        </p:spPr>
+        <p:txBody>
+          <a:bodyPr wrap="square" rtlCol="0">
+            <a:spAutoFit/>
+          </a:bodyPr>
+          <a:lstStyle/>
+          <a:p>
+            <a:r>
+              <a:rPr lang="ko-KR" altLang="en-US" dirty="0"/>
+              <a:t>참고 </a:t>
+            </a:r>
+            <a:r>
+              <a:rPr lang="en-US" altLang="ko-KR" dirty="0"/>
+              <a:t>: IV assumption </a:t>
+            </a:r>
+            <a:r>
+              <a:rPr lang="ko-KR" altLang="en-US" dirty="0"/>
+              <a:t>과 비교</a:t>
+            </a:r>
+          </a:p>
+        </p:txBody>
+      </p:sp>
+      <p:pic>
+        <p:nvPicPr>
+          <p:cNvPr id="11" name="그림 10">
+            <a:extLst>
+              <a:ext uri="{FF2B5EF4-FFF2-40B4-BE49-F238E27FC236}">
+                <a16:creationId xmlns:a16="http://schemas.microsoft.com/office/drawing/2014/main" id="{B4889E90-4FA7-E91D-4242-02F607ABCDD5}"/>
+              </a:ext>
+            </a:extLst>
+          </p:cNvPr>
+          <p:cNvPicPr>
+            <a:picLocks noChangeAspect="1"/>
+          </p:cNvPicPr>
+          <p:nvPr/>
+        </p:nvPicPr>
+        <p:blipFill>
+          <a:blip r:embed="rId3"/>
+          <a:stretch>
+            <a:fillRect/>
+          </a:stretch>
+        </p:blipFill>
+        <p:spPr>
+          <a:xfrm>
+            <a:off x="7810542" y="2188220"/>
+            <a:ext cx="3740342" cy="1752690"/>
+          </a:xfrm>
+          <a:prstGeom prst="rect">
+            <a:avLst/>
+          </a:prstGeom>
+        </p:spPr>
+      </p:pic>
+      <p:sp>
+        <p:nvSpPr>
+          <p:cNvPr id="12" name="TextBox 11">
+            <a:extLst>
+              <a:ext uri="{FF2B5EF4-FFF2-40B4-BE49-F238E27FC236}">
+                <a16:creationId xmlns:a16="http://schemas.microsoft.com/office/drawing/2014/main" id="{E3D97CA8-09D5-87A7-68BB-B94831723E84}"/>
+              </a:ext>
+            </a:extLst>
+          </p:cNvPr>
+          <p:cNvSpPr txBox="1"/>
+          <p:nvPr/>
+        </p:nvSpPr>
+        <p:spPr>
+          <a:xfrm>
+            <a:off x="1179443" y="4333461"/>
+            <a:ext cx="5229597" cy="646331"/>
+          </a:xfrm>
+          <a:prstGeom prst="rect">
+            <a:avLst/>
+          </a:prstGeom>
+          <a:noFill/>
+        </p:spPr>
+        <p:txBody>
+          <a:bodyPr wrap="square" rtlCol="0">
+            <a:spAutoFit/>
+          </a:bodyPr>
+          <a:lstStyle/>
+          <a:p>
+            <a:r>
+              <a:rPr lang="ko-KR" altLang="en-US" dirty="0"/>
+              <a:t>가정 </a:t>
+            </a:r>
+            <a:r>
+              <a:rPr lang="en-US" altLang="ko-KR" dirty="0"/>
+              <a:t>: </a:t>
+            </a:r>
+            <a:r>
+              <a:rPr lang="ko-KR" altLang="en-US" dirty="0"/>
+              <a:t>매개변수 </a:t>
+            </a:r>
+            <a:r>
+              <a:rPr lang="en-US" altLang="ko-KR" dirty="0"/>
+              <a:t>M </a:t>
+            </a:r>
+            <a:r>
+              <a:rPr lang="ko-KR" altLang="en-US" dirty="0"/>
+              <a:t>은 </a:t>
+            </a:r>
+            <a:r>
+              <a:rPr lang="en-US" altLang="ko-KR" dirty="0"/>
+              <a:t>Y</a:t>
+            </a:r>
+            <a:r>
+              <a:rPr lang="ko-KR" altLang="en-US" dirty="0"/>
+              <a:t>와 공통 원인이 존재하지 않음</a:t>
+            </a:r>
+            <a:r>
+              <a:rPr lang="en-US" altLang="ko-KR" dirty="0"/>
+              <a:t>.</a:t>
+            </a:r>
+            <a:endParaRPr lang="ko-KR" altLang="en-US" dirty="0"/>
+          </a:p>
+        </p:txBody>
+      </p:sp>
+      <p:sp>
+        <p:nvSpPr>
+          <p:cNvPr id="13" name="TextBox 12">
+            <a:extLst>
+              <a:ext uri="{FF2B5EF4-FFF2-40B4-BE49-F238E27FC236}">
+                <a16:creationId xmlns:a16="http://schemas.microsoft.com/office/drawing/2014/main" id="{7BC31E1F-D753-3BCF-1F35-59E7CB7A8E14}"/>
+              </a:ext>
+            </a:extLst>
+          </p:cNvPr>
+          <p:cNvSpPr txBox="1"/>
+          <p:nvPr/>
+        </p:nvSpPr>
+        <p:spPr>
+          <a:xfrm>
+            <a:off x="7262191" y="4094864"/>
+            <a:ext cx="5229597" cy="923330"/>
+          </a:xfrm>
+          <a:prstGeom prst="rect">
+            <a:avLst/>
+          </a:prstGeom>
+          <a:noFill/>
+        </p:spPr>
+        <p:txBody>
+          <a:bodyPr wrap="square" rtlCol="0">
+            <a:spAutoFit/>
+          </a:bodyPr>
+          <a:lstStyle/>
+          <a:p>
+            <a:r>
+              <a:rPr lang="ko-KR" altLang="en-US" dirty="0"/>
+              <a:t>가정 </a:t>
+            </a:r>
+            <a:r>
+              <a:rPr lang="en-US" altLang="ko-KR" dirty="0"/>
+              <a:t>: </a:t>
+            </a:r>
+            <a:r>
+              <a:rPr lang="ko-KR" altLang="en-US" dirty="0"/>
+              <a:t>도구변수 </a:t>
+            </a:r>
+            <a:r>
+              <a:rPr lang="en-US" altLang="ko-KR" dirty="0"/>
+              <a:t>V</a:t>
+            </a:r>
+            <a:r>
+              <a:rPr lang="ko-KR" altLang="en-US" dirty="0"/>
+              <a:t>는 </a:t>
+            </a:r>
+            <a:r>
+              <a:rPr lang="en-US" altLang="ko-KR" dirty="0"/>
+              <a:t>Y</a:t>
+            </a:r>
+            <a:r>
+              <a:rPr lang="ko-KR" altLang="en-US" dirty="0"/>
+              <a:t>와 공통 원인이 </a:t>
+            </a:r>
+            <a:endParaRPr lang="en-US" altLang="ko-KR" dirty="0"/>
+          </a:p>
+          <a:p>
+            <a:r>
+              <a:rPr lang="ko-KR" altLang="en-US" dirty="0"/>
+              <a:t>존재하지 않으며</a:t>
+            </a:r>
+            <a:r>
+              <a:rPr lang="en-US" altLang="ko-KR" dirty="0"/>
+              <a:t>, T</a:t>
+            </a:r>
+            <a:r>
+              <a:rPr lang="ko-KR" altLang="en-US" dirty="0"/>
+              <a:t>를 통해서만 </a:t>
+            </a:r>
+            <a:r>
+              <a:rPr lang="en-US" altLang="ko-KR" dirty="0"/>
+              <a:t>Y</a:t>
+            </a:r>
+            <a:r>
+              <a:rPr lang="ko-KR" altLang="en-US" dirty="0"/>
+              <a:t>에</a:t>
+            </a:r>
+            <a:endParaRPr lang="en-US" altLang="ko-KR" dirty="0"/>
+          </a:p>
+          <a:p>
+            <a:r>
+              <a:rPr lang="ko-KR" altLang="en-US" dirty="0"/>
+              <a:t>영향을 줄 수 있음</a:t>
+            </a:r>
+            <a:r>
+              <a:rPr lang="en-US" altLang="ko-KR" dirty="0"/>
+              <a:t>.</a:t>
+            </a:r>
+            <a:endParaRPr lang="ko-KR" altLang="en-US" dirty="0"/>
+          </a:p>
+        </p:txBody>
+      </p:sp>
+      <p:sp>
+        <p:nvSpPr>
+          <p:cNvPr id="14" name="TextBox 13">
+            <a:extLst>
+              <a:ext uri="{FF2B5EF4-FFF2-40B4-BE49-F238E27FC236}">
+                <a16:creationId xmlns:a16="http://schemas.microsoft.com/office/drawing/2014/main" id="{C0FDE7CA-704E-73A5-A9FA-1AF966F88713}"/>
+              </a:ext>
+            </a:extLst>
+          </p:cNvPr>
+          <p:cNvSpPr txBox="1"/>
+          <p:nvPr/>
+        </p:nvSpPr>
+        <p:spPr>
+          <a:xfrm>
+            <a:off x="1442207" y="5698435"/>
+            <a:ext cx="6966297" cy="646331"/>
+          </a:xfrm>
+          <a:prstGeom prst="rect">
+            <a:avLst/>
+          </a:prstGeom>
+          <a:noFill/>
+        </p:spPr>
+        <p:txBody>
+          <a:bodyPr wrap="square" rtlCol="0">
+            <a:spAutoFit/>
+          </a:bodyPr>
+          <a:lstStyle/>
+          <a:p>
+            <a:r>
+              <a:rPr lang="en-US" altLang="ko-KR" dirty="0"/>
+              <a:t>=&gt; </a:t>
+            </a:r>
+            <a:r>
+              <a:rPr lang="ko-KR" altLang="en-US" dirty="0"/>
+              <a:t>변수 </a:t>
+            </a:r>
+            <a:r>
+              <a:rPr lang="en-US" altLang="ko-KR" dirty="0"/>
+              <a:t>M </a:t>
+            </a:r>
+            <a:r>
+              <a:rPr lang="ko-KR" altLang="en-US" dirty="0"/>
+              <a:t>또는 </a:t>
+            </a:r>
+            <a:r>
+              <a:rPr lang="en-US" altLang="ko-KR" dirty="0"/>
+              <a:t>V</a:t>
+            </a:r>
+            <a:r>
+              <a:rPr lang="ko-KR" altLang="en-US" dirty="0"/>
+              <a:t>가 존재하면 교란 요인 </a:t>
+            </a:r>
+            <a:r>
+              <a:rPr lang="en-US" altLang="ko-KR" dirty="0"/>
+              <a:t>U</a:t>
+            </a:r>
+            <a:r>
+              <a:rPr lang="ko-KR" altLang="en-US" dirty="0"/>
+              <a:t>를 몰라도 </a:t>
+            </a:r>
+            <a:endParaRPr lang="en-US" altLang="ko-KR" dirty="0"/>
+          </a:p>
+          <a:p>
+            <a:r>
+              <a:rPr lang="en-US" altLang="ko-KR" dirty="0"/>
+              <a:t>T</a:t>
+            </a:r>
+            <a:r>
+              <a:rPr lang="ko-KR" altLang="en-US" dirty="0"/>
+              <a:t>가 </a:t>
+            </a:r>
+            <a:r>
+              <a:rPr lang="en-US" altLang="ko-KR" dirty="0"/>
+              <a:t>Y</a:t>
+            </a:r>
+            <a:r>
+              <a:rPr lang="ko-KR" altLang="en-US" dirty="0"/>
+              <a:t>에 미치는 영향 식별 가능함</a:t>
+            </a:r>
+            <a:r>
+              <a:rPr lang="en-US" altLang="ko-KR" dirty="0"/>
+              <a:t>.</a:t>
+            </a:r>
+            <a:r>
+              <a:rPr lang="ko-KR" altLang="en-US" dirty="0"/>
+              <a:t> </a:t>
+            </a:r>
+          </a:p>
+        </p:txBody>
+      </p:sp>
     </p:spTree>
     <p:extLst>
       <p:ext uri="{BB962C8B-B14F-4D97-AF65-F5344CB8AC3E}">
@@ -6608,8 +9705,201 @@
           <a:p>
             <a:r>
               <a:rPr lang="ko-KR" altLang="en-US" dirty="0"/>
-              <a:t>교란 편향</a:t>
-            </a:r>
+              <a:t>교란 편향 </a:t>
+            </a:r>
+            <a:r>
+              <a:rPr lang="en-US" altLang="ko-KR" dirty="0"/>
+              <a:t>(</a:t>
+            </a:r>
+            <a:r>
+              <a:rPr lang="ko-KR" altLang="en-US" dirty="0"/>
+              <a:t>편향 지우기</a:t>
+            </a:r>
+            <a:r>
+              <a:rPr lang="en-US" altLang="ko-KR" dirty="0"/>
+              <a:t>)</a:t>
+            </a:r>
+            <a:endParaRPr lang="ko-KR" altLang="en-US" dirty="0"/>
+          </a:p>
+        </p:txBody>
+      </p:sp>
+      <p:sp>
+        <p:nvSpPr>
+          <p:cNvPr id="3" name="TextBox 2">
+            <a:extLst>
+              <a:ext uri="{FF2B5EF4-FFF2-40B4-BE49-F238E27FC236}">
+                <a16:creationId xmlns:a16="http://schemas.microsoft.com/office/drawing/2014/main" id="{0FA8BD79-9D73-BF2B-FC28-CCFDE6499E38}"/>
+              </a:ext>
+            </a:extLst>
+          </p:cNvPr>
+          <p:cNvSpPr txBox="1"/>
+          <p:nvPr/>
+        </p:nvSpPr>
+        <p:spPr>
+          <a:xfrm>
+            <a:off x="974035" y="1690688"/>
+            <a:ext cx="7606748" cy="1200329"/>
+          </a:xfrm>
+          <a:prstGeom prst="rect">
+            <a:avLst/>
+          </a:prstGeom>
+          <a:noFill/>
+        </p:spPr>
+        <p:txBody>
+          <a:bodyPr wrap="square" rtlCol="0">
+            <a:spAutoFit/>
+          </a:bodyPr>
+          <a:lstStyle/>
+          <a:p>
+            <a:r>
+              <a:rPr lang="ko-KR" altLang="en-US" dirty="0"/>
+              <a:t>편향의 첫번째 주요 원인은 교란임</a:t>
+            </a:r>
+            <a:r>
+              <a:rPr lang="en-US" altLang="ko-KR" dirty="0"/>
+              <a:t>. </a:t>
+            </a:r>
+          </a:p>
+          <a:p>
+            <a:endParaRPr lang="en-US" altLang="ko-KR" dirty="0"/>
+          </a:p>
+          <a:p>
+            <a:r>
+              <a:rPr lang="ko-KR" altLang="en-US" dirty="0"/>
+              <a:t>교란은 대개 비인과적으로 연관성이 흐르는 열린 뒷문 경로가 있을 때 발생하는데</a:t>
+            </a:r>
+            <a:r>
+              <a:rPr lang="en-US" altLang="ko-KR" dirty="0"/>
+              <a:t>, </a:t>
+            </a:r>
+            <a:r>
+              <a:rPr lang="ko-KR" altLang="en-US" dirty="0"/>
+              <a:t>이는 일반적으로 처치와 결과가 공통 원인을 공유하기 때문</a:t>
+            </a:r>
+            <a:r>
+              <a:rPr lang="en-US" altLang="ko-KR" dirty="0"/>
+              <a:t>.</a:t>
+            </a:r>
+            <a:endParaRPr lang="ko-KR" altLang="en-US" dirty="0"/>
+          </a:p>
+        </p:txBody>
+      </p:sp>
+      <p:pic>
+        <p:nvPicPr>
+          <p:cNvPr id="5" name="그림 4">
+            <a:extLst>
+              <a:ext uri="{FF2B5EF4-FFF2-40B4-BE49-F238E27FC236}">
+                <a16:creationId xmlns:a16="http://schemas.microsoft.com/office/drawing/2014/main" id="{2A4C5D82-7F91-DDB0-8A73-477570FDE2C7}"/>
+              </a:ext>
+            </a:extLst>
+          </p:cNvPr>
+          <p:cNvPicPr>
+            <a:picLocks noChangeAspect="1"/>
+          </p:cNvPicPr>
+          <p:nvPr/>
+        </p:nvPicPr>
+        <p:blipFill>
+          <a:blip r:embed="rId2"/>
+          <a:stretch>
+            <a:fillRect/>
+          </a:stretch>
+        </p:blipFill>
+        <p:spPr>
+          <a:xfrm>
+            <a:off x="974035" y="3316460"/>
+            <a:ext cx="3073558" cy="2121009"/>
+          </a:xfrm>
+          <a:prstGeom prst="rect">
+            <a:avLst/>
+          </a:prstGeom>
+        </p:spPr>
+      </p:pic>
+      <p:sp>
+        <p:nvSpPr>
+          <p:cNvPr id="6" name="TextBox 5">
+            <a:extLst>
+              <a:ext uri="{FF2B5EF4-FFF2-40B4-BE49-F238E27FC236}">
+                <a16:creationId xmlns:a16="http://schemas.microsoft.com/office/drawing/2014/main" id="{C9DDC423-DA83-F3E3-DC50-098C23AB65FB}"/>
+              </a:ext>
+            </a:extLst>
+          </p:cNvPr>
+          <p:cNvSpPr txBox="1"/>
+          <p:nvPr/>
+        </p:nvSpPr>
+        <p:spPr>
+          <a:xfrm>
+            <a:off x="215075" y="3429000"/>
+            <a:ext cx="861935" cy="369332"/>
+          </a:xfrm>
+          <a:prstGeom prst="rect">
+            <a:avLst/>
+          </a:prstGeom>
+          <a:noFill/>
+        </p:spPr>
+        <p:txBody>
+          <a:bodyPr wrap="square" rtlCol="0">
+            <a:spAutoFit/>
+          </a:bodyPr>
+          <a:lstStyle/>
+          <a:p>
+            <a:r>
+              <a:rPr lang="ko-KR" altLang="en-US" dirty="0"/>
+              <a:t>예시</a:t>
+            </a:r>
+          </a:p>
+        </p:txBody>
+      </p:sp>
+      <p:sp>
+        <p:nvSpPr>
+          <p:cNvPr id="7" name="TextBox 6">
+            <a:extLst>
+              <a:ext uri="{FF2B5EF4-FFF2-40B4-BE49-F238E27FC236}">
+                <a16:creationId xmlns:a16="http://schemas.microsoft.com/office/drawing/2014/main" id="{C0F6CDCE-120B-C330-68A4-8CE70379AC61}"/>
+              </a:ext>
+            </a:extLst>
+          </p:cNvPr>
+          <p:cNvSpPr txBox="1"/>
+          <p:nvPr/>
+        </p:nvSpPr>
+        <p:spPr>
+          <a:xfrm>
+            <a:off x="4234070" y="3613666"/>
+            <a:ext cx="5095460" cy="923330"/>
+          </a:xfrm>
+          <a:prstGeom prst="rect">
+            <a:avLst/>
+          </a:prstGeom>
+          <a:noFill/>
+        </p:spPr>
+        <p:txBody>
+          <a:bodyPr wrap="square" rtlCol="0">
+            <a:spAutoFit/>
+          </a:bodyPr>
+          <a:lstStyle/>
+          <a:p>
+            <a:r>
+              <a:rPr lang="ko-KR" altLang="en-US" dirty="0"/>
+              <a:t>관리자 자질을 통제해야</a:t>
+            </a:r>
+            <a:endParaRPr lang="en-US" altLang="ko-KR" dirty="0"/>
+          </a:p>
+          <a:p>
+            <a:r>
+              <a:rPr lang="ko-KR" altLang="en-US" dirty="0"/>
+              <a:t>같은 관리자 자질 하에 교육이 참여도에 미치는</a:t>
+            </a:r>
+            <a:endParaRPr lang="en-US" altLang="ko-KR" dirty="0"/>
+          </a:p>
+          <a:p>
+            <a:r>
+              <a:rPr lang="ko-KR" altLang="en-US" dirty="0"/>
+              <a:t>인과적 효과 파악 가능</a:t>
+            </a:r>
+            <a:r>
+              <a:rPr lang="en-US" altLang="ko-KR" dirty="0"/>
+              <a:t>.</a:t>
+            </a:r>
+            <a:endParaRPr lang="ko-KR" altLang="en-US" dirty="0"/>
           </a:p>
         </p:txBody>
       </p:sp>

--- a/causal_3week.pptx
+++ b/causal_3week.pptx
@@ -5,7 +5,7 @@
     <p:sldMasterId id="2147483648" r:id="rId1"/>
   </p:sldMasterIdLst>
   <p:notesMasterIdLst>
-    <p:notesMasterId r:id="rId14"/>
+    <p:notesMasterId r:id="rId15"/>
   </p:notesMasterIdLst>
   <p:sldIdLst>
     <p:sldId id="256" r:id="rId2"/>
@@ -20,6 +20,7 @@
     <p:sldId id="280" r:id="rId11"/>
     <p:sldId id="278" r:id="rId12"/>
     <p:sldId id="279" r:id="rId13"/>
+    <p:sldId id="281" r:id="rId14"/>
   </p:sldIdLst>
   <p:sldSz cx="12192000" cy="6858000"/>
   <p:notesSz cx="6858000" cy="9144000"/>
@@ -658,7 +659,7 @@
           <a:p>
             <a:fld id="{FEA2D673-B129-4240-A71B-77053A7E7086}" type="datetimeFigureOut">
               <a:rPr lang="ko-KR" altLang="en-US" smtClean="0"/>
-              <a:t>2025-02-26</a:t>
+              <a:t>2025-02-27</a:t>
             </a:fld>
             <a:endParaRPr lang="ko-KR" altLang="en-US"/>
           </a:p>
@@ -947,7 +948,7 @@
           <p:cNvPr id="2" name="제목 1">
             <a:extLst>
               <a:ext uri="{FF2B5EF4-FFF2-40B4-BE49-F238E27FC236}">
-                <a16:creationId xmlns:a16="http://schemas.microsoft.com/office/drawing/2014/main" id="{D5EA4483-E104-90D7-91C8-53C95AC4B9F8}"/>
+                <a16:creationId xmlns:a16="http://schemas.microsoft.com/office/drawing/2014/main" xmlns="" id="{D5EA4483-E104-90D7-91C8-53C95AC4B9F8}"/>
               </a:ext>
             </a:extLst>
           </p:cNvPr>
@@ -984,7 +985,7 @@
           <p:cNvPr id="3" name="부제목 2">
             <a:extLst>
               <a:ext uri="{FF2B5EF4-FFF2-40B4-BE49-F238E27FC236}">
-                <a16:creationId xmlns:a16="http://schemas.microsoft.com/office/drawing/2014/main" id="{1B538EC8-181D-6488-2088-BC6522D4AC65}"/>
+                <a16:creationId xmlns:a16="http://schemas.microsoft.com/office/drawing/2014/main" xmlns="" id="{1B538EC8-181D-6488-2088-BC6522D4AC65}"/>
               </a:ext>
             </a:extLst>
           </p:cNvPr>
@@ -1054,7 +1055,7 @@
           <p:cNvPr id="4" name="날짜 개체 틀 3">
             <a:extLst>
               <a:ext uri="{FF2B5EF4-FFF2-40B4-BE49-F238E27FC236}">
-                <a16:creationId xmlns:a16="http://schemas.microsoft.com/office/drawing/2014/main" id="{B4DD84E1-21DE-FB93-2D53-476BD8169DAF}"/>
+                <a16:creationId xmlns:a16="http://schemas.microsoft.com/office/drawing/2014/main" xmlns="" id="{B4DD84E1-21DE-FB93-2D53-476BD8169DAF}"/>
               </a:ext>
             </a:extLst>
           </p:cNvPr>
@@ -1072,7 +1073,7 @@
           <a:p>
             <a:fld id="{E0917728-FF84-4733-94D9-96477C72F7D6}" type="datetimeFigureOut">
               <a:rPr lang="ko-KR" altLang="en-US" smtClean="0"/>
-              <a:t>2025-02-26</a:t>
+              <a:t>2025-02-27</a:t>
             </a:fld>
             <a:endParaRPr lang="ko-KR" altLang="en-US"/>
           </a:p>
@@ -1083,7 +1084,7 @@
           <p:cNvPr id="5" name="바닥글 개체 틀 4">
             <a:extLst>
               <a:ext uri="{FF2B5EF4-FFF2-40B4-BE49-F238E27FC236}">
-                <a16:creationId xmlns:a16="http://schemas.microsoft.com/office/drawing/2014/main" id="{9E0484DF-C4AD-3B14-F80B-C05D27B477D3}"/>
+                <a16:creationId xmlns:a16="http://schemas.microsoft.com/office/drawing/2014/main" xmlns="" id="{9E0484DF-C4AD-3B14-F80B-C05D27B477D3}"/>
               </a:ext>
             </a:extLst>
           </p:cNvPr>
@@ -1108,7 +1109,7 @@
           <p:cNvPr id="6" name="슬라이드 번호 개체 틀 5">
             <a:extLst>
               <a:ext uri="{FF2B5EF4-FFF2-40B4-BE49-F238E27FC236}">
-                <a16:creationId xmlns:a16="http://schemas.microsoft.com/office/drawing/2014/main" id="{4DCED38E-3D5F-59AE-F08E-16360B00F3FC}"/>
+                <a16:creationId xmlns:a16="http://schemas.microsoft.com/office/drawing/2014/main" xmlns="" id="{4DCED38E-3D5F-59AE-F08E-16360B00F3FC}"/>
               </a:ext>
             </a:extLst>
           </p:cNvPr>
@@ -1167,7 +1168,7 @@
           <p:cNvPr id="2" name="제목 1">
             <a:extLst>
               <a:ext uri="{FF2B5EF4-FFF2-40B4-BE49-F238E27FC236}">
-                <a16:creationId xmlns:a16="http://schemas.microsoft.com/office/drawing/2014/main" id="{C4AC98FB-ABFD-A4B6-089D-9DC4AE07EC56}"/>
+                <a16:creationId xmlns:a16="http://schemas.microsoft.com/office/drawing/2014/main" xmlns="" id="{C4AC98FB-ABFD-A4B6-089D-9DC4AE07EC56}"/>
               </a:ext>
             </a:extLst>
           </p:cNvPr>
@@ -1195,7 +1196,7 @@
           <p:cNvPr id="3" name="세로 텍스트 개체 틀 2">
             <a:extLst>
               <a:ext uri="{FF2B5EF4-FFF2-40B4-BE49-F238E27FC236}">
-                <a16:creationId xmlns:a16="http://schemas.microsoft.com/office/drawing/2014/main" id="{DE3A8201-83EA-AFA9-2A36-F010FC391D48}"/>
+                <a16:creationId xmlns:a16="http://schemas.microsoft.com/office/drawing/2014/main" xmlns="" id="{DE3A8201-83EA-AFA9-2A36-F010FC391D48}"/>
               </a:ext>
             </a:extLst>
           </p:cNvPr>
@@ -1252,7 +1253,7 @@
           <p:cNvPr id="4" name="날짜 개체 틀 3">
             <a:extLst>
               <a:ext uri="{FF2B5EF4-FFF2-40B4-BE49-F238E27FC236}">
-                <a16:creationId xmlns:a16="http://schemas.microsoft.com/office/drawing/2014/main" id="{1BB76456-FE54-5BEA-500A-22DA741226C4}"/>
+                <a16:creationId xmlns:a16="http://schemas.microsoft.com/office/drawing/2014/main" xmlns="" id="{1BB76456-FE54-5BEA-500A-22DA741226C4}"/>
               </a:ext>
             </a:extLst>
           </p:cNvPr>
@@ -1270,7 +1271,7 @@
           <a:p>
             <a:fld id="{E0917728-FF84-4733-94D9-96477C72F7D6}" type="datetimeFigureOut">
               <a:rPr lang="ko-KR" altLang="en-US" smtClean="0"/>
-              <a:t>2025-02-26</a:t>
+              <a:t>2025-02-27</a:t>
             </a:fld>
             <a:endParaRPr lang="ko-KR" altLang="en-US"/>
           </a:p>
@@ -1281,7 +1282,7 @@
           <p:cNvPr id="5" name="바닥글 개체 틀 4">
             <a:extLst>
               <a:ext uri="{FF2B5EF4-FFF2-40B4-BE49-F238E27FC236}">
-                <a16:creationId xmlns:a16="http://schemas.microsoft.com/office/drawing/2014/main" id="{854DBB57-0AEB-CDE2-0208-7FF1E7AEB91E}"/>
+                <a16:creationId xmlns:a16="http://schemas.microsoft.com/office/drawing/2014/main" xmlns="" id="{854DBB57-0AEB-CDE2-0208-7FF1E7AEB91E}"/>
               </a:ext>
             </a:extLst>
           </p:cNvPr>
@@ -1306,7 +1307,7 @@
           <p:cNvPr id="6" name="슬라이드 번호 개체 틀 5">
             <a:extLst>
               <a:ext uri="{FF2B5EF4-FFF2-40B4-BE49-F238E27FC236}">
-                <a16:creationId xmlns:a16="http://schemas.microsoft.com/office/drawing/2014/main" id="{7BCF589F-FD50-3E2A-886B-9266FAEACFB2}"/>
+                <a16:creationId xmlns:a16="http://schemas.microsoft.com/office/drawing/2014/main" xmlns="" id="{7BCF589F-FD50-3E2A-886B-9266FAEACFB2}"/>
               </a:ext>
             </a:extLst>
           </p:cNvPr>
@@ -1365,7 +1366,7 @@
           <p:cNvPr id="2" name="세로 제목 1">
             <a:extLst>
               <a:ext uri="{FF2B5EF4-FFF2-40B4-BE49-F238E27FC236}">
-                <a16:creationId xmlns:a16="http://schemas.microsoft.com/office/drawing/2014/main" id="{B910D4C0-3AA8-86D4-6F25-E8FC101EDBDB}"/>
+                <a16:creationId xmlns:a16="http://schemas.microsoft.com/office/drawing/2014/main" xmlns="" id="{B910D4C0-3AA8-86D4-6F25-E8FC101EDBDB}"/>
               </a:ext>
             </a:extLst>
           </p:cNvPr>
@@ -1398,7 +1399,7 @@
           <p:cNvPr id="3" name="세로 텍스트 개체 틀 2">
             <a:extLst>
               <a:ext uri="{FF2B5EF4-FFF2-40B4-BE49-F238E27FC236}">
-                <a16:creationId xmlns:a16="http://schemas.microsoft.com/office/drawing/2014/main" id="{BFA7C42E-3949-5B2F-9216-DA642E2072FF}"/>
+                <a16:creationId xmlns:a16="http://schemas.microsoft.com/office/drawing/2014/main" xmlns="" id="{BFA7C42E-3949-5B2F-9216-DA642E2072FF}"/>
               </a:ext>
             </a:extLst>
           </p:cNvPr>
@@ -1460,7 +1461,7 @@
           <p:cNvPr id="4" name="날짜 개체 틀 3">
             <a:extLst>
               <a:ext uri="{FF2B5EF4-FFF2-40B4-BE49-F238E27FC236}">
-                <a16:creationId xmlns:a16="http://schemas.microsoft.com/office/drawing/2014/main" id="{F78D8EA8-7152-7A16-3530-ACD02C0E6A0C}"/>
+                <a16:creationId xmlns:a16="http://schemas.microsoft.com/office/drawing/2014/main" xmlns="" id="{F78D8EA8-7152-7A16-3530-ACD02C0E6A0C}"/>
               </a:ext>
             </a:extLst>
           </p:cNvPr>
@@ -1478,7 +1479,7 @@
           <a:p>
             <a:fld id="{E0917728-FF84-4733-94D9-96477C72F7D6}" type="datetimeFigureOut">
               <a:rPr lang="ko-KR" altLang="en-US" smtClean="0"/>
-              <a:t>2025-02-26</a:t>
+              <a:t>2025-02-27</a:t>
             </a:fld>
             <a:endParaRPr lang="ko-KR" altLang="en-US"/>
           </a:p>
@@ -1489,7 +1490,7 @@
           <p:cNvPr id="5" name="바닥글 개체 틀 4">
             <a:extLst>
               <a:ext uri="{FF2B5EF4-FFF2-40B4-BE49-F238E27FC236}">
-                <a16:creationId xmlns:a16="http://schemas.microsoft.com/office/drawing/2014/main" id="{9315F2CE-789B-F6D4-E968-66CC98084635}"/>
+                <a16:creationId xmlns:a16="http://schemas.microsoft.com/office/drawing/2014/main" xmlns="" id="{9315F2CE-789B-F6D4-E968-66CC98084635}"/>
               </a:ext>
             </a:extLst>
           </p:cNvPr>
@@ -1514,7 +1515,7 @@
           <p:cNvPr id="6" name="슬라이드 번호 개체 틀 5">
             <a:extLst>
               <a:ext uri="{FF2B5EF4-FFF2-40B4-BE49-F238E27FC236}">
-                <a16:creationId xmlns:a16="http://schemas.microsoft.com/office/drawing/2014/main" id="{3ABCABE6-757F-4E3C-7239-F02AC7DFB127}"/>
+                <a16:creationId xmlns:a16="http://schemas.microsoft.com/office/drawing/2014/main" xmlns="" id="{3ABCABE6-757F-4E3C-7239-F02AC7DFB127}"/>
               </a:ext>
             </a:extLst>
           </p:cNvPr>
@@ -1573,7 +1574,7 @@
           <p:cNvPr id="2" name="제목 1">
             <a:extLst>
               <a:ext uri="{FF2B5EF4-FFF2-40B4-BE49-F238E27FC236}">
-                <a16:creationId xmlns:a16="http://schemas.microsoft.com/office/drawing/2014/main" id="{6A13D7EA-1466-B582-E85E-15EFF3EB8928}"/>
+                <a16:creationId xmlns:a16="http://schemas.microsoft.com/office/drawing/2014/main" xmlns="" id="{6A13D7EA-1466-B582-E85E-15EFF3EB8928}"/>
               </a:ext>
             </a:extLst>
           </p:cNvPr>
@@ -1601,7 +1602,7 @@
           <p:cNvPr id="3" name="내용 개체 틀 2">
             <a:extLst>
               <a:ext uri="{FF2B5EF4-FFF2-40B4-BE49-F238E27FC236}">
-                <a16:creationId xmlns:a16="http://schemas.microsoft.com/office/drawing/2014/main" id="{76CB5CE6-4EDA-8547-7174-2528A92B174B}"/>
+                <a16:creationId xmlns:a16="http://schemas.microsoft.com/office/drawing/2014/main" xmlns="" id="{76CB5CE6-4EDA-8547-7174-2528A92B174B}"/>
               </a:ext>
             </a:extLst>
           </p:cNvPr>
@@ -1658,7 +1659,7 @@
           <p:cNvPr id="4" name="날짜 개체 틀 3">
             <a:extLst>
               <a:ext uri="{FF2B5EF4-FFF2-40B4-BE49-F238E27FC236}">
-                <a16:creationId xmlns:a16="http://schemas.microsoft.com/office/drawing/2014/main" id="{D1DC758C-55AF-0D7A-5FBC-8F09D3C4F190}"/>
+                <a16:creationId xmlns:a16="http://schemas.microsoft.com/office/drawing/2014/main" xmlns="" id="{D1DC758C-55AF-0D7A-5FBC-8F09D3C4F190}"/>
               </a:ext>
             </a:extLst>
           </p:cNvPr>
@@ -1676,7 +1677,7 @@
           <a:p>
             <a:fld id="{E0917728-FF84-4733-94D9-96477C72F7D6}" type="datetimeFigureOut">
               <a:rPr lang="ko-KR" altLang="en-US" smtClean="0"/>
-              <a:t>2025-02-26</a:t>
+              <a:t>2025-02-27</a:t>
             </a:fld>
             <a:endParaRPr lang="ko-KR" altLang="en-US"/>
           </a:p>
@@ -1687,7 +1688,7 @@
           <p:cNvPr id="5" name="바닥글 개체 틀 4">
             <a:extLst>
               <a:ext uri="{FF2B5EF4-FFF2-40B4-BE49-F238E27FC236}">
-                <a16:creationId xmlns:a16="http://schemas.microsoft.com/office/drawing/2014/main" id="{A77C4100-AE56-898F-6F75-149196970BE0}"/>
+                <a16:creationId xmlns:a16="http://schemas.microsoft.com/office/drawing/2014/main" xmlns="" id="{A77C4100-AE56-898F-6F75-149196970BE0}"/>
               </a:ext>
             </a:extLst>
           </p:cNvPr>
@@ -1712,7 +1713,7 @@
           <p:cNvPr id="6" name="슬라이드 번호 개체 틀 5">
             <a:extLst>
               <a:ext uri="{FF2B5EF4-FFF2-40B4-BE49-F238E27FC236}">
-                <a16:creationId xmlns:a16="http://schemas.microsoft.com/office/drawing/2014/main" id="{137F35B4-A2AA-CFE2-5E89-4568DEDFF5D5}"/>
+                <a16:creationId xmlns:a16="http://schemas.microsoft.com/office/drawing/2014/main" xmlns="" id="{137F35B4-A2AA-CFE2-5E89-4568DEDFF5D5}"/>
               </a:ext>
             </a:extLst>
           </p:cNvPr>
@@ -1771,7 +1772,7 @@
           <p:cNvPr id="2" name="제목 1">
             <a:extLst>
               <a:ext uri="{FF2B5EF4-FFF2-40B4-BE49-F238E27FC236}">
-                <a16:creationId xmlns:a16="http://schemas.microsoft.com/office/drawing/2014/main" id="{B558CD14-0ECF-2D74-377F-CEF67EA9452E}"/>
+                <a16:creationId xmlns:a16="http://schemas.microsoft.com/office/drawing/2014/main" xmlns="" id="{B558CD14-0ECF-2D74-377F-CEF67EA9452E}"/>
               </a:ext>
             </a:extLst>
           </p:cNvPr>
@@ -1808,7 +1809,7 @@
           <p:cNvPr id="3" name="텍스트 개체 틀 2">
             <a:extLst>
               <a:ext uri="{FF2B5EF4-FFF2-40B4-BE49-F238E27FC236}">
-                <a16:creationId xmlns:a16="http://schemas.microsoft.com/office/drawing/2014/main" id="{1214F566-1D5E-F4DA-83BA-1590A9F5A656}"/>
+                <a16:creationId xmlns:a16="http://schemas.microsoft.com/office/drawing/2014/main" xmlns="" id="{1214F566-1D5E-F4DA-83BA-1590A9F5A656}"/>
               </a:ext>
             </a:extLst>
           </p:cNvPr>
@@ -1933,7 +1934,7 @@
           <p:cNvPr id="4" name="날짜 개체 틀 3">
             <a:extLst>
               <a:ext uri="{FF2B5EF4-FFF2-40B4-BE49-F238E27FC236}">
-                <a16:creationId xmlns:a16="http://schemas.microsoft.com/office/drawing/2014/main" id="{E211600F-70AC-FA5C-D863-4BB0009D194B}"/>
+                <a16:creationId xmlns:a16="http://schemas.microsoft.com/office/drawing/2014/main" xmlns="" id="{E211600F-70AC-FA5C-D863-4BB0009D194B}"/>
               </a:ext>
             </a:extLst>
           </p:cNvPr>
@@ -1951,7 +1952,7 @@
           <a:p>
             <a:fld id="{E0917728-FF84-4733-94D9-96477C72F7D6}" type="datetimeFigureOut">
               <a:rPr lang="ko-KR" altLang="en-US" smtClean="0"/>
-              <a:t>2025-02-26</a:t>
+              <a:t>2025-02-27</a:t>
             </a:fld>
             <a:endParaRPr lang="ko-KR" altLang="en-US"/>
           </a:p>
@@ -1962,7 +1963,7 @@
           <p:cNvPr id="5" name="바닥글 개체 틀 4">
             <a:extLst>
               <a:ext uri="{FF2B5EF4-FFF2-40B4-BE49-F238E27FC236}">
-                <a16:creationId xmlns:a16="http://schemas.microsoft.com/office/drawing/2014/main" id="{7575640A-6772-07B1-4819-AA95D8C912D1}"/>
+                <a16:creationId xmlns:a16="http://schemas.microsoft.com/office/drawing/2014/main" xmlns="" id="{7575640A-6772-07B1-4819-AA95D8C912D1}"/>
               </a:ext>
             </a:extLst>
           </p:cNvPr>
@@ -1987,7 +1988,7 @@
           <p:cNvPr id="6" name="슬라이드 번호 개체 틀 5">
             <a:extLst>
               <a:ext uri="{FF2B5EF4-FFF2-40B4-BE49-F238E27FC236}">
-                <a16:creationId xmlns:a16="http://schemas.microsoft.com/office/drawing/2014/main" id="{5B955BFE-F5E4-9480-C3D9-E02848E1DD95}"/>
+                <a16:creationId xmlns:a16="http://schemas.microsoft.com/office/drawing/2014/main" xmlns="" id="{5B955BFE-F5E4-9480-C3D9-E02848E1DD95}"/>
               </a:ext>
             </a:extLst>
           </p:cNvPr>
@@ -2046,7 +2047,7 @@
           <p:cNvPr id="2" name="제목 1">
             <a:extLst>
               <a:ext uri="{FF2B5EF4-FFF2-40B4-BE49-F238E27FC236}">
-                <a16:creationId xmlns:a16="http://schemas.microsoft.com/office/drawing/2014/main" id="{F1788A65-22FA-14E5-5D42-16BFE7332D67}"/>
+                <a16:creationId xmlns:a16="http://schemas.microsoft.com/office/drawing/2014/main" xmlns="" id="{F1788A65-22FA-14E5-5D42-16BFE7332D67}"/>
               </a:ext>
             </a:extLst>
           </p:cNvPr>
@@ -2074,7 +2075,7 @@
           <p:cNvPr id="3" name="내용 개체 틀 2">
             <a:extLst>
               <a:ext uri="{FF2B5EF4-FFF2-40B4-BE49-F238E27FC236}">
-                <a16:creationId xmlns:a16="http://schemas.microsoft.com/office/drawing/2014/main" id="{8120282E-E60C-68D8-84D8-2D85095708E6}"/>
+                <a16:creationId xmlns:a16="http://schemas.microsoft.com/office/drawing/2014/main" xmlns="" id="{8120282E-E60C-68D8-84D8-2D85095708E6}"/>
               </a:ext>
             </a:extLst>
           </p:cNvPr>
@@ -2136,7 +2137,7 @@
           <p:cNvPr id="4" name="내용 개체 틀 3">
             <a:extLst>
               <a:ext uri="{FF2B5EF4-FFF2-40B4-BE49-F238E27FC236}">
-                <a16:creationId xmlns:a16="http://schemas.microsoft.com/office/drawing/2014/main" id="{17A18627-5291-E1D7-8D9D-8C79A1CEAD6E}"/>
+                <a16:creationId xmlns:a16="http://schemas.microsoft.com/office/drawing/2014/main" xmlns="" id="{17A18627-5291-E1D7-8D9D-8C79A1CEAD6E}"/>
               </a:ext>
             </a:extLst>
           </p:cNvPr>
@@ -2198,7 +2199,7 @@
           <p:cNvPr id="5" name="날짜 개체 틀 4">
             <a:extLst>
               <a:ext uri="{FF2B5EF4-FFF2-40B4-BE49-F238E27FC236}">
-                <a16:creationId xmlns:a16="http://schemas.microsoft.com/office/drawing/2014/main" id="{EB48C52E-9C07-3CD9-0708-19217EF14098}"/>
+                <a16:creationId xmlns:a16="http://schemas.microsoft.com/office/drawing/2014/main" xmlns="" id="{EB48C52E-9C07-3CD9-0708-19217EF14098}"/>
               </a:ext>
             </a:extLst>
           </p:cNvPr>
@@ -2216,7 +2217,7 @@
           <a:p>
             <a:fld id="{E0917728-FF84-4733-94D9-96477C72F7D6}" type="datetimeFigureOut">
               <a:rPr lang="ko-KR" altLang="en-US" smtClean="0"/>
-              <a:t>2025-02-26</a:t>
+              <a:t>2025-02-27</a:t>
             </a:fld>
             <a:endParaRPr lang="ko-KR" altLang="en-US"/>
           </a:p>
@@ -2227,7 +2228,7 @@
           <p:cNvPr id="6" name="바닥글 개체 틀 5">
             <a:extLst>
               <a:ext uri="{FF2B5EF4-FFF2-40B4-BE49-F238E27FC236}">
-                <a16:creationId xmlns:a16="http://schemas.microsoft.com/office/drawing/2014/main" id="{B46DE42B-3867-3114-3B97-CC463716ED3E}"/>
+                <a16:creationId xmlns:a16="http://schemas.microsoft.com/office/drawing/2014/main" xmlns="" id="{B46DE42B-3867-3114-3B97-CC463716ED3E}"/>
               </a:ext>
             </a:extLst>
           </p:cNvPr>
@@ -2252,7 +2253,7 @@
           <p:cNvPr id="7" name="슬라이드 번호 개체 틀 6">
             <a:extLst>
               <a:ext uri="{FF2B5EF4-FFF2-40B4-BE49-F238E27FC236}">
-                <a16:creationId xmlns:a16="http://schemas.microsoft.com/office/drawing/2014/main" id="{C87DFE0C-37BE-4882-1B1D-BF15BEA5F8B9}"/>
+                <a16:creationId xmlns:a16="http://schemas.microsoft.com/office/drawing/2014/main" xmlns="" id="{C87DFE0C-37BE-4882-1B1D-BF15BEA5F8B9}"/>
               </a:ext>
             </a:extLst>
           </p:cNvPr>
@@ -2311,7 +2312,7 @@
           <p:cNvPr id="2" name="제목 1">
             <a:extLst>
               <a:ext uri="{FF2B5EF4-FFF2-40B4-BE49-F238E27FC236}">
-                <a16:creationId xmlns:a16="http://schemas.microsoft.com/office/drawing/2014/main" id="{87A7E97A-87B0-6F34-57EF-E04FE42B9032}"/>
+                <a16:creationId xmlns:a16="http://schemas.microsoft.com/office/drawing/2014/main" xmlns="" id="{87A7E97A-87B0-6F34-57EF-E04FE42B9032}"/>
               </a:ext>
             </a:extLst>
           </p:cNvPr>
@@ -2344,7 +2345,7 @@
           <p:cNvPr id="3" name="텍스트 개체 틀 2">
             <a:extLst>
               <a:ext uri="{FF2B5EF4-FFF2-40B4-BE49-F238E27FC236}">
-                <a16:creationId xmlns:a16="http://schemas.microsoft.com/office/drawing/2014/main" id="{A59A23BA-88AF-3D29-4B0E-827E2A90751D}"/>
+                <a16:creationId xmlns:a16="http://schemas.microsoft.com/office/drawing/2014/main" xmlns="" id="{A59A23BA-88AF-3D29-4B0E-827E2A90751D}"/>
               </a:ext>
             </a:extLst>
           </p:cNvPr>
@@ -2415,7 +2416,7 @@
           <p:cNvPr id="4" name="내용 개체 틀 3">
             <a:extLst>
               <a:ext uri="{FF2B5EF4-FFF2-40B4-BE49-F238E27FC236}">
-                <a16:creationId xmlns:a16="http://schemas.microsoft.com/office/drawing/2014/main" id="{82776E72-CC74-0BC7-DCAB-E7E3232597D3}"/>
+                <a16:creationId xmlns:a16="http://schemas.microsoft.com/office/drawing/2014/main" xmlns="" id="{82776E72-CC74-0BC7-DCAB-E7E3232597D3}"/>
               </a:ext>
             </a:extLst>
           </p:cNvPr>
@@ -2477,7 +2478,7 @@
           <p:cNvPr id="5" name="텍스트 개체 틀 4">
             <a:extLst>
               <a:ext uri="{FF2B5EF4-FFF2-40B4-BE49-F238E27FC236}">
-                <a16:creationId xmlns:a16="http://schemas.microsoft.com/office/drawing/2014/main" id="{03B8C2CD-BCC2-5B60-2C84-B9155362506C}"/>
+                <a16:creationId xmlns:a16="http://schemas.microsoft.com/office/drawing/2014/main" xmlns="" id="{03B8C2CD-BCC2-5B60-2C84-B9155362506C}"/>
               </a:ext>
             </a:extLst>
           </p:cNvPr>
@@ -2548,7 +2549,7 @@
           <p:cNvPr id="6" name="내용 개체 틀 5">
             <a:extLst>
               <a:ext uri="{FF2B5EF4-FFF2-40B4-BE49-F238E27FC236}">
-                <a16:creationId xmlns:a16="http://schemas.microsoft.com/office/drawing/2014/main" id="{6C8A9CB0-92A0-8C61-F633-3E520E341D22}"/>
+                <a16:creationId xmlns:a16="http://schemas.microsoft.com/office/drawing/2014/main" xmlns="" id="{6C8A9CB0-92A0-8C61-F633-3E520E341D22}"/>
               </a:ext>
             </a:extLst>
           </p:cNvPr>
@@ -2610,7 +2611,7 @@
           <p:cNvPr id="7" name="날짜 개체 틀 6">
             <a:extLst>
               <a:ext uri="{FF2B5EF4-FFF2-40B4-BE49-F238E27FC236}">
-                <a16:creationId xmlns:a16="http://schemas.microsoft.com/office/drawing/2014/main" id="{77D52610-2E6B-7F0C-EFAE-34F080D81917}"/>
+                <a16:creationId xmlns:a16="http://schemas.microsoft.com/office/drawing/2014/main" xmlns="" id="{77D52610-2E6B-7F0C-EFAE-34F080D81917}"/>
               </a:ext>
             </a:extLst>
           </p:cNvPr>
@@ -2628,7 +2629,7 @@
           <a:p>
             <a:fld id="{E0917728-FF84-4733-94D9-96477C72F7D6}" type="datetimeFigureOut">
               <a:rPr lang="ko-KR" altLang="en-US" smtClean="0"/>
-              <a:t>2025-02-26</a:t>
+              <a:t>2025-02-27</a:t>
             </a:fld>
             <a:endParaRPr lang="ko-KR" altLang="en-US"/>
           </a:p>
@@ -2639,7 +2640,7 @@
           <p:cNvPr id="8" name="바닥글 개체 틀 7">
             <a:extLst>
               <a:ext uri="{FF2B5EF4-FFF2-40B4-BE49-F238E27FC236}">
-                <a16:creationId xmlns:a16="http://schemas.microsoft.com/office/drawing/2014/main" id="{E96F7A05-AB68-C081-F0B7-44FC69C71994}"/>
+                <a16:creationId xmlns:a16="http://schemas.microsoft.com/office/drawing/2014/main" xmlns="" id="{E96F7A05-AB68-C081-F0B7-44FC69C71994}"/>
               </a:ext>
             </a:extLst>
           </p:cNvPr>
@@ -2664,7 +2665,7 @@
           <p:cNvPr id="9" name="슬라이드 번호 개체 틀 8">
             <a:extLst>
               <a:ext uri="{FF2B5EF4-FFF2-40B4-BE49-F238E27FC236}">
-                <a16:creationId xmlns:a16="http://schemas.microsoft.com/office/drawing/2014/main" id="{833A9A21-FBF0-D717-B686-A182CC61862E}"/>
+                <a16:creationId xmlns:a16="http://schemas.microsoft.com/office/drawing/2014/main" xmlns="" id="{833A9A21-FBF0-D717-B686-A182CC61862E}"/>
               </a:ext>
             </a:extLst>
           </p:cNvPr>
@@ -2723,7 +2724,7 @@
           <p:cNvPr id="2" name="제목 1">
             <a:extLst>
               <a:ext uri="{FF2B5EF4-FFF2-40B4-BE49-F238E27FC236}">
-                <a16:creationId xmlns:a16="http://schemas.microsoft.com/office/drawing/2014/main" id="{315B99FF-AE0D-3DCB-21AD-B2840D069A1A}"/>
+                <a16:creationId xmlns:a16="http://schemas.microsoft.com/office/drawing/2014/main" xmlns="" id="{315B99FF-AE0D-3DCB-21AD-B2840D069A1A}"/>
               </a:ext>
             </a:extLst>
           </p:cNvPr>
@@ -2751,7 +2752,7 @@
           <p:cNvPr id="3" name="날짜 개체 틀 2">
             <a:extLst>
               <a:ext uri="{FF2B5EF4-FFF2-40B4-BE49-F238E27FC236}">
-                <a16:creationId xmlns:a16="http://schemas.microsoft.com/office/drawing/2014/main" id="{DA1DA211-366F-3C69-180B-B98CC283C650}"/>
+                <a16:creationId xmlns:a16="http://schemas.microsoft.com/office/drawing/2014/main" xmlns="" id="{DA1DA211-366F-3C69-180B-B98CC283C650}"/>
               </a:ext>
             </a:extLst>
           </p:cNvPr>
@@ -2769,7 +2770,7 @@
           <a:p>
             <a:fld id="{E0917728-FF84-4733-94D9-96477C72F7D6}" type="datetimeFigureOut">
               <a:rPr lang="ko-KR" altLang="en-US" smtClean="0"/>
-              <a:t>2025-02-26</a:t>
+              <a:t>2025-02-27</a:t>
             </a:fld>
             <a:endParaRPr lang="ko-KR" altLang="en-US"/>
           </a:p>
@@ -2780,7 +2781,7 @@
           <p:cNvPr id="4" name="바닥글 개체 틀 3">
             <a:extLst>
               <a:ext uri="{FF2B5EF4-FFF2-40B4-BE49-F238E27FC236}">
-                <a16:creationId xmlns:a16="http://schemas.microsoft.com/office/drawing/2014/main" id="{621FB0FB-6873-E18F-060A-D6A11D7BB581}"/>
+                <a16:creationId xmlns:a16="http://schemas.microsoft.com/office/drawing/2014/main" xmlns="" id="{621FB0FB-6873-E18F-060A-D6A11D7BB581}"/>
               </a:ext>
             </a:extLst>
           </p:cNvPr>
@@ -2805,7 +2806,7 @@
           <p:cNvPr id="5" name="슬라이드 번호 개체 틀 4">
             <a:extLst>
               <a:ext uri="{FF2B5EF4-FFF2-40B4-BE49-F238E27FC236}">
-                <a16:creationId xmlns:a16="http://schemas.microsoft.com/office/drawing/2014/main" id="{9C0CE81C-E8C3-B810-9D88-E89FB0371290}"/>
+                <a16:creationId xmlns:a16="http://schemas.microsoft.com/office/drawing/2014/main" xmlns="" id="{9C0CE81C-E8C3-B810-9D88-E89FB0371290}"/>
               </a:ext>
             </a:extLst>
           </p:cNvPr>
@@ -2864,7 +2865,7 @@
           <p:cNvPr id="2" name="날짜 개체 틀 1">
             <a:extLst>
               <a:ext uri="{FF2B5EF4-FFF2-40B4-BE49-F238E27FC236}">
-                <a16:creationId xmlns:a16="http://schemas.microsoft.com/office/drawing/2014/main" id="{6539BE36-2BBD-C56A-5430-CC6EB9A109E4}"/>
+                <a16:creationId xmlns:a16="http://schemas.microsoft.com/office/drawing/2014/main" xmlns="" id="{6539BE36-2BBD-C56A-5430-CC6EB9A109E4}"/>
               </a:ext>
             </a:extLst>
           </p:cNvPr>
@@ -2882,7 +2883,7 @@
           <a:p>
             <a:fld id="{E0917728-FF84-4733-94D9-96477C72F7D6}" type="datetimeFigureOut">
               <a:rPr lang="ko-KR" altLang="en-US" smtClean="0"/>
-              <a:t>2025-02-26</a:t>
+              <a:t>2025-02-27</a:t>
             </a:fld>
             <a:endParaRPr lang="ko-KR" altLang="en-US"/>
           </a:p>
@@ -2893,7 +2894,7 @@
           <p:cNvPr id="3" name="바닥글 개체 틀 2">
             <a:extLst>
               <a:ext uri="{FF2B5EF4-FFF2-40B4-BE49-F238E27FC236}">
-                <a16:creationId xmlns:a16="http://schemas.microsoft.com/office/drawing/2014/main" id="{78F671AC-45D8-CF62-4829-91D77EC60932}"/>
+                <a16:creationId xmlns:a16="http://schemas.microsoft.com/office/drawing/2014/main" xmlns="" id="{78F671AC-45D8-CF62-4829-91D77EC60932}"/>
               </a:ext>
             </a:extLst>
           </p:cNvPr>
@@ -2918,7 +2919,7 @@
           <p:cNvPr id="4" name="슬라이드 번호 개체 틀 3">
             <a:extLst>
               <a:ext uri="{FF2B5EF4-FFF2-40B4-BE49-F238E27FC236}">
-                <a16:creationId xmlns:a16="http://schemas.microsoft.com/office/drawing/2014/main" id="{DCDA8975-267D-7D2E-4AE9-863F8F0554E2}"/>
+                <a16:creationId xmlns:a16="http://schemas.microsoft.com/office/drawing/2014/main" xmlns="" id="{DCDA8975-267D-7D2E-4AE9-863F8F0554E2}"/>
               </a:ext>
             </a:extLst>
           </p:cNvPr>
@@ -2977,7 +2978,7 @@
           <p:cNvPr id="2" name="제목 1">
             <a:extLst>
               <a:ext uri="{FF2B5EF4-FFF2-40B4-BE49-F238E27FC236}">
-                <a16:creationId xmlns:a16="http://schemas.microsoft.com/office/drawing/2014/main" id="{21294700-5166-0543-9F04-C3BC542C82E3}"/>
+                <a16:creationId xmlns:a16="http://schemas.microsoft.com/office/drawing/2014/main" xmlns="" id="{21294700-5166-0543-9F04-C3BC542C82E3}"/>
               </a:ext>
             </a:extLst>
           </p:cNvPr>
@@ -3014,7 +3015,7 @@
           <p:cNvPr id="3" name="내용 개체 틀 2">
             <a:extLst>
               <a:ext uri="{FF2B5EF4-FFF2-40B4-BE49-F238E27FC236}">
-                <a16:creationId xmlns:a16="http://schemas.microsoft.com/office/drawing/2014/main" id="{818BF95C-410C-0FCB-0D8D-78EEDD54A360}"/>
+                <a16:creationId xmlns:a16="http://schemas.microsoft.com/office/drawing/2014/main" xmlns="" id="{818BF95C-410C-0FCB-0D8D-78EEDD54A360}"/>
               </a:ext>
             </a:extLst>
           </p:cNvPr>
@@ -3104,7 +3105,7 @@
           <p:cNvPr id="4" name="텍스트 개체 틀 3">
             <a:extLst>
               <a:ext uri="{FF2B5EF4-FFF2-40B4-BE49-F238E27FC236}">
-                <a16:creationId xmlns:a16="http://schemas.microsoft.com/office/drawing/2014/main" id="{B7A31AAF-4997-2455-95CE-3B5C94BC602F}"/>
+                <a16:creationId xmlns:a16="http://schemas.microsoft.com/office/drawing/2014/main" xmlns="" id="{B7A31AAF-4997-2455-95CE-3B5C94BC602F}"/>
               </a:ext>
             </a:extLst>
           </p:cNvPr>
@@ -3175,7 +3176,7 @@
           <p:cNvPr id="5" name="날짜 개체 틀 4">
             <a:extLst>
               <a:ext uri="{FF2B5EF4-FFF2-40B4-BE49-F238E27FC236}">
-                <a16:creationId xmlns:a16="http://schemas.microsoft.com/office/drawing/2014/main" id="{F4E9D385-8F1B-2921-0888-E2FDD6C7164B}"/>
+                <a16:creationId xmlns:a16="http://schemas.microsoft.com/office/drawing/2014/main" xmlns="" id="{F4E9D385-8F1B-2921-0888-E2FDD6C7164B}"/>
               </a:ext>
             </a:extLst>
           </p:cNvPr>
@@ -3193,7 +3194,7 @@
           <a:p>
             <a:fld id="{E0917728-FF84-4733-94D9-96477C72F7D6}" type="datetimeFigureOut">
               <a:rPr lang="ko-KR" altLang="en-US" smtClean="0"/>
-              <a:t>2025-02-26</a:t>
+              <a:t>2025-02-27</a:t>
             </a:fld>
             <a:endParaRPr lang="ko-KR" altLang="en-US"/>
           </a:p>
@@ -3204,7 +3205,7 @@
           <p:cNvPr id="6" name="바닥글 개체 틀 5">
             <a:extLst>
               <a:ext uri="{FF2B5EF4-FFF2-40B4-BE49-F238E27FC236}">
-                <a16:creationId xmlns:a16="http://schemas.microsoft.com/office/drawing/2014/main" id="{74803FAA-41F6-3A6A-3DDC-5D0FA69FE797}"/>
+                <a16:creationId xmlns:a16="http://schemas.microsoft.com/office/drawing/2014/main" xmlns="" id="{74803FAA-41F6-3A6A-3DDC-5D0FA69FE797}"/>
               </a:ext>
             </a:extLst>
           </p:cNvPr>
@@ -3229,7 +3230,7 @@
           <p:cNvPr id="7" name="슬라이드 번호 개체 틀 6">
             <a:extLst>
               <a:ext uri="{FF2B5EF4-FFF2-40B4-BE49-F238E27FC236}">
-                <a16:creationId xmlns:a16="http://schemas.microsoft.com/office/drawing/2014/main" id="{BB7326E7-1EC4-1CAB-6724-F70D2F78DB07}"/>
+                <a16:creationId xmlns:a16="http://schemas.microsoft.com/office/drawing/2014/main" xmlns="" id="{BB7326E7-1EC4-1CAB-6724-F70D2F78DB07}"/>
               </a:ext>
             </a:extLst>
           </p:cNvPr>
@@ -3288,7 +3289,7 @@
           <p:cNvPr id="2" name="제목 1">
             <a:extLst>
               <a:ext uri="{FF2B5EF4-FFF2-40B4-BE49-F238E27FC236}">
-                <a16:creationId xmlns:a16="http://schemas.microsoft.com/office/drawing/2014/main" id="{B0A437B4-DCF7-889F-AC43-55A980B8D9B0}"/>
+                <a16:creationId xmlns:a16="http://schemas.microsoft.com/office/drawing/2014/main" xmlns="" id="{B0A437B4-DCF7-889F-AC43-55A980B8D9B0}"/>
               </a:ext>
             </a:extLst>
           </p:cNvPr>
@@ -3325,7 +3326,7 @@
           <p:cNvPr id="3" name="그림 개체 틀 2">
             <a:extLst>
               <a:ext uri="{FF2B5EF4-FFF2-40B4-BE49-F238E27FC236}">
-                <a16:creationId xmlns:a16="http://schemas.microsoft.com/office/drawing/2014/main" id="{3D99663C-587F-24DA-D777-838799D425DC}"/>
+                <a16:creationId xmlns:a16="http://schemas.microsoft.com/office/drawing/2014/main" xmlns="" id="{3D99663C-587F-24DA-D777-838799D425DC}"/>
               </a:ext>
             </a:extLst>
           </p:cNvPr>
@@ -3392,7 +3393,7 @@
           <p:cNvPr id="4" name="텍스트 개체 틀 3">
             <a:extLst>
               <a:ext uri="{FF2B5EF4-FFF2-40B4-BE49-F238E27FC236}">
-                <a16:creationId xmlns:a16="http://schemas.microsoft.com/office/drawing/2014/main" id="{5CD40B18-171C-2BE4-864B-CF942902731A}"/>
+                <a16:creationId xmlns:a16="http://schemas.microsoft.com/office/drawing/2014/main" xmlns="" id="{5CD40B18-171C-2BE4-864B-CF942902731A}"/>
               </a:ext>
             </a:extLst>
           </p:cNvPr>
@@ -3463,7 +3464,7 @@
           <p:cNvPr id="5" name="날짜 개체 틀 4">
             <a:extLst>
               <a:ext uri="{FF2B5EF4-FFF2-40B4-BE49-F238E27FC236}">
-                <a16:creationId xmlns:a16="http://schemas.microsoft.com/office/drawing/2014/main" id="{861B8F27-A36E-B59E-131A-BF85162FB552}"/>
+                <a16:creationId xmlns:a16="http://schemas.microsoft.com/office/drawing/2014/main" xmlns="" id="{861B8F27-A36E-B59E-131A-BF85162FB552}"/>
               </a:ext>
             </a:extLst>
           </p:cNvPr>
@@ -3481,7 +3482,7 @@
           <a:p>
             <a:fld id="{E0917728-FF84-4733-94D9-96477C72F7D6}" type="datetimeFigureOut">
               <a:rPr lang="ko-KR" altLang="en-US" smtClean="0"/>
-              <a:t>2025-02-26</a:t>
+              <a:t>2025-02-27</a:t>
             </a:fld>
             <a:endParaRPr lang="ko-KR" altLang="en-US"/>
           </a:p>
@@ -3492,7 +3493,7 @@
           <p:cNvPr id="6" name="바닥글 개체 틀 5">
             <a:extLst>
               <a:ext uri="{FF2B5EF4-FFF2-40B4-BE49-F238E27FC236}">
-                <a16:creationId xmlns:a16="http://schemas.microsoft.com/office/drawing/2014/main" id="{AF76A810-1CAA-2912-F6D8-8F5A53E12C17}"/>
+                <a16:creationId xmlns:a16="http://schemas.microsoft.com/office/drawing/2014/main" xmlns="" id="{AF76A810-1CAA-2912-F6D8-8F5A53E12C17}"/>
               </a:ext>
             </a:extLst>
           </p:cNvPr>
@@ -3517,7 +3518,7 @@
           <p:cNvPr id="7" name="슬라이드 번호 개체 틀 6">
             <a:extLst>
               <a:ext uri="{FF2B5EF4-FFF2-40B4-BE49-F238E27FC236}">
-                <a16:creationId xmlns:a16="http://schemas.microsoft.com/office/drawing/2014/main" id="{5AE84830-3613-9AFB-BACE-8228E77BDDE4}"/>
+                <a16:creationId xmlns:a16="http://schemas.microsoft.com/office/drawing/2014/main" xmlns="" id="{5AE84830-3613-9AFB-BACE-8228E77BDDE4}"/>
               </a:ext>
             </a:extLst>
           </p:cNvPr>
@@ -3581,7 +3582,7 @@
           <p:cNvPr id="2" name="제목 개체 틀 1">
             <a:extLst>
               <a:ext uri="{FF2B5EF4-FFF2-40B4-BE49-F238E27FC236}">
-                <a16:creationId xmlns:a16="http://schemas.microsoft.com/office/drawing/2014/main" id="{2E5569DF-56D7-C7A2-53AA-EF726ECB14AF}"/>
+                <a16:creationId xmlns:a16="http://schemas.microsoft.com/office/drawing/2014/main" xmlns="" id="{2E5569DF-56D7-C7A2-53AA-EF726ECB14AF}"/>
               </a:ext>
             </a:extLst>
           </p:cNvPr>
@@ -3619,7 +3620,7 @@
           <p:cNvPr id="3" name="텍스트 개체 틀 2">
             <a:extLst>
               <a:ext uri="{FF2B5EF4-FFF2-40B4-BE49-F238E27FC236}">
-                <a16:creationId xmlns:a16="http://schemas.microsoft.com/office/drawing/2014/main" id="{81E7C24D-A503-11FC-C915-D138EFE0C72E}"/>
+                <a16:creationId xmlns:a16="http://schemas.microsoft.com/office/drawing/2014/main" xmlns="" id="{81E7C24D-A503-11FC-C915-D138EFE0C72E}"/>
               </a:ext>
             </a:extLst>
           </p:cNvPr>
@@ -3686,7 +3687,7 @@
           <p:cNvPr id="4" name="날짜 개체 틀 3">
             <a:extLst>
               <a:ext uri="{FF2B5EF4-FFF2-40B4-BE49-F238E27FC236}">
-                <a16:creationId xmlns:a16="http://schemas.microsoft.com/office/drawing/2014/main" id="{1A92F23E-29F0-6012-74E7-EBF6B57CFCF3}"/>
+                <a16:creationId xmlns:a16="http://schemas.microsoft.com/office/drawing/2014/main" xmlns="" id="{1A92F23E-29F0-6012-74E7-EBF6B57CFCF3}"/>
               </a:ext>
             </a:extLst>
           </p:cNvPr>
@@ -3722,7 +3723,7 @@
           <a:p>
             <a:fld id="{E0917728-FF84-4733-94D9-96477C72F7D6}" type="datetimeFigureOut">
               <a:rPr lang="ko-KR" altLang="en-US" smtClean="0"/>
-              <a:t>2025-02-26</a:t>
+              <a:t>2025-02-27</a:t>
             </a:fld>
             <a:endParaRPr lang="ko-KR" altLang="en-US"/>
           </a:p>
@@ -3733,7 +3734,7 @@
           <p:cNvPr id="5" name="바닥글 개체 틀 4">
             <a:extLst>
               <a:ext uri="{FF2B5EF4-FFF2-40B4-BE49-F238E27FC236}">
-                <a16:creationId xmlns:a16="http://schemas.microsoft.com/office/drawing/2014/main" id="{F7C48327-11E1-F4F4-ECE5-F39C6ADB39A5}"/>
+                <a16:creationId xmlns:a16="http://schemas.microsoft.com/office/drawing/2014/main" xmlns="" id="{F7C48327-11E1-F4F4-ECE5-F39C6ADB39A5}"/>
               </a:ext>
             </a:extLst>
           </p:cNvPr>
@@ -3776,7 +3777,7 @@
           <p:cNvPr id="6" name="슬라이드 번호 개체 틀 5">
             <a:extLst>
               <a:ext uri="{FF2B5EF4-FFF2-40B4-BE49-F238E27FC236}">
-                <a16:creationId xmlns:a16="http://schemas.microsoft.com/office/drawing/2014/main" id="{FE7B1FF4-824B-8C28-5C72-11A5887750DA}"/>
+                <a16:creationId xmlns:a16="http://schemas.microsoft.com/office/drawing/2014/main" xmlns="" id="{FE7B1FF4-824B-8C28-5C72-11A5887750DA}"/>
               </a:ext>
             </a:extLst>
           </p:cNvPr>
@@ -4144,7 +4145,7 @@
           <p:cNvPr id="2" name="제목 1">
             <a:extLst>
               <a:ext uri="{FF2B5EF4-FFF2-40B4-BE49-F238E27FC236}">
-                <a16:creationId xmlns:a16="http://schemas.microsoft.com/office/drawing/2014/main" id="{024DE9E7-37EB-9BB2-C5B6-509C444FC446}"/>
+                <a16:creationId xmlns:a16="http://schemas.microsoft.com/office/drawing/2014/main" xmlns="" id="{024DE9E7-37EB-9BB2-C5B6-509C444FC446}"/>
               </a:ext>
             </a:extLst>
           </p:cNvPr>
@@ -4164,6 +4165,10 @@
               <a:rPr lang="ko-KR" altLang="en-US" dirty="0"/>
               <a:t>인과추론 스터디</a:t>
             </a:r>
+            <a:r>
+              <a:rPr lang="en-US" altLang="ko-KR" dirty="0"/>
+              <a:t/>
+            </a:r>
             <a:br>
               <a:rPr lang="en-US" altLang="ko-KR" dirty="0"/>
             </a:br>
@@ -4183,7 +4188,7 @@
           <p:cNvPr id="3" name="부제목 2">
             <a:extLst>
               <a:ext uri="{FF2B5EF4-FFF2-40B4-BE49-F238E27FC236}">
-                <a16:creationId xmlns:a16="http://schemas.microsoft.com/office/drawing/2014/main" id="{A4FE4722-00EE-7B62-A490-7678E78D594C}"/>
+                <a16:creationId xmlns:a16="http://schemas.microsoft.com/office/drawing/2014/main" xmlns="" id="{A4FE4722-00EE-7B62-A490-7678E78D594C}"/>
               </a:ext>
             </a:extLst>
           </p:cNvPr>
@@ -4252,7 +4257,7 @@
         <p:cNvPr id="1" name="">
           <a:extLst>
             <a:ext uri="{FF2B5EF4-FFF2-40B4-BE49-F238E27FC236}">
-              <a16:creationId xmlns:a16="http://schemas.microsoft.com/office/drawing/2014/main" id="{B786F6C8-8E49-A3DB-8EEE-47833970DEC1}"/>
+              <a16:creationId xmlns:a16="http://schemas.microsoft.com/office/drawing/2014/main" xmlns="" id="{B786F6C8-8E49-A3DB-8EEE-47833970DEC1}"/>
             </a:ext>
           </a:extLst>
         </p:cNvPr>
@@ -4272,7 +4277,7 @@
           <p:cNvPr id="2" name="제목 1">
             <a:extLst>
               <a:ext uri="{FF2B5EF4-FFF2-40B4-BE49-F238E27FC236}">
-                <a16:creationId xmlns:a16="http://schemas.microsoft.com/office/drawing/2014/main" id="{AF6594A8-796A-87A0-C1E7-C5DDCB7E8B68}"/>
+                <a16:creationId xmlns:a16="http://schemas.microsoft.com/office/drawing/2014/main" xmlns="" id="{AF6594A8-796A-87A0-C1E7-C5DDCB7E8B68}"/>
               </a:ext>
             </a:extLst>
           </p:cNvPr>
@@ -4313,7 +4318,7 @@
           <p:cNvPr id="3" name="TextBox 2">
             <a:extLst>
               <a:ext uri="{FF2B5EF4-FFF2-40B4-BE49-F238E27FC236}">
-                <a16:creationId xmlns:a16="http://schemas.microsoft.com/office/drawing/2014/main" id="{C9C0709E-4DBB-1CD8-9EA0-8AF0ACC5C719}"/>
+                <a16:creationId xmlns:a16="http://schemas.microsoft.com/office/drawing/2014/main" xmlns="" id="{C9C0709E-4DBB-1CD8-9EA0-8AF0ACC5C719}"/>
               </a:ext>
             </a:extLst>
           </p:cNvPr>
@@ -4390,7 +4395,7 @@
           <p:cNvPr id="6" name="TextBox 5">
             <a:extLst>
               <a:ext uri="{FF2B5EF4-FFF2-40B4-BE49-F238E27FC236}">
-                <a16:creationId xmlns:a16="http://schemas.microsoft.com/office/drawing/2014/main" id="{81ED78ED-A981-A9C1-2516-37A53788850C}"/>
+                <a16:creationId xmlns:a16="http://schemas.microsoft.com/office/drawing/2014/main" xmlns="" id="{81ED78ED-A981-A9C1-2516-37A53788850C}"/>
               </a:ext>
             </a:extLst>
           </p:cNvPr>
@@ -4425,7 +4430,7 @@
           <p:cNvPr id="8" name="그림 7">
             <a:extLst>
               <a:ext uri="{FF2B5EF4-FFF2-40B4-BE49-F238E27FC236}">
-                <a16:creationId xmlns:a16="http://schemas.microsoft.com/office/drawing/2014/main" id="{F3D11698-0677-FD15-723C-95BB891ECFBB}"/>
+                <a16:creationId xmlns:a16="http://schemas.microsoft.com/office/drawing/2014/main" xmlns="" id="{F3D11698-0677-FD15-723C-95BB891ECFBB}"/>
               </a:ext>
             </a:extLst>
           </p:cNvPr>
@@ -4455,7 +4460,7 @@
           <p:cNvPr id="9" name="TextBox 8">
             <a:extLst>
               <a:ext uri="{FF2B5EF4-FFF2-40B4-BE49-F238E27FC236}">
-                <a16:creationId xmlns:a16="http://schemas.microsoft.com/office/drawing/2014/main" id="{AA7F6A45-496D-7228-2699-B080CCAFE949}"/>
+                <a16:creationId xmlns:a16="http://schemas.microsoft.com/office/drawing/2014/main" xmlns="" id="{AA7F6A45-496D-7228-2699-B080CCAFE949}"/>
               </a:ext>
             </a:extLst>
           </p:cNvPr>
@@ -4562,7 +4567,7 @@
         <p:cNvPr id="1" name="">
           <a:extLst>
             <a:ext uri="{FF2B5EF4-FFF2-40B4-BE49-F238E27FC236}">
-              <a16:creationId xmlns:a16="http://schemas.microsoft.com/office/drawing/2014/main" id="{56678BA4-0865-2BFC-6BD8-65A918B0B2EE}"/>
+              <a16:creationId xmlns:a16="http://schemas.microsoft.com/office/drawing/2014/main" xmlns="" id="{56678BA4-0865-2BFC-6BD8-65A918B0B2EE}"/>
             </a:ext>
           </a:extLst>
         </p:cNvPr>
@@ -4582,7 +4587,7 @@
           <p:cNvPr id="2" name="제목 1">
             <a:extLst>
               <a:ext uri="{FF2B5EF4-FFF2-40B4-BE49-F238E27FC236}">
-                <a16:creationId xmlns:a16="http://schemas.microsoft.com/office/drawing/2014/main" id="{FD96E466-787D-C5FE-2619-2927F3384139}"/>
+                <a16:creationId xmlns:a16="http://schemas.microsoft.com/office/drawing/2014/main" xmlns="" id="{FD96E466-787D-C5FE-2619-2927F3384139}"/>
               </a:ext>
             </a:extLst>
           </p:cNvPr>
@@ -4610,7 +4615,7 @@
           <p:cNvPr id="3" name="TextBox 2">
             <a:extLst>
               <a:ext uri="{FF2B5EF4-FFF2-40B4-BE49-F238E27FC236}">
-                <a16:creationId xmlns:a16="http://schemas.microsoft.com/office/drawing/2014/main" id="{6D0E72E5-020D-7763-4D96-2F6BA63A279A}"/>
+                <a16:creationId xmlns:a16="http://schemas.microsoft.com/office/drawing/2014/main" xmlns="" id="{6D0E72E5-020D-7763-4D96-2F6BA63A279A}"/>
               </a:ext>
             </a:extLst>
           </p:cNvPr>
@@ -4774,7 +4779,7 @@
           <p:cNvPr id="5" name="그림 4">
             <a:extLst>
               <a:ext uri="{FF2B5EF4-FFF2-40B4-BE49-F238E27FC236}">
-                <a16:creationId xmlns:a16="http://schemas.microsoft.com/office/drawing/2014/main" id="{CFF18470-1E7F-5FC3-601A-B4714E03AC9A}"/>
+                <a16:creationId xmlns:a16="http://schemas.microsoft.com/office/drawing/2014/main" xmlns="" id="{CFF18470-1E7F-5FC3-601A-B4714E03AC9A}"/>
               </a:ext>
             </a:extLst>
           </p:cNvPr>
@@ -4804,7 +4809,7 @@
           <p:cNvPr id="6" name="TextBox 5">
             <a:extLst>
               <a:ext uri="{FF2B5EF4-FFF2-40B4-BE49-F238E27FC236}">
-                <a16:creationId xmlns:a16="http://schemas.microsoft.com/office/drawing/2014/main" id="{115131B1-E089-4B6C-A6C1-10849C79C4DA}"/>
+                <a16:creationId xmlns:a16="http://schemas.microsoft.com/office/drawing/2014/main" xmlns="" id="{115131B1-E089-4B6C-A6C1-10849C79C4DA}"/>
               </a:ext>
             </a:extLst>
           </p:cNvPr>
@@ -4861,7 +4866,7 @@
           <p:cNvPr id="8" name="그림 7">
             <a:extLst>
               <a:ext uri="{FF2B5EF4-FFF2-40B4-BE49-F238E27FC236}">
-                <a16:creationId xmlns:a16="http://schemas.microsoft.com/office/drawing/2014/main" id="{E7C898DB-1C3E-A694-CECF-22745B47B0B5}"/>
+                <a16:creationId xmlns:a16="http://schemas.microsoft.com/office/drawing/2014/main" xmlns="" id="{E7C898DB-1C3E-A694-CECF-22745B47B0B5}"/>
               </a:ext>
             </a:extLst>
           </p:cNvPr>
@@ -4891,7 +4896,7 @@
           <p:cNvPr id="9" name="TextBox 8">
             <a:extLst>
               <a:ext uri="{FF2B5EF4-FFF2-40B4-BE49-F238E27FC236}">
-                <a16:creationId xmlns:a16="http://schemas.microsoft.com/office/drawing/2014/main" id="{7055277F-B70F-42A5-915C-40B2728B5B6D}"/>
+                <a16:creationId xmlns:a16="http://schemas.microsoft.com/office/drawing/2014/main" xmlns="" id="{7055277F-B70F-42A5-915C-40B2728B5B6D}"/>
               </a:ext>
             </a:extLst>
           </p:cNvPr>
@@ -4935,7 +4940,7 @@
           <p:cNvPr id="10" name="TextBox 9">
             <a:extLst>
               <a:ext uri="{FF2B5EF4-FFF2-40B4-BE49-F238E27FC236}">
-                <a16:creationId xmlns:a16="http://schemas.microsoft.com/office/drawing/2014/main" id="{8EC0C2F8-4024-FECF-E106-6ECDC1D94DA5}"/>
+                <a16:creationId xmlns:a16="http://schemas.microsoft.com/office/drawing/2014/main" xmlns="" id="{8EC0C2F8-4024-FECF-E106-6ECDC1D94DA5}"/>
               </a:ext>
             </a:extLst>
           </p:cNvPr>
@@ -4979,7 +4984,7 @@
           <p:cNvPr id="11" name="TextBox 10">
             <a:extLst>
               <a:ext uri="{FF2B5EF4-FFF2-40B4-BE49-F238E27FC236}">
-                <a16:creationId xmlns:a16="http://schemas.microsoft.com/office/drawing/2014/main" id="{BDFF4FDA-0ECA-C5D3-5680-20E037440441}"/>
+                <a16:creationId xmlns:a16="http://schemas.microsoft.com/office/drawing/2014/main" xmlns="" id="{BDFF4FDA-0ECA-C5D3-5680-20E037440441}"/>
               </a:ext>
             </a:extLst>
           </p:cNvPr>
@@ -5023,7 +5028,7 @@
           <p:cNvPr id="12" name="TextBox 11">
             <a:extLst>
               <a:ext uri="{FF2B5EF4-FFF2-40B4-BE49-F238E27FC236}">
-                <a16:creationId xmlns:a16="http://schemas.microsoft.com/office/drawing/2014/main" id="{5C8974CD-16A2-1BA5-6628-82A2A47F8625}"/>
+                <a16:creationId xmlns:a16="http://schemas.microsoft.com/office/drawing/2014/main" xmlns="" id="{5C8974CD-16A2-1BA5-6628-82A2A47F8625}"/>
               </a:ext>
             </a:extLst>
           </p:cNvPr>
@@ -5090,7 +5095,7 @@
           <p:cNvPr id="14" name="직선 화살표 연결선 13">
             <a:extLst>
               <a:ext uri="{FF2B5EF4-FFF2-40B4-BE49-F238E27FC236}">
-                <a16:creationId xmlns:a16="http://schemas.microsoft.com/office/drawing/2014/main" id="{24F8A455-FDB8-E548-BEE2-A5959418C5CE}"/>
+                <a16:creationId xmlns:a16="http://schemas.microsoft.com/office/drawing/2014/main" xmlns="" id="{24F8A455-FDB8-E548-BEE2-A5959418C5CE}"/>
               </a:ext>
             </a:extLst>
           </p:cNvPr>
@@ -5129,7 +5134,7 @@
           <p:cNvPr id="15" name="직사각형 14">
             <a:extLst>
               <a:ext uri="{FF2B5EF4-FFF2-40B4-BE49-F238E27FC236}">
-                <a16:creationId xmlns:a16="http://schemas.microsoft.com/office/drawing/2014/main" id="{A7320CF3-3CD4-7041-57A5-EF271EEBE66A}"/>
+                <a16:creationId xmlns:a16="http://schemas.microsoft.com/office/drawing/2014/main" xmlns="" id="{A7320CF3-3CD4-7041-57A5-EF271EEBE66A}"/>
               </a:ext>
             </a:extLst>
           </p:cNvPr>
@@ -5171,14 +5176,14 @@
           </a:p>
         </p:txBody>
       </p:sp>
-      <mc:AlternateContent xmlns:mc="http://schemas.openxmlformats.org/markup-compatibility/2006">
-        <mc:Choice xmlns:a14="http://schemas.microsoft.com/office/drawing/2010/main" Requires="a14">
+      <mc:AlternateContent xmlns:mc="http://schemas.openxmlformats.org/markup-compatibility/2006" xmlns:a14="http://schemas.microsoft.com/office/drawing/2010/main">
+        <mc:Choice Requires="a14">
           <p:sp>
             <p:nvSpPr>
               <p:cNvPr id="16" name="TextBox 15">
                 <a:extLst>
                   <a:ext uri="{FF2B5EF4-FFF2-40B4-BE49-F238E27FC236}">
-                    <a16:creationId xmlns:a16="http://schemas.microsoft.com/office/drawing/2014/main" id="{00D690F2-F6DB-6C4F-AEE9-319BFBC82542}"/>
+                    <a16:creationId xmlns:a16="http://schemas.microsoft.com/office/drawing/2014/main" xmlns="" id="{00D690F2-F6DB-6C4F-AEE9-319BFBC82542}"/>
                   </a:ext>
                 </a:extLst>
               </p:cNvPr>
@@ -5201,6 +5206,7 @@
               </a:bodyPr>
               <a:lstStyle/>
               <a:p>
+                <a:pPr/>
                 <a14:m>
                   <m:oMathPara xmlns:m="http://schemas.openxmlformats.org/officeDocument/2006/math">
                     <m:oMathParaPr>
@@ -5601,7 +5607,7 @@
             </p:txBody>
           </p:sp>
         </mc:Choice>
-        <mc:Fallback>
+        <mc:Fallback xmlns="">
           <p:sp>
             <p:nvSpPr>
               <p:cNvPr id="16" name="TextBox 15">
@@ -5651,7 +5657,7 @@
           <p:cNvPr id="17" name="왼쪽 중괄호 16">
             <a:extLst>
               <a:ext uri="{FF2B5EF4-FFF2-40B4-BE49-F238E27FC236}">
-                <a16:creationId xmlns:a16="http://schemas.microsoft.com/office/drawing/2014/main" id="{B39C11B3-28BF-9606-6407-49CA69D50D18}"/>
+                <a16:creationId xmlns:a16="http://schemas.microsoft.com/office/drawing/2014/main" xmlns="" id="{B39C11B3-28BF-9606-6407-49CA69D50D18}"/>
               </a:ext>
             </a:extLst>
           </p:cNvPr>
@@ -5695,7 +5701,7 @@
           <p:cNvPr id="18" name="TextBox 17">
             <a:extLst>
               <a:ext uri="{FF2B5EF4-FFF2-40B4-BE49-F238E27FC236}">
-                <a16:creationId xmlns:a16="http://schemas.microsoft.com/office/drawing/2014/main" id="{A391AE3E-87CB-ADD5-6A6D-31FD1104BE4A}"/>
+                <a16:creationId xmlns:a16="http://schemas.microsoft.com/office/drawing/2014/main" xmlns="" id="{A391AE3E-87CB-ADD5-6A6D-31FD1104BE4A}"/>
               </a:ext>
             </a:extLst>
           </p:cNvPr>
@@ -5744,6 +5750,60 @@
               <a:t>. WHY?</a:t>
             </a:r>
             <a:endParaRPr lang="ko-KR" altLang="en-US" dirty="0"/>
+          </a:p>
+        </p:txBody>
+      </p:sp>
+      <p:sp>
+        <p:nvSpPr>
+          <p:cNvPr id="4" name="TextBox 3"/>
+          <p:cNvSpPr txBox="1"/>
+          <p:nvPr/>
+        </p:nvSpPr>
+        <p:spPr>
+          <a:xfrm>
+            <a:off x="3373992" y="919096"/>
+            <a:ext cx="2806833" cy="369332"/>
+          </a:xfrm>
+          <a:prstGeom prst="rect">
+            <a:avLst/>
+          </a:prstGeom>
+          <a:noFill/>
+        </p:spPr>
+        <p:txBody>
+          <a:bodyPr wrap="square" rtlCol="0">
+            <a:spAutoFit/>
+          </a:bodyPr>
+          <a:lstStyle/>
+          <a:p>
+            <a:r>
+              <a:rPr lang="ko-KR" altLang="en-US" dirty="0" smtClean="0">
+                <a:solidFill>
+                  <a:schemeClr val="accent1"/>
+                </a:solidFill>
+              </a:rPr>
+              <a:t>편향의 </a:t>
+            </a:r>
+            <a:r>
+              <a:rPr lang="ko-KR" altLang="en-US" dirty="0" err="1" smtClean="0">
+                <a:solidFill>
+                  <a:schemeClr val="accent1"/>
+                </a:solidFill>
+              </a:rPr>
+              <a:t>두번째</a:t>
+            </a:r>
+            <a:r>
+              <a:rPr lang="ko-KR" altLang="en-US" dirty="0" smtClean="0">
+                <a:solidFill>
+                  <a:schemeClr val="accent1"/>
+                </a:solidFill>
+              </a:rPr>
+              <a:t> 원인</a:t>
+            </a:r>
+            <a:endParaRPr lang="ko-KR" altLang="en-US" dirty="0">
+              <a:solidFill>
+                <a:schemeClr val="accent1"/>
+              </a:solidFill>
+            </a:endParaRPr>
           </a:p>
         </p:txBody>
       </p:sp>
@@ -5768,7 +5828,7 @@
         <p:cNvPr id="1" name="">
           <a:extLst>
             <a:ext uri="{FF2B5EF4-FFF2-40B4-BE49-F238E27FC236}">
-              <a16:creationId xmlns:a16="http://schemas.microsoft.com/office/drawing/2014/main" id="{33303756-B2E2-6670-41CA-DC3B049BED99}"/>
+              <a16:creationId xmlns:a16="http://schemas.microsoft.com/office/drawing/2014/main" xmlns="" id="{33303756-B2E2-6670-41CA-DC3B049BED99}"/>
             </a:ext>
           </a:extLst>
         </p:cNvPr>
@@ -5788,7 +5848,7 @@
           <p:cNvPr id="2" name="제목 1">
             <a:extLst>
               <a:ext uri="{FF2B5EF4-FFF2-40B4-BE49-F238E27FC236}">
-                <a16:creationId xmlns:a16="http://schemas.microsoft.com/office/drawing/2014/main" id="{6F808533-2749-56D9-16F5-73CA1E9C5D8D}"/>
+                <a16:creationId xmlns:a16="http://schemas.microsoft.com/office/drawing/2014/main" xmlns="" id="{6F808533-2749-56D9-16F5-73CA1E9C5D8D}"/>
               </a:ext>
             </a:extLst>
           </p:cNvPr>
@@ -5812,10 +5872,329 @@
           </a:p>
         </p:txBody>
       </p:sp>
+      <p:pic>
+        <p:nvPicPr>
+          <p:cNvPr id="3" name="그림 2"/>
+          <p:cNvPicPr>
+            <a:picLocks noChangeAspect="1"/>
+          </p:cNvPicPr>
+          <p:nvPr/>
+        </p:nvPicPr>
+        <p:blipFill>
+          <a:blip r:embed="rId2"/>
+          <a:stretch>
+            <a:fillRect/>
+          </a:stretch>
+        </p:blipFill>
+        <p:spPr>
+          <a:xfrm>
+            <a:off x="728254" y="1822676"/>
+            <a:ext cx="6781800" cy="4257675"/>
+          </a:xfrm>
+          <a:prstGeom prst="rect">
+            <a:avLst/>
+          </a:prstGeom>
+        </p:spPr>
+      </p:pic>
+      <p:sp>
+        <p:nvSpPr>
+          <p:cNvPr id="4" name="TextBox 3"/>
+          <p:cNvSpPr txBox="1"/>
+          <p:nvPr/>
+        </p:nvSpPr>
+        <p:spPr>
+          <a:xfrm>
+            <a:off x="7663543" y="2290354"/>
+            <a:ext cx="3779520" cy="3139321"/>
+          </a:xfrm>
+          <a:prstGeom prst="rect">
+            <a:avLst/>
+          </a:prstGeom>
+          <a:noFill/>
+        </p:spPr>
+        <p:txBody>
+          <a:bodyPr wrap="square" rtlCol="0">
+            <a:spAutoFit/>
+          </a:bodyPr>
+          <a:lstStyle/>
+          <a:p>
+            <a:r>
+              <a:rPr lang="en-US" altLang="ko-KR" dirty="0" smtClean="0"/>
+              <a:t>Variable vector Z</a:t>
+            </a:r>
+            <a:r>
+              <a:rPr lang="ko-KR" altLang="en-US" smtClean="0"/>
+              <a:t>가 </a:t>
+            </a:r>
+            <a:endParaRPr lang="en-US" altLang="ko-KR" dirty="0" smtClean="0"/>
+          </a:p>
+          <a:p>
+            <a:r>
+              <a:rPr lang="ko-KR" altLang="en-US" dirty="0" smtClean="0"/>
+              <a:t>다음 조건을 만족시키면 </a:t>
+            </a:r>
+            <a:endParaRPr lang="en-US" altLang="ko-KR" dirty="0" smtClean="0"/>
+          </a:p>
+          <a:p>
+            <a:r>
+              <a:rPr lang="en-US" altLang="ko-KR" dirty="0" smtClean="0"/>
+              <a:t>Z</a:t>
+            </a:r>
+            <a:r>
+              <a:rPr lang="ko-KR" altLang="en-US" smtClean="0"/>
+              <a:t>를 통제하면 </a:t>
+            </a:r>
+            <a:r>
+              <a:rPr lang="en-US" altLang="ko-KR" dirty="0" smtClean="0"/>
+              <a:t>X</a:t>
+            </a:r>
+            <a:r>
+              <a:rPr lang="ko-KR" altLang="en-US" smtClean="0"/>
+              <a:t>와 </a:t>
+            </a:r>
+            <a:r>
+              <a:rPr lang="en-US" altLang="ko-KR" dirty="0" smtClean="0"/>
+              <a:t>Y </a:t>
+            </a:r>
+            <a:r>
+              <a:rPr lang="ko-KR" altLang="en-US" smtClean="0"/>
+              <a:t>간에 인과관계 파악이 가능하다</a:t>
+            </a:r>
+            <a:r>
+              <a:rPr lang="en-US" altLang="ko-KR" dirty="0" smtClean="0"/>
+              <a:t>.</a:t>
+            </a:r>
+          </a:p>
+          <a:p>
+            <a:endParaRPr lang="en-US" altLang="ko-KR" dirty="0"/>
+          </a:p>
+          <a:p>
+            <a:endParaRPr lang="en-US" altLang="ko-KR" dirty="0" smtClean="0"/>
+          </a:p>
+          <a:p>
+            <a:pPr marL="342900" indent="-342900">
+              <a:buAutoNum type="arabicPeriod"/>
+            </a:pPr>
+            <a:r>
+              <a:rPr lang="en-US" altLang="ko-KR" dirty="0" smtClean="0"/>
+              <a:t>Z</a:t>
+            </a:r>
+            <a:r>
+              <a:rPr lang="ko-KR" altLang="en-US" smtClean="0"/>
+              <a:t>는 </a:t>
+            </a:r>
+            <a:r>
+              <a:rPr lang="en-US" altLang="ko-KR" dirty="0" smtClean="0"/>
+              <a:t>X</a:t>
+            </a:r>
+            <a:r>
+              <a:rPr lang="ko-KR" altLang="en-US" smtClean="0"/>
+              <a:t>의 결과가 아니다</a:t>
+            </a:r>
+            <a:r>
+              <a:rPr lang="en-US" altLang="ko-KR" dirty="0" smtClean="0"/>
+              <a:t>.</a:t>
+            </a:r>
+          </a:p>
+          <a:p>
+            <a:pPr marL="342900" indent="-342900">
+              <a:buAutoNum type="arabicPeriod"/>
+            </a:pPr>
+            <a:endParaRPr lang="en-US" altLang="ko-KR" dirty="0"/>
+          </a:p>
+          <a:p>
+            <a:pPr marL="342900" indent="-342900">
+              <a:buAutoNum type="arabicPeriod"/>
+            </a:pPr>
+            <a:r>
+              <a:rPr lang="en-US" altLang="ko-KR" dirty="0" smtClean="0"/>
+              <a:t>Z</a:t>
+            </a:r>
+            <a:r>
+              <a:rPr lang="ko-KR" altLang="en-US" smtClean="0"/>
+              <a:t>는 </a:t>
+            </a:r>
+            <a:r>
+              <a:rPr lang="en-US" altLang="ko-KR" dirty="0" smtClean="0"/>
+              <a:t>X</a:t>
+            </a:r>
+            <a:r>
+              <a:rPr lang="ko-KR" altLang="en-US" smtClean="0"/>
+              <a:t>와 </a:t>
+            </a:r>
+            <a:r>
+              <a:rPr lang="en-US" altLang="ko-KR" dirty="0" smtClean="0"/>
+              <a:t>Y</a:t>
+            </a:r>
+            <a:r>
+              <a:rPr lang="ko-KR" altLang="en-US" smtClean="0"/>
+              <a:t>사이의 </a:t>
+            </a:r>
+            <a:r>
+              <a:rPr lang="en-US" altLang="ko-KR" dirty="0" smtClean="0"/>
+              <a:t>path</a:t>
+            </a:r>
+            <a:r>
+              <a:rPr lang="ko-KR" altLang="en-US" smtClean="0"/>
+              <a:t>들 중에 </a:t>
+            </a:r>
+            <a:r>
+              <a:rPr lang="en-US" altLang="ko-KR" dirty="0" smtClean="0"/>
+              <a:t>X</a:t>
+            </a:r>
+            <a:r>
+              <a:rPr lang="ko-KR" altLang="en-US" smtClean="0"/>
+              <a:t>로 들어가는 </a:t>
+            </a:r>
+            <a:r>
+              <a:rPr lang="en-US" altLang="ko-KR" dirty="0" smtClean="0"/>
+              <a:t>path</a:t>
+            </a:r>
+            <a:r>
+              <a:rPr lang="ko-KR" altLang="en-US" smtClean="0"/>
+              <a:t>들을 모두 </a:t>
+            </a:r>
+            <a:r>
+              <a:rPr lang="en-US" altLang="ko-KR" dirty="0" smtClean="0"/>
+              <a:t>block </a:t>
+            </a:r>
+            <a:r>
+              <a:rPr lang="ko-KR" altLang="en-US" smtClean="0"/>
+              <a:t>한다</a:t>
+            </a:r>
+            <a:r>
+              <a:rPr lang="en-US" altLang="ko-KR" dirty="0" smtClean="0"/>
+              <a:t>.</a:t>
+            </a:r>
+            <a:endParaRPr lang="ko-KR" altLang="en-US"/>
+          </a:p>
+        </p:txBody>
+      </p:sp>
     </p:spTree>
     <p:extLst>
       <p:ext uri="{BB962C8B-B14F-4D97-AF65-F5344CB8AC3E}">
         <p14:creationId xmlns:p14="http://schemas.microsoft.com/office/powerpoint/2010/main" val="4036440588"/>
+      </p:ext>
+    </p:extLst>
+  </p:cSld>
+  <p:clrMapOvr>
+    <a:masterClrMapping/>
+  </p:clrMapOvr>
+</p:sld>
+</file>
+
+<file path=ppt/slides/slide13.xml><?xml version="1.0" encoding="utf-8"?>
+<p:sld xmlns:a="http://schemas.openxmlformats.org/drawingml/2006/main" xmlns:r="http://schemas.openxmlformats.org/officeDocument/2006/relationships" xmlns:p="http://schemas.openxmlformats.org/presentationml/2006/main">
+  <p:cSld>
+    <p:spTree>
+      <p:nvGrpSpPr>
+        <p:cNvPr id="1" name="">
+          <a:extLst>
+            <a:ext uri="{FF2B5EF4-FFF2-40B4-BE49-F238E27FC236}">
+              <a16:creationId xmlns:a16="http://schemas.microsoft.com/office/drawing/2014/main" xmlns="" id="{33303756-B2E2-6670-41CA-DC3B049BED99}"/>
+            </a:ext>
+          </a:extLst>
+        </p:cNvPr>
+        <p:cNvGrpSpPr/>
+        <p:nvPr/>
+      </p:nvGrpSpPr>
+      <p:grpSpPr>
+        <a:xfrm>
+          <a:off x="0" y="0"/>
+          <a:ext cx="0" cy="0"/>
+          <a:chOff x="0" y="0"/>
+          <a:chExt cx="0" cy="0"/>
+        </a:xfrm>
+      </p:grpSpPr>
+      <p:sp>
+        <p:nvSpPr>
+          <p:cNvPr id="2" name="제목 1">
+            <a:extLst>
+              <a:ext uri="{FF2B5EF4-FFF2-40B4-BE49-F238E27FC236}">
+                <a16:creationId xmlns:a16="http://schemas.microsoft.com/office/drawing/2014/main" xmlns="" id="{6F808533-2749-56D9-16F5-73CA1E9C5D8D}"/>
+              </a:ext>
+            </a:extLst>
+          </p:cNvPr>
+          <p:cNvSpPr>
+            <a:spLocks noGrp="1"/>
+          </p:cNvSpPr>
+          <p:nvPr>
+            <p:ph type="title"/>
+          </p:nvPr>
+        </p:nvSpPr>
+        <p:spPr/>
+        <p:txBody>
+          <a:bodyPr/>
+          <a:lstStyle/>
+          <a:p>
+            <a:r>
+              <a:rPr lang="en-US" altLang="ko-KR" dirty="0"/>
+              <a:t>Backdoor </a:t>
+            </a:r>
+            <a:r>
+              <a:rPr lang="en-US" altLang="ko-KR" dirty="0" smtClean="0"/>
+              <a:t>Adjustment </a:t>
+            </a:r>
+            <a:r>
+              <a:rPr lang="en-US" altLang="ko-KR" dirty="0"/>
+              <a:t>(feat. Judea Pearl)</a:t>
+            </a:r>
+            <a:endParaRPr lang="ko-KR" altLang="en-US" dirty="0"/>
+          </a:p>
+        </p:txBody>
+      </p:sp>
+      <p:pic>
+        <p:nvPicPr>
+          <p:cNvPr id="5" name="그림 4"/>
+          <p:cNvPicPr>
+            <a:picLocks noChangeAspect="1"/>
+          </p:cNvPicPr>
+          <p:nvPr/>
+        </p:nvPicPr>
+        <p:blipFill>
+          <a:blip r:embed="rId2"/>
+          <a:stretch>
+            <a:fillRect/>
+          </a:stretch>
+        </p:blipFill>
+        <p:spPr>
+          <a:xfrm>
+            <a:off x="980531" y="2037806"/>
+            <a:ext cx="6043193" cy="4020094"/>
+          </a:xfrm>
+          <a:prstGeom prst="rect">
+            <a:avLst/>
+          </a:prstGeom>
+        </p:spPr>
+      </p:pic>
+      <p:pic>
+        <p:nvPicPr>
+          <p:cNvPr id="6" name="그림 5"/>
+          <p:cNvPicPr>
+            <a:picLocks noChangeAspect="1"/>
+          </p:cNvPicPr>
+          <p:nvPr/>
+        </p:nvPicPr>
+        <p:blipFill>
+          <a:blip r:embed="rId3"/>
+          <a:stretch>
+            <a:fillRect/>
+          </a:stretch>
+        </p:blipFill>
+        <p:spPr>
+          <a:xfrm>
+            <a:off x="8410302" y="1469232"/>
+            <a:ext cx="2044070" cy="5157242"/>
+          </a:xfrm>
+          <a:prstGeom prst="rect">
+            <a:avLst/>
+          </a:prstGeom>
+        </p:spPr>
+      </p:pic>
+    </p:spTree>
+    <p:extLst>
+      <p:ext uri="{BB962C8B-B14F-4D97-AF65-F5344CB8AC3E}">
+        <p14:creationId xmlns:p14="http://schemas.microsoft.com/office/powerpoint/2010/main" val="365984365"/>
       </p:ext>
     </p:extLst>
   </p:cSld>
@@ -5847,7 +6226,7 @@
           <p:cNvPr id="2" name="제목 1">
             <a:extLst>
               <a:ext uri="{FF2B5EF4-FFF2-40B4-BE49-F238E27FC236}">
-                <a16:creationId xmlns:a16="http://schemas.microsoft.com/office/drawing/2014/main" id="{14BB1C82-A6EA-6728-B361-E427A5FC1F6A}"/>
+                <a16:creationId xmlns:a16="http://schemas.microsoft.com/office/drawing/2014/main" xmlns="" id="{14BB1C82-A6EA-6728-B361-E427A5FC1F6A}"/>
               </a:ext>
             </a:extLst>
           </p:cNvPr>
@@ -5875,7 +6254,7 @@
           <p:cNvPr id="4" name="TextBox 3">
             <a:extLst>
               <a:ext uri="{FF2B5EF4-FFF2-40B4-BE49-F238E27FC236}">
-                <a16:creationId xmlns:a16="http://schemas.microsoft.com/office/drawing/2014/main" id="{72BBAB84-0694-DC88-D714-275A4863F544}"/>
+                <a16:creationId xmlns:a16="http://schemas.microsoft.com/office/drawing/2014/main" xmlns="" id="{72BBAB84-0694-DC88-D714-275A4863F544}"/>
               </a:ext>
             </a:extLst>
           </p:cNvPr>
@@ -5946,12 +6325,37 @@
             </a:r>
             <a:r>
               <a:rPr lang="ko-KR" altLang="en-US" dirty="0"/>
-              <a:t> 추천함</a:t>
-            </a:r>
-            <a:r>
-              <a:rPr lang="en-US" altLang="ko-KR" dirty="0"/>
-              <a:t>.</a:t>
-            </a:r>
+              <a:t> </a:t>
+            </a:r>
+            <a:r>
+              <a:rPr lang="ko-KR" altLang="en-US"/>
+              <a:t>추천함</a:t>
+            </a:r>
+            <a:r>
+              <a:rPr lang="en-US" altLang="ko-KR" dirty="0" smtClean="0"/>
+              <a:t>. (</a:t>
+            </a:r>
+            <a:r>
+              <a:rPr lang="ko-KR" altLang="en-US" smtClean="0"/>
+              <a:t>파이썬 </a:t>
+            </a:r>
+            <a:r>
+              <a:rPr lang="en-US" altLang="ko-KR" dirty="0" err="1" smtClean="0"/>
+              <a:t>graphviz</a:t>
+            </a:r>
+            <a:r>
+              <a:rPr lang="en-US" altLang="ko-KR" dirty="0" smtClean="0"/>
+              <a:t> </a:t>
+            </a:r>
+            <a:r>
+              <a:rPr lang="ko-KR" altLang="en-US" smtClean="0"/>
+              <a:t>패키지로도 가능함</a:t>
+            </a:r>
+            <a:r>
+              <a:rPr lang="en-US" altLang="ko-KR" dirty="0" smtClean="0"/>
+              <a:t>)</a:t>
+            </a:r>
+            <a:endParaRPr lang="en-US" altLang="ko-KR" dirty="0"/>
           </a:p>
           <a:p>
             <a:pPr marL="285750" indent="-285750">
@@ -5973,7 +6377,7 @@
           <p:cNvPr id="6" name="그림 5">
             <a:extLst>
               <a:ext uri="{FF2B5EF4-FFF2-40B4-BE49-F238E27FC236}">
-                <a16:creationId xmlns:a16="http://schemas.microsoft.com/office/drawing/2014/main" id="{A04A06C9-3E58-9972-BB66-0CCBEFD188EE}"/>
+                <a16:creationId xmlns:a16="http://schemas.microsoft.com/office/drawing/2014/main" xmlns="" id="{A04A06C9-3E58-9972-BB66-0CCBEFD188EE}"/>
               </a:ext>
             </a:extLst>
           </p:cNvPr>
@@ -6003,7 +6407,7 @@
           <p:cNvPr id="7" name="TextBox 6">
             <a:extLst>
               <a:ext uri="{FF2B5EF4-FFF2-40B4-BE49-F238E27FC236}">
-                <a16:creationId xmlns:a16="http://schemas.microsoft.com/office/drawing/2014/main" id="{01EBA715-9232-74C3-577C-A18AB9C54A44}"/>
+                <a16:creationId xmlns:a16="http://schemas.microsoft.com/office/drawing/2014/main" xmlns="" id="{01EBA715-9232-74C3-577C-A18AB9C54A44}"/>
               </a:ext>
             </a:extLst>
           </p:cNvPr>
@@ -6038,7 +6442,7 @@
           <p:cNvPr id="8" name="TextBox 7">
             <a:extLst>
               <a:ext uri="{FF2B5EF4-FFF2-40B4-BE49-F238E27FC236}">
-                <a16:creationId xmlns:a16="http://schemas.microsoft.com/office/drawing/2014/main" id="{FEEE66A8-9B0F-C8D9-A5B0-A93B3DAD5FC7}"/>
+                <a16:creationId xmlns:a16="http://schemas.microsoft.com/office/drawing/2014/main" xmlns="" id="{FEEE66A8-9B0F-C8D9-A5B0-A93B3DAD5FC7}"/>
               </a:ext>
             </a:extLst>
           </p:cNvPr>
@@ -6085,7 +6489,7 @@
           <p:cNvPr id="9" name="TextBox 8">
             <a:extLst>
               <a:ext uri="{FF2B5EF4-FFF2-40B4-BE49-F238E27FC236}">
-                <a16:creationId xmlns:a16="http://schemas.microsoft.com/office/drawing/2014/main" id="{476285DE-00FE-5612-EDC2-71C16EB0E470}"/>
+                <a16:creationId xmlns:a16="http://schemas.microsoft.com/office/drawing/2014/main" xmlns="" id="{476285DE-00FE-5612-EDC2-71C16EB0E470}"/>
               </a:ext>
             </a:extLst>
           </p:cNvPr>
@@ -6202,7 +6606,7 @@
         <p:cNvPr id="1" name="">
           <a:extLst>
             <a:ext uri="{FF2B5EF4-FFF2-40B4-BE49-F238E27FC236}">
-              <a16:creationId xmlns:a16="http://schemas.microsoft.com/office/drawing/2014/main" id="{6B1C8839-CE4E-7CE3-8693-41E64885C9D0}"/>
+              <a16:creationId xmlns:a16="http://schemas.microsoft.com/office/drawing/2014/main" xmlns="" id="{6B1C8839-CE4E-7CE3-8693-41E64885C9D0}"/>
             </a:ext>
           </a:extLst>
         </p:cNvPr>
@@ -6222,7 +6626,7 @@
           <p:cNvPr id="2" name="제목 1">
             <a:extLst>
               <a:ext uri="{FF2B5EF4-FFF2-40B4-BE49-F238E27FC236}">
-                <a16:creationId xmlns:a16="http://schemas.microsoft.com/office/drawing/2014/main" id="{026EAAD6-AFE5-5440-730E-EC79C23A980F}"/>
+                <a16:creationId xmlns:a16="http://schemas.microsoft.com/office/drawing/2014/main" xmlns="" id="{026EAAD6-AFE5-5440-730E-EC79C23A980F}"/>
               </a:ext>
             </a:extLst>
           </p:cNvPr>
@@ -6250,7 +6654,7 @@
           <p:cNvPr id="3" name="TextBox 2">
             <a:extLst>
               <a:ext uri="{FF2B5EF4-FFF2-40B4-BE49-F238E27FC236}">
-                <a16:creationId xmlns:a16="http://schemas.microsoft.com/office/drawing/2014/main" id="{218384D2-37E7-26BD-F220-17CFC22134C9}"/>
+                <a16:creationId xmlns:a16="http://schemas.microsoft.com/office/drawing/2014/main" xmlns="" id="{218384D2-37E7-26BD-F220-17CFC22134C9}"/>
               </a:ext>
             </a:extLst>
           </p:cNvPr>
@@ -6285,7 +6689,7 @@
           <p:cNvPr id="10" name="그림 9">
             <a:extLst>
               <a:ext uri="{FF2B5EF4-FFF2-40B4-BE49-F238E27FC236}">
-                <a16:creationId xmlns:a16="http://schemas.microsoft.com/office/drawing/2014/main" id="{2CFE714E-8B99-4A61-949A-9B8B882F7F56}"/>
+                <a16:creationId xmlns:a16="http://schemas.microsoft.com/office/drawing/2014/main" xmlns="" id="{2CFE714E-8B99-4A61-949A-9B8B882F7F56}"/>
               </a:ext>
             </a:extLst>
           </p:cNvPr>
@@ -6317,7 +6721,7 @@
               <p:cNvPr id="11" name="TextBox 10">
                 <a:extLst>
                   <a:ext uri="{FF2B5EF4-FFF2-40B4-BE49-F238E27FC236}">
-                    <a16:creationId xmlns:a16="http://schemas.microsoft.com/office/drawing/2014/main" id="{4D35AE25-4A04-36F7-0AB5-F37C64B8F24D}"/>
+                    <a16:creationId xmlns:a16="http://schemas.microsoft.com/office/drawing/2014/main" xmlns="" id="{4D35AE25-4A04-36F7-0AB5-F37C64B8F24D}"/>
                   </a:ext>
                 </a:extLst>
               </p:cNvPr>
@@ -6972,7 +7376,7 @@
         <p:cNvPr id="1" name="">
           <a:extLst>
             <a:ext uri="{FF2B5EF4-FFF2-40B4-BE49-F238E27FC236}">
-              <a16:creationId xmlns:a16="http://schemas.microsoft.com/office/drawing/2014/main" id="{B74E552E-1E03-47B2-8153-1E5F31444B3D}"/>
+              <a16:creationId xmlns:a16="http://schemas.microsoft.com/office/drawing/2014/main" xmlns="" id="{B74E552E-1E03-47B2-8153-1E5F31444B3D}"/>
             </a:ext>
           </a:extLst>
         </p:cNvPr>
@@ -6992,7 +7396,7 @@
           <p:cNvPr id="2" name="제목 1">
             <a:extLst>
               <a:ext uri="{FF2B5EF4-FFF2-40B4-BE49-F238E27FC236}">
-                <a16:creationId xmlns:a16="http://schemas.microsoft.com/office/drawing/2014/main" id="{501C5DD8-FAFA-D99D-147E-6323F1B6D987}"/>
+                <a16:creationId xmlns:a16="http://schemas.microsoft.com/office/drawing/2014/main" xmlns="" id="{501C5DD8-FAFA-D99D-147E-6323F1B6D987}"/>
               </a:ext>
             </a:extLst>
           </p:cNvPr>
@@ -7020,7 +7424,7 @@
           <p:cNvPr id="4" name="TextBox 3">
             <a:extLst>
               <a:ext uri="{FF2B5EF4-FFF2-40B4-BE49-F238E27FC236}">
-                <a16:creationId xmlns:a16="http://schemas.microsoft.com/office/drawing/2014/main" id="{6C3E79F7-4FC2-FF97-0DB2-10D4A5A4A057}"/>
+                <a16:creationId xmlns:a16="http://schemas.microsoft.com/office/drawing/2014/main" xmlns="" id="{6C3E79F7-4FC2-FF97-0DB2-10D4A5A4A057}"/>
               </a:ext>
             </a:extLst>
           </p:cNvPr>
@@ -7064,7 +7468,7 @@
           <p:cNvPr id="5" name="TextBox 4">
             <a:extLst>
               <a:ext uri="{FF2B5EF4-FFF2-40B4-BE49-F238E27FC236}">
-                <a16:creationId xmlns:a16="http://schemas.microsoft.com/office/drawing/2014/main" id="{58CB9E7A-707B-A045-C1BC-F065EF232879}"/>
+                <a16:creationId xmlns:a16="http://schemas.microsoft.com/office/drawing/2014/main" xmlns="" id="{58CB9E7A-707B-A045-C1BC-F065EF232879}"/>
               </a:ext>
             </a:extLst>
           </p:cNvPr>
@@ -7108,7 +7512,7 @@
           <p:cNvPr id="6" name="TextBox 5">
             <a:extLst>
               <a:ext uri="{FF2B5EF4-FFF2-40B4-BE49-F238E27FC236}">
-                <a16:creationId xmlns:a16="http://schemas.microsoft.com/office/drawing/2014/main" id="{1DEBE6FC-0DA9-E469-6624-02460E6ADB27}"/>
+                <a16:creationId xmlns:a16="http://schemas.microsoft.com/office/drawing/2014/main" xmlns="" id="{1DEBE6FC-0DA9-E469-6624-02460E6ADB27}"/>
               </a:ext>
             </a:extLst>
           </p:cNvPr>
@@ -7156,7 +7560,7 @@
           <p:cNvPr id="8" name="그림 7">
             <a:extLst>
               <a:ext uri="{FF2B5EF4-FFF2-40B4-BE49-F238E27FC236}">
-                <a16:creationId xmlns:a16="http://schemas.microsoft.com/office/drawing/2014/main" id="{3CB5B243-B2F9-80A9-CA41-53B5868CF885}"/>
+                <a16:creationId xmlns:a16="http://schemas.microsoft.com/office/drawing/2014/main" xmlns="" id="{3CB5B243-B2F9-80A9-CA41-53B5868CF885}"/>
               </a:ext>
             </a:extLst>
           </p:cNvPr>
@@ -7186,7 +7590,7 @@
           <p:cNvPr id="12" name="그림 11">
             <a:extLst>
               <a:ext uri="{FF2B5EF4-FFF2-40B4-BE49-F238E27FC236}">
-                <a16:creationId xmlns:a16="http://schemas.microsoft.com/office/drawing/2014/main" id="{FBDE8A5D-4182-0864-3740-8602AA274EF0}"/>
+                <a16:creationId xmlns:a16="http://schemas.microsoft.com/office/drawing/2014/main" xmlns="" id="{FBDE8A5D-4182-0864-3740-8602AA274EF0}"/>
               </a:ext>
             </a:extLst>
           </p:cNvPr>
@@ -7216,7 +7620,7 @@
           <p:cNvPr id="14" name="그림 13">
             <a:extLst>
               <a:ext uri="{FF2B5EF4-FFF2-40B4-BE49-F238E27FC236}">
-                <a16:creationId xmlns:a16="http://schemas.microsoft.com/office/drawing/2014/main" id="{CF1E87A8-1DFA-7348-610F-B728E229AEF1}"/>
+                <a16:creationId xmlns:a16="http://schemas.microsoft.com/office/drawing/2014/main" xmlns="" id="{CF1E87A8-1DFA-7348-610F-B728E229AEF1}"/>
               </a:ext>
             </a:extLst>
           </p:cNvPr>
@@ -7246,7 +7650,7 @@
           <p:cNvPr id="15" name="TextBox 14">
             <a:extLst>
               <a:ext uri="{FF2B5EF4-FFF2-40B4-BE49-F238E27FC236}">
-                <a16:creationId xmlns:a16="http://schemas.microsoft.com/office/drawing/2014/main" id="{C5818F4B-6B41-CD9C-C80F-8C63FEF59FCA}"/>
+                <a16:creationId xmlns:a16="http://schemas.microsoft.com/office/drawing/2014/main" xmlns="" id="{C5818F4B-6B41-CD9C-C80F-8C63FEF59FCA}"/>
               </a:ext>
             </a:extLst>
           </p:cNvPr>
@@ -7287,7 +7691,7 @@
           <p:cNvPr id="16" name="TextBox 15">
             <a:extLst>
               <a:ext uri="{FF2B5EF4-FFF2-40B4-BE49-F238E27FC236}">
-                <a16:creationId xmlns:a16="http://schemas.microsoft.com/office/drawing/2014/main" id="{D40EF9F8-0108-7773-D96E-FA5053BE3CFE}"/>
+                <a16:creationId xmlns:a16="http://schemas.microsoft.com/office/drawing/2014/main" xmlns="" id="{D40EF9F8-0108-7773-D96E-FA5053BE3CFE}"/>
               </a:ext>
             </a:extLst>
           </p:cNvPr>
@@ -7335,7 +7739,7 @@
           <p:cNvPr id="17" name="TextBox 16">
             <a:extLst>
               <a:ext uri="{FF2B5EF4-FFF2-40B4-BE49-F238E27FC236}">
-                <a16:creationId xmlns:a16="http://schemas.microsoft.com/office/drawing/2014/main" id="{75DDDCCD-6460-B73E-A0A1-D4E74937F945}"/>
+                <a16:creationId xmlns:a16="http://schemas.microsoft.com/office/drawing/2014/main" xmlns="" id="{75DDDCCD-6460-B73E-A0A1-D4E74937F945}"/>
               </a:ext>
             </a:extLst>
           </p:cNvPr>
@@ -7376,7 +7780,7 @@
           <p:cNvPr id="18" name="TextBox 17">
             <a:extLst>
               <a:ext uri="{FF2B5EF4-FFF2-40B4-BE49-F238E27FC236}">
-                <a16:creationId xmlns:a16="http://schemas.microsoft.com/office/drawing/2014/main" id="{C77F4F4E-E71D-EC85-56A6-1F93CAC579B0}"/>
+                <a16:creationId xmlns:a16="http://schemas.microsoft.com/office/drawing/2014/main" xmlns="" id="{C77F4F4E-E71D-EC85-56A6-1F93CAC579B0}"/>
               </a:ext>
             </a:extLst>
           </p:cNvPr>
@@ -7417,7 +7821,7 @@
           <p:cNvPr id="19" name="TextBox 18">
             <a:extLst>
               <a:ext uri="{FF2B5EF4-FFF2-40B4-BE49-F238E27FC236}">
-                <a16:creationId xmlns:a16="http://schemas.microsoft.com/office/drawing/2014/main" id="{EBB52735-4682-C078-CA43-E435DB3F1CD4}"/>
+                <a16:creationId xmlns:a16="http://schemas.microsoft.com/office/drawing/2014/main" xmlns="" id="{EBB52735-4682-C078-CA43-E435DB3F1CD4}"/>
               </a:ext>
             </a:extLst>
           </p:cNvPr>
@@ -7465,7 +7869,7 @@
           <p:cNvPr id="20" name="TextBox 19">
             <a:extLst>
               <a:ext uri="{FF2B5EF4-FFF2-40B4-BE49-F238E27FC236}">
-                <a16:creationId xmlns:a16="http://schemas.microsoft.com/office/drawing/2014/main" id="{5CD4369C-8D0D-9B85-ADFD-9D0090D6CD0D}"/>
+                <a16:creationId xmlns:a16="http://schemas.microsoft.com/office/drawing/2014/main" xmlns="" id="{5CD4369C-8D0D-9B85-ADFD-9D0090D6CD0D}"/>
               </a:ext>
             </a:extLst>
           </p:cNvPr>
@@ -7506,7 +7910,7 @@
           <p:cNvPr id="21" name="TextBox 20">
             <a:extLst>
               <a:ext uri="{FF2B5EF4-FFF2-40B4-BE49-F238E27FC236}">
-                <a16:creationId xmlns:a16="http://schemas.microsoft.com/office/drawing/2014/main" id="{2521225A-E7AF-3892-E42B-75698FD1133F}"/>
+                <a16:creationId xmlns:a16="http://schemas.microsoft.com/office/drawing/2014/main" xmlns="" id="{2521225A-E7AF-3892-E42B-75698FD1133F}"/>
               </a:ext>
             </a:extLst>
           </p:cNvPr>
@@ -7566,7 +7970,7 @@
           <p:cNvPr id="22" name="TextBox 21">
             <a:extLst>
               <a:ext uri="{FF2B5EF4-FFF2-40B4-BE49-F238E27FC236}">
-                <a16:creationId xmlns:a16="http://schemas.microsoft.com/office/drawing/2014/main" id="{27C53A6A-B254-23F6-181B-B5E8607795D7}"/>
+                <a16:creationId xmlns:a16="http://schemas.microsoft.com/office/drawing/2014/main" xmlns="" id="{27C53A6A-B254-23F6-181B-B5E8607795D7}"/>
               </a:ext>
             </a:extLst>
           </p:cNvPr>
@@ -7633,7 +8037,7 @@
           <p:cNvPr id="23" name="TextBox 22">
             <a:extLst>
               <a:ext uri="{FF2B5EF4-FFF2-40B4-BE49-F238E27FC236}">
-                <a16:creationId xmlns:a16="http://schemas.microsoft.com/office/drawing/2014/main" id="{9A5CC3F2-9378-6957-A364-7A06B7F345D2}"/>
+                <a16:creationId xmlns:a16="http://schemas.microsoft.com/office/drawing/2014/main" xmlns="" id="{9A5CC3F2-9378-6957-A364-7A06B7F345D2}"/>
               </a:ext>
             </a:extLst>
           </p:cNvPr>
@@ -7674,7 +8078,7 @@
           <p:cNvPr id="24" name="TextBox 23">
             <a:extLst>
               <a:ext uri="{FF2B5EF4-FFF2-40B4-BE49-F238E27FC236}">
-                <a16:creationId xmlns:a16="http://schemas.microsoft.com/office/drawing/2014/main" id="{E377FBF7-4D51-5B37-2E12-97DA817C5DCE}"/>
+                <a16:creationId xmlns:a16="http://schemas.microsoft.com/office/drawing/2014/main" xmlns="" id="{E377FBF7-4D51-5B37-2E12-97DA817C5DCE}"/>
               </a:ext>
             </a:extLst>
           </p:cNvPr>
@@ -7741,7 +8145,7 @@
           <p:cNvPr id="25" name="TextBox 24">
             <a:extLst>
               <a:ext uri="{FF2B5EF4-FFF2-40B4-BE49-F238E27FC236}">
-                <a16:creationId xmlns:a16="http://schemas.microsoft.com/office/drawing/2014/main" id="{C26CF8D5-4D56-F0CB-F067-95D41D3E5902}"/>
+                <a16:creationId xmlns:a16="http://schemas.microsoft.com/office/drawing/2014/main" xmlns="" id="{C26CF8D5-4D56-F0CB-F067-95D41D3E5902}"/>
               </a:ext>
             </a:extLst>
           </p:cNvPr>
@@ -7799,7 +8203,7 @@
           <p:cNvPr id="26" name="TextBox 25">
             <a:extLst>
               <a:ext uri="{FF2B5EF4-FFF2-40B4-BE49-F238E27FC236}">
-                <a16:creationId xmlns:a16="http://schemas.microsoft.com/office/drawing/2014/main" id="{5205818B-EDE8-FEDA-3769-4ACFF45CEFFE}"/>
+                <a16:creationId xmlns:a16="http://schemas.microsoft.com/office/drawing/2014/main" xmlns="" id="{5205818B-EDE8-FEDA-3769-4ACFF45CEFFE}"/>
               </a:ext>
             </a:extLst>
           </p:cNvPr>
@@ -7879,7 +8283,7 @@
         <p:cNvPr id="1" name="">
           <a:extLst>
             <a:ext uri="{FF2B5EF4-FFF2-40B4-BE49-F238E27FC236}">
-              <a16:creationId xmlns:a16="http://schemas.microsoft.com/office/drawing/2014/main" id="{318A8168-7067-05D2-F7A4-8B8F9836CAFF}"/>
+              <a16:creationId xmlns:a16="http://schemas.microsoft.com/office/drawing/2014/main" xmlns="" id="{318A8168-7067-05D2-F7A4-8B8F9836CAFF}"/>
             </a:ext>
           </a:extLst>
         </p:cNvPr>
@@ -7899,7 +8303,7 @@
           <p:cNvPr id="2" name="제목 1">
             <a:extLst>
               <a:ext uri="{FF2B5EF4-FFF2-40B4-BE49-F238E27FC236}">
-                <a16:creationId xmlns:a16="http://schemas.microsoft.com/office/drawing/2014/main" id="{CF049192-D555-2BBB-CD78-34E967DBFCEE}"/>
+                <a16:creationId xmlns:a16="http://schemas.microsoft.com/office/drawing/2014/main" xmlns="" id="{CF049192-D555-2BBB-CD78-34E967DBFCEE}"/>
               </a:ext>
             </a:extLst>
           </p:cNvPr>
@@ -7931,7 +8335,7 @@
           <p:cNvPr id="3" name="TextBox 2">
             <a:extLst>
               <a:ext uri="{FF2B5EF4-FFF2-40B4-BE49-F238E27FC236}">
-                <a16:creationId xmlns:a16="http://schemas.microsoft.com/office/drawing/2014/main" id="{091019BC-A899-0366-F728-21AC7C22DF7A}"/>
+                <a16:creationId xmlns:a16="http://schemas.microsoft.com/office/drawing/2014/main" xmlns="" id="{091019BC-A899-0366-F728-21AC7C22DF7A}"/>
               </a:ext>
             </a:extLst>
           </p:cNvPr>
@@ -8140,7 +8544,7 @@
         <p:cNvPr id="1" name="">
           <a:extLst>
             <a:ext uri="{FF2B5EF4-FFF2-40B4-BE49-F238E27FC236}">
-              <a16:creationId xmlns:a16="http://schemas.microsoft.com/office/drawing/2014/main" id="{CC89A141-3CED-8AB5-352D-4C7EC3E2B54A}"/>
+              <a16:creationId xmlns:a16="http://schemas.microsoft.com/office/drawing/2014/main" xmlns="" id="{CC89A141-3CED-8AB5-352D-4C7EC3E2B54A}"/>
             </a:ext>
           </a:extLst>
         </p:cNvPr>
@@ -8160,7 +8564,7 @@
           <p:cNvPr id="2" name="제목 1">
             <a:extLst>
               <a:ext uri="{FF2B5EF4-FFF2-40B4-BE49-F238E27FC236}">
-                <a16:creationId xmlns:a16="http://schemas.microsoft.com/office/drawing/2014/main" id="{C3A6C5C9-BEDD-5862-FE63-1A321F9356E8}"/>
+                <a16:creationId xmlns:a16="http://schemas.microsoft.com/office/drawing/2014/main" xmlns="" id="{C3A6C5C9-BEDD-5862-FE63-1A321F9356E8}"/>
               </a:ext>
             </a:extLst>
           </p:cNvPr>
@@ -8183,14 +8587,14 @@
           </a:p>
         </p:txBody>
       </p:sp>
-      <mc:AlternateContent xmlns:mc="http://schemas.openxmlformats.org/markup-compatibility/2006">
-        <mc:Choice xmlns:a14="http://schemas.microsoft.com/office/drawing/2010/main" Requires="a14">
+      <mc:AlternateContent xmlns:mc="http://schemas.openxmlformats.org/markup-compatibility/2006" xmlns:a14="http://schemas.microsoft.com/office/drawing/2010/main">
+        <mc:Choice Requires="a14">
           <p:sp>
             <p:nvSpPr>
               <p:cNvPr id="3" name="TextBox 2">
                 <a:extLst>
                   <a:ext uri="{FF2B5EF4-FFF2-40B4-BE49-F238E27FC236}">
-                    <a16:creationId xmlns:a16="http://schemas.microsoft.com/office/drawing/2014/main" id="{C09A3496-4F8C-00CF-7D7A-40AD38C8E738}"/>
+                    <a16:creationId xmlns:a16="http://schemas.microsoft.com/office/drawing/2014/main" xmlns="" id="{C09A3496-4F8C-00CF-7D7A-40AD38C8E738}"/>
                   </a:ext>
                 </a:extLst>
               </p:cNvPr>
@@ -8389,6 +8793,7 @@
                 <a:endParaRPr lang="en-US" altLang="ko-KR" dirty="0"/>
               </a:p>
               <a:p>
+                <a:pPr/>
                 <a14:m>
                   <m:oMathPara xmlns:m="http://schemas.openxmlformats.org/officeDocument/2006/math">
                     <m:oMathParaPr>
@@ -8628,7 +9033,7 @@
             </p:txBody>
           </p:sp>
         </mc:Choice>
-        <mc:Fallback>
+        <mc:Fallback xmlns="">
           <p:sp>
             <p:nvSpPr>
               <p:cNvPr id="3" name="TextBox 2">
@@ -8694,7 +9099,7 @@
         <p:cNvPr id="1" name="">
           <a:extLst>
             <a:ext uri="{FF2B5EF4-FFF2-40B4-BE49-F238E27FC236}">
-              <a16:creationId xmlns:a16="http://schemas.microsoft.com/office/drawing/2014/main" id="{4605354F-A74A-91D1-DFA3-00741B95C70F}"/>
+              <a16:creationId xmlns:a16="http://schemas.microsoft.com/office/drawing/2014/main" xmlns="" id="{4605354F-A74A-91D1-DFA3-00741B95C70F}"/>
             </a:ext>
           </a:extLst>
         </p:cNvPr>
@@ -8714,7 +9119,7 @@
           <p:cNvPr id="2" name="제목 1">
             <a:extLst>
               <a:ext uri="{FF2B5EF4-FFF2-40B4-BE49-F238E27FC236}">
-                <a16:creationId xmlns:a16="http://schemas.microsoft.com/office/drawing/2014/main" id="{9990A3E9-0B89-A1B0-40DD-0250684F91CC}"/>
+                <a16:creationId xmlns:a16="http://schemas.microsoft.com/office/drawing/2014/main" xmlns="" id="{9990A3E9-0B89-A1B0-40DD-0250684F91CC}"/>
               </a:ext>
             </a:extLst>
           </p:cNvPr>
@@ -8742,7 +9147,7 @@
           <p:cNvPr id="3" name="TextBox 2">
             <a:extLst>
               <a:ext uri="{FF2B5EF4-FFF2-40B4-BE49-F238E27FC236}">
-                <a16:creationId xmlns:a16="http://schemas.microsoft.com/office/drawing/2014/main" id="{3B0E4A2B-9F41-CCEC-D3E4-A97E9BABED27}"/>
+                <a16:creationId xmlns:a16="http://schemas.microsoft.com/office/drawing/2014/main" xmlns="" id="{3B0E4A2B-9F41-CCEC-D3E4-A97E9BABED27}"/>
               </a:ext>
             </a:extLst>
           </p:cNvPr>
@@ -8832,7 +9237,7 @@
           <p:cNvPr id="4" name="TextBox 3">
             <a:extLst>
               <a:ext uri="{FF2B5EF4-FFF2-40B4-BE49-F238E27FC236}">
-                <a16:creationId xmlns:a16="http://schemas.microsoft.com/office/drawing/2014/main" id="{88DED589-0F89-749C-33B4-9FBE602A7CB3}"/>
+                <a16:creationId xmlns:a16="http://schemas.microsoft.com/office/drawing/2014/main" xmlns="" id="{88DED589-0F89-749C-33B4-9FBE602A7CB3}"/>
               </a:ext>
             </a:extLst>
           </p:cNvPr>
@@ -8867,7 +9272,7 @@
           <p:cNvPr id="5" name="그림 4">
             <a:extLst>
               <a:ext uri="{FF2B5EF4-FFF2-40B4-BE49-F238E27FC236}">
-                <a16:creationId xmlns:a16="http://schemas.microsoft.com/office/drawing/2014/main" id="{8C5EC492-6AB6-71B6-54BE-0CB1B5EE7C0D}"/>
+                <a16:creationId xmlns:a16="http://schemas.microsoft.com/office/drawing/2014/main" xmlns="" id="{8C5EC492-6AB6-71B6-54BE-0CB1B5EE7C0D}"/>
               </a:ext>
             </a:extLst>
           </p:cNvPr>
@@ -8897,7 +9302,7 @@
           <p:cNvPr id="6" name="TextBox 5">
             <a:extLst>
               <a:ext uri="{FF2B5EF4-FFF2-40B4-BE49-F238E27FC236}">
-                <a16:creationId xmlns:a16="http://schemas.microsoft.com/office/drawing/2014/main" id="{AD1B1592-99DC-4933-D531-3087505F37BC}"/>
+                <a16:creationId xmlns:a16="http://schemas.microsoft.com/office/drawing/2014/main" xmlns="" id="{AD1B1592-99DC-4933-D531-3087505F37BC}"/>
               </a:ext>
             </a:extLst>
           </p:cNvPr>
@@ -8941,7 +9346,7 @@
           <p:cNvPr id="7" name="TextBox 6">
             <a:extLst>
               <a:ext uri="{FF2B5EF4-FFF2-40B4-BE49-F238E27FC236}">
-                <a16:creationId xmlns:a16="http://schemas.microsoft.com/office/drawing/2014/main" id="{9CCF0F4D-BD76-B6A2-CFCE-D8A2E894F2D1}"/>
+                <a16:creationId xmlns:a16="http://schemas.microsoft.com/office/drawing/2014/main" xmlns="" id="{9CCF0F4D-BD76-B6A2-CFCE-D8A2E894F2D1}"/>
               </a:ext>
             </a:extLst>
           </p:cNvPr>
@@ -8985,7 +9390,7 @@
           <p:cNvPr id="8" name="TextBox 7">
             <a:extLst>
               <a:ext uri="{FF2B5EF4-FFF2-40B4-BE49-F238E27FC236}">
-                <a16:creationId xmlns:a16="http://schemas.microsoft.com/office/drawing/2014/main" id="{3F4819DE-58FF-7241-57D2-CEA5D4DBE812}"/>
+                <a16:creationId xmlns:a16="http://schemas.microsoft.com/office/drawing/2014/main" xmlns="" id="{3F4819DE-58FF-7241-57D2-CEA5D4DBE812}"/>
               </a:ext>
             </a:extLst>
           </p:cNvPr>
@@ -9029,7 +9434,7 @@
           <p:cNvPr id="9" name="TextBox 8">
             <a:extLst>
               <a:ext uri="{FF2B5EF4-FFF2-40B4-BE49-F238E27FC236}">
-                <a16:creationId xmlns:a16="http://schemas.microsoft.com/office/drawing/2014/main" id="{CA2EC438-117B-BF6F-ADD7-E77AFAB1BE1F}"/>
+                <a16:creationId xmlns:a16="http://schemas.microsoft.com/office/drawing/2014/main" xmlns="" id="{CA2EC438-117B-BF6F-ADD7-E77AFAB1BE1F}"/>
               </a:ext>
             </a:extLst>
           </p:cNvPr>
@@ -9176,7 +9581,7 @@
         <p:cNvPr id="1" name="">
           <a:extLst>
             <a:ext uri="{FF2B5EF4-FFF2-40B4-BE49-F238E27FC236}">
-              <a16:creationId xmlns:a16="http://schemas.microsoft.com/office/drawing/2014/main" id="{00B31CE8-260F-3E14-7E47-6F9E18BCCEF3}"/>
+              <a16:creationId xmlns:a16="http://schemas.microsoft.com/office/drawing/2014/main" xmlns="" id="{00B31CE8-260F-3E14-7E47-6F9E18BCCEF3}"/>
             </a:ext>
           </a:extLst>
         </p:cNvPr>
@@ -9196,7 +9601,7 @@
           <p:cNvPr id="2" name="제목 1">
             <a:extLst>
               <a:ext uri="{FF2B5EF4-FFF2-40B4-BE49-F238E27FC236}">
-                <a16:creationId xmlns:a16="http://schemas.microsoft.com/office/drawing/2014/main" id="{9816164F-C75E-A2F2-F645-9BC5F5BD5798}"/>
+                <a16:creationId xmlns:a16="http://schemas.microsoft.com/office/drawing/2014/main" xmlns="" id="{9816164F-C75E-A2F2-F645-9BC5F5BD5798}"/>
               </a:ext>
             </a:extLst>
           </p:cNvPr>
@@ -9224,7 +9629,7 @@
           <p:cNvPr id="4" name="그림 3">
             <a:extLst>
               <a:ext uri="{FF2B5EF4-FFF2-40B4-BE49-F238E27FC236}">
-                <a16:creationId xmlns:a16="http://schemas.microsoft.com/office/drawing/2014/main" id="{46E21F42-2C10-FD81-624B-15DFC8FE910C}"/>
+                <a16:creationId xmlns:a16="http://schemas.microsoft.com/office/drawing/2014/main" xmlns="" id="{46E21F42-2C10-FD81-624B-15DFC8FE910C}"/>
               </a:ext>
             </a:extLst>
           </p:cNvPr>
@@ -9254,7 +9659,7 @@
           <p:cNvPr id="6" name="직선 화살표 연결선 5">
             <a:extLst>
               <a:ext uri="{FF2B5EF4-FFF2-40B4-BE49-F238E27FC236}">
-                <a16:creationId xmlns:a16="http://schemas.microsoft.com/office/drawing/2014/main" id="{3130BF4F-AE35-5C67-6656-2D716E176F44}"/>
+                <a16:creationId xmlns:a16="http://schemas.microsoft.com/office/drawing/2014/main" xmlns="" id="{3130BF4F-AE35-5C67-6656-2D716E176F44}"/>
               </a:ext>
             </a:extLst>
           </p:cNvPr>
@@ -9294,7 +9699,7 @@
           <p:cNvPr id="8" name="직선 연결선 7">
             <a:extLst>
               <a:ext uri="{FF2B5EF4-FFF2-40B4-BE49-F238E27FC236}">
-                <a16:creationId xmlns:a16="http://schemas.microsoft.com/office/drawing/2014/main" id="{E03D2999-5BAB-36D1-9B03-94934B3EF6E0}"/>
+                <a16:creationId xmlns:a16="http://schemas.microsoft.com/office/drawing/2014/main" xmlns="" id="{E03D2999-5BAB-36D1-9B03-94934B3EF6E0}"/>
               </a:ext>
             </a:extLst>
           </p:cNvPr>
@@ -9330,7 +9735,7 @@
           <p:cNvPr id="9" name="TextBox 8">
             <a:extLst>
               <a:ext uri="{FF2B5EF4-FFF2-40B4-BE49-F238E27FC236}">
-                <a16:creationId xmlns:a16="http://schemas.microsoft.com/office/drawing/2014/main" id="{DFFE2F0C-1EAC-E8B0-364B-4300F20EE5F3}"/>
+                <a16:creationId xmlns:a16="http://schemas.microsoft.com/office/drawing/2014/main" xmlns="" id="{DFFE2F0C-1EAC-E8B0-364B-4300F20EE5F3}"/>
               </a:ext>
             </a:extLst>
           </p:cNvPr>
@@ -9373,7 +9778,7 @@
           <p:cNvPr id="11" name="그림 10">
             <a:extLst>
               <a:ext uri="{FF2B5EF4-FFF2-40B4-BE49-F238E27FC236}">
-                <a16:creationId xmlns:a16="http://schemas.microsoft.com/office/drawing/2014/main" id="{B4889E90-4FA7-E91D-4242-02F607ABCDD5}"/>
+                <a16:creationId xmlns:a16="http://schemas.microsoft.com/office/drawing/2014/main" xmlns="" id="{B4889E90-4FA7-E91D-4242-02F607ABCDD5}"/>
               </a:ext>
             </a:extLst>
           </p:cNvPr>
@@ -9403,7 +9808,7 @@
           <p:cNvPr id="12" name="TextBox 11">
             <a:extLst>
               <a:ext uri="{FF2B5EF4-FFF2-40B4-BE49-F238E27FC236}">
-                <a16:creationId xmlns:a16="http://schemas.microsoft.com/office/drawing/2014/main" id="{E3D97CA8-09D5-87A7-68BB-B94831723E84}"/>
+                <a16:creationId xmlns:a16="http://schemas.microsoft.com/office/drawing/2014/main" xmlns="" id="{E3D97CA8-09D5-87A7-68BB-B94831723E84}"/>
               </a:ext>
             </a:extLst>
           </p:cNvPr>
@@ -9467,7 +9872,7 @@
           <p:cNvPr id="13" name="TextBox 12">
             <a:extLst>
               <a:ext uri="{FF2B5EF4-FFF2-40B4-BE49-F238E27FC236}">
-                <a16:creationId xmlns:a16="http://schemas.microsoft.com/office/drawing/2014/main" id="{7BC31E1F-D753-3BCF-1F35-59E7CB7A8E14}"/>
+                <a16:creationId xmlns:a16="http://schemas.microsoft.com/office/drawing/2014/main" xmlns="" id="{7BC31E1F-D753-3BCF-1F35-59E7CB7A8E14}"/>
               </a:ext>
             </a:extLst>
           </p:cNvPr>
@@ -9561,7 +9966,7 @@
           <p:cNvPr id="14" name="TextBox 13">
             <a:extLst>
               <a:ext uri="{FF2B5EF4-FFF2-40B4-BE49-F238E27FC236}">
-                <a16:creationId xmlns:a16="http://schemas.microsoft.com/office/drawing/2014/main" id="{C0FDE7CA-704E-73A5-A9FA-1AF966F88713}"/>
+                <a16:creationId xmlns:a16="http://schemas.microsoft.com/office/drawing/2014/main" xmlns="" id="{C0FDE7CA-704E-73A5-A9FA-1AF966F88713}"/>
               </a:ext>
             </a:extLst>
           </p:cNvPr>
@@ -9667,7 +10072,7 @@
         <p:cNvPr id="1" name="">
           <a:extLst>
             <a:ext uri="{FF2B5EF4-FFF2-40B4-BE49-F238E27FC236}">
-              <a16:creationId xmlns:a16="http://schemas.microsoft.com/office/drawing/2014/main" id="{DBCDB7E8-66F1-E094-63C8-99950201F501}"/>
+              <a16:creationId xmlns:a16="http://schemas.microsoft.com/office/drawing/2014/main" xmlns="" id="{DBCDB7E8-66F1-E094-63C8-99950201F501}"/>
             </a:ext>
           </a:extLst>
         </p:cNvPr>
@@ -9687,7 +10092,7 @@
           <p:cNvPr id="2" name="제목 1">
             <a:extLst>
               <a:ext uri="{FF2B5EF4-FFF2-40B4-BE49-F238E27FC236}">
-                <a16:creationId xmlns:a16="http://schemas.microsoft.com/office/drawing/2014/main" id="{FDBF07E5-215F-D9D6-DC2D-DE6492461B4A}"/>
+                <a16:creationId xmlns:a16="http://schemas.microsoft.com/office/drawing/2014/main" xmlns="" id="{FDBF07E5-215F-D9D6-DC2D-DE6492461B4A}"/>
               </a:ext>
             </a:extLst>
           </p:cNvPr>
@@ -9728,7 +10133,7 @@
           <p:cNvPr id="3" name="TextBox 2">
             <a:extLst>
               <a:ext uri="{FF2B5EF4-FFF2-40B4-BE49-F238E27FC236}">
-                <a16:creationId xmlns:a16="http://schemas.microsoft.com/office/drawing/2014/main" id="{0FA8BD79-9D73-BF2B-FC28-CCFDE6499E38}"/>
+                <a16:creationId xmlns:a16="http://schemas.microsoft.com/office/drawing/2014/main" xmlns="" id="{0FA8BD79-9D73-BF2B-FC28-CCFDE6499E38}"/>
               </a:ext>
             </a:extLst>
           </p:cNvPr>
@@ -9789,7 +10194,7 @@
           <p:cNvPr id="5" name="그림 4">
             <a:extLst>
               <a:ext uri="{FF2B5EF4-FFF2-40B4-BE49-F238E27FC236}">
-                <a16:creationId xmlns:a16="http://schemas.microsoft.com/office/drawing/2014/main" id="{2A4C5D82-7F91-DDB0-8A73-477570FDE2C7}"/>
+                <a16:creationId xmlns:a16="http://schemas.microsoft.com/office/drawing/2014/main" xmlns="" id="{2A4C5D82-7F91-DDB0-8A73-477570FDE2C7}"/>
               </a:ext>
             </a:extLst>
           </p:cNvPr>
@@ -9819,7 +10224,7 @@
           <p:cNvPr id="6" name="TextBox 5">
             <a:extLst>
               <a:ext uri="{FF2B5EF4-FFF2-40B4-BE49-F238E27FC236}">
-                <a16:creationId xmlns:a16="http://schemas.microsoft.com/office/drawing/2014/main" id="{C9DDC423-DA83-F3E3-DC50-098C23AB65FB}"/>
+                <a16:creationId xmlns:a16="http://schemas.microsoft.com/office/drawing/2014/main" xmlns="" id="{C9DDC423-DA83-F3E3-DC50-098C23AB65FB}"/>
               </a:ext>
             </a:extLst>
           </p:cNvPr>
@@ -9854,7 +10259,7 @@
           <p:cNvPr id="7" name="TextBox 6">
             <a:extLst>
               <a:ext uri="{FF2B5EF4-FFF2-40B4-BE49-F238E27FC236}">
-                <a16:creationId xmlns:a16="http://schemas.microsoft.com/office/drawing/2014/main" id="{C0F6CDCE-120B-C330-68A4-8CE70379AC61}"/>
+                <a16:creationId xmlns:a16="http://schemas.microsoft.com/office/drawing/2014/main" xmlns="" id="{C0F6CDCE-120B-C330-68A4-8CE70379AC61}"/>
               </a:ext>
             </a:extLst>
           </p:cNvPr>
